--- a/assets/slides/su24/08-Environments_Mutable_Data.pptx
+++ b/assets/slides/su24/08-Environments_Mutable_Data.pptx
@@ -5,7 +5,7 @@
     <p:sldMasterId id="2147483703" r:id="rId1"/>
   </p:sldMasterIdLst>
   <p:notesMasterIdLst>
-    <p:notesMasterId r:id="rId45"/>
+    <p:notesMasterId r:id="rId32"/>
   </p:notesMasterIdLst>
   <p:sldIdLst>
     <p:sldId id="413" r:id="rId2"/>
@@ -37,20 +37,7 @@
     <p:sldId id="260" r:id="rId28"/>
     <p:sldId id="304" r:id="rId29"/>
     <p:sldId id="264" r:id="rId30"/>
-    <p:sldId id="301" r:id="rId31"/>
-    <p:sldId id="302" r:id="rId32"/>
-    <p:sldId id="441" r:id="rId33"/>
-    <p:sldId id="305" r:id="rId34"/>
-    <p:sldId id="306" r:id="rId35"/>
-    <p:sldId id="268" r:id="rId36"/>
-    <p:sldId id="309" r:id="rId37"/>
-    <p:sldId id="298" r:id="rId38"/>
-    <p:sldId id="310" r:id="rId39"/>
-    <p:sldId id="291" r:id="rId40"/>
-    <p:sldId id="316" r:id="rId41"/>
-    <p:sldId id="320" r:id="rId42"/>
-    <p:sldId id="311" r:id="rId43"/>
-    <p:sldId id="444" r:id="rId44"/>
+    <p:sldId id="444" r:id="rId31"/>
   </p:sldIdLst>
   <p:sldSz cx="12192000" cy="6858000"/>
   <p:notesSz cx="6997700" cy="9194800"/>
@@ -838,472 +825,6 @@
 </p:notes>
 </file>
 
-<file path=ppt/notesSlides/notesSlide12.xml><?xml version="1.0" encoding="utf-8"?>
-<p:notes xmlns:a="http://schemas.openxmlformats.org/drawingml/2006/main" xmlns:r="http://schemas.openxmlformats.org/officeDocument/2006/relationships" xmlns:p="http://schemas.openxmlformats.org/presentationml/2006/main" showMasterSp="0" showMasterPhAnim="0">
-  <p:cSld>
-    <p:spTree>
-      <p:nvGrpSpPr>
-        <p:cNvPr id="1" name="Shape 195"/>
-        <p:cNvGrpSpPr/>
-        <p:nvPr/>
-      </p:nvGrpSpPr>
-      <p:grpSpPr>
-        <a:xfrm>
-          <a:off x="0" y="0"/>
-          <a:ext cx="0" cy="0"/>
-          <a:chOff x="0" y="0"/>
-          <a:chExt cx="0" cy="0"/>
-        </a:xfrm>
-      </p:grpSpPr>
-      <p:sp>
-        <p:nvSpPr>
-          <p:cNvPr id="196" name="Google Shape;196;p10:notes"/>
-          <p:cNvSpPr txBox="1">
-            <a:spLocks noGrp="1"/>
-          </p:cNvSpPr>
-          <p:nvPr>
-            <p:ph type="body" idx="1"/>
-          </p:nvPr>
-        </p:nvSpPr>
-        <p:spPr>
-          <a:xfrm>
-            <a:off x="933450" y="4367213"/>
-            <a:ext cx="5130800" cy="4137025"/>
-          </a:xfrm>
-          <a:prstGeom prst="rect">
-            <a:avLst/>
-          </a:prstGeom>
-        </p:spPr>
-        <p:txBody>
-          <a:bodyPr spcFirstLastPara="1" wrap="square" lIns="92900" tIns="45725" rIns="92900" bIns="45725" anchor="t" anchorCtr="0">
-            <a:noAutofit/>
-          </a:bodyPr>
-          <a:lstStyle/>
-          <a:p>
-            <a:pPr marL="0" lvl="0" indent="0" algn="l" rtl="0">
-              <a:spcBef>
-                <a:spcPts val="480"/>
-              </a:spcBef>
-              <a:spcAft>
-                <a:spcPts val="0"/>
-              </a:spcAft>
-              <a:buNone/>
-            </a:pPr>
-            <a:endParaRPr dirty="0">
-              <a:latin typeface="FreightSans Pro Medium" panose="02000606030000020004" pitchFamily="2" charset="0"/>
-            </a:endParaRPr>
-          </a:p>
-        </p:txBody>
-      </p:sp>
-      <p:sp>
-        <p:nvSpPr>
-          <p:cNvPr id="197" name="Google Shape;197;p10:notes"/>
-          <p:cNvSpPr>
-            <a:spLocks noGrp="1" noRot="1" noChangeAspect="1"/>
-          </p:cNvSpPr>
-          <p:nvPr>
-            <p:ph type="sldImg" idx="2"/>
-          </p:nvPr>
-        </p:nvSpPr>
-        <p:spPr>
-          <a:xfrm>
-            <a:off x="777875" y="882650"/>
-            <a:ext cx="5441950" cy="3062288"/>
-          </a:xfrm>
-          <a:custGeom>
-            <a:avLst/>
-            <a:gdLst/>
-            <a:ahLst/>
-            <a:cxnLst/>
-            <a:rect l="l" t="t" r="r" b="b"/>
-            <a:pathLst>
-              <a:path w="120000" h="120000" extrusionOk="0">
-                <a:moveTo>
-                  <a:pt x="0" y="0"/>
-                </a:moveTo>
-                <a:lnTo>
-                  <a:pt x="120000" y="0"/>
-                </a:lnTo>
-                <a:lnTo>
-                  <a:pt x="120000" y="120000"/>
-                </a:lnTo>
-                <a:lnTo>
-                  <a:pt x="0" y="120000"/>
-                </a:lnTo>
-                <a:close/>
-              </a:path>
-            </a:pathLst>
-          </a:custGeom>
-        </p:spPr>
-      </p:sp>
-    </p:spTree>
-  </p:cSld>
-  <p:clrMapOvr>
-    <a:masterClrMapping/>
-  </p:clrMapOvr>
-</p:notes>
-</file>
-
-<file path=ppt/notesSlides/notesSlide13.xml><?xml version="1.0" encoding="utf-8"?>
-<p:notes xmlns:a="http://schemas.openxmlformats.org/drawingml/2006/main" xmlns:r="http://schemas.openxmlformats.org/officeDocument/2006/relationships" xmlns:p="http://schemas.openxmlformats.org/presentationml/2006/main" showMasterSp="0" showMasterPhAnim="0">
-  <p:cSld>
-    <p:spTree>
-      <p:nvGrpSpPr>
-        <p:cNvPr id="1" name="Shape 258"/>
-        <p:cNvGrpSpPr/>
-        <p:nvPr/>
-      </p:nvGrpSpPr>
-      <p:grpSpPr>
-        <a:xfrm>
-          <a:off x="0" y="0"/>
-          <a:ext cx="0" cy="0"/>
-          <a:chOff x="0" y="0"/>
-          <a:chExt cx="0" cy="0"/>
-        </a:xfrm>
-      </p:grpSpPr>
-      <p:sp>
-        <p:nvSpPr>
-          <p:cNvPr id="259" name="Google Shape;259;p13:notes"/>
-          <p:cNvSpPr txBox="1">
-            <a:spLocks noGrp="1"/>
-          </p:cNvSpPr>
-          <p:nvPr>
-            <p:ph type="body" idx="1"/>
-          </p:nvPr>
-        </p:nvSpPr>
-        <p:spPr>
-          <a:xfrm>
-            <a:off x="933450" y="4367213"/>
-            <a:ext cx="5130800" cy="4137025"/>
-          </a:xfrm>
-          <a:prstGeom prst="rect">
-            <a:avLst/>
-          </a:prstGeom>
-        </p:spPr>
-        <p:txBody>
-          <a:bodyPr spcFirstLastPara="1" wrap="square" lIns="92900" tIns="45725" rIns="92900" bIns="45725" anchor="t" anchorCtr="0">
-            <a:noAutofit/>
-          </a:bodyPr>
-          <a:lstStyle/>
-          <a:p>
-            <a:pPr marL="0" lvl="0" indent="0" algn="l" rtl="0">
-              <a:spcBef>
-                <a:spcPts val="480"/>
-              </a:spcBef>
-              <a:spcAft>
-                <a:spcPts val="0"/>
-              </a:spcAft>
-              <a:buNone/>
-            </a:pPr>
-            <a:endParaRPr dirty="0">
-              <a:latin typeface="FreightSans Pro Medium" panose="02000606030000020004" pitchFamily="2" charset="0"/>
-            </a:endParaRPr>
-          </a:p>
-        </p:txBody>
-      </p:sp>
-      <p:sp>
-        <p:nvSpPr>
-          <p:cNvPr id="260" name="Google Shape;260;p13:notes"/>
-          <p:cNvSpPr>
-            <a:spLocks noGrp="1" noRot="1" noChangeAspect="1"/>
-          </p:cNvSpPr>
-          <p:nvPr>
-            <p:ph type="sldImg" idx="2"/>
-          </p:nvPr>
-        </p:nvSpPr>
-        <p:spPr>
-          <a:xfrm>
-            <a:off x="777875" y="882650"/>
-            <a:ext cx="5441950" cy="3062288"/>
-          </a:xfrm>
-          <a:custGeom>
-            <a:avLst/>
-            <a:gdLst/>
-            <a:ahLst/>
-            <a:cxnLst/>
-            <a:rect l="l" t="t" r="r" b="b"/>
-            <a:pathLst>
-              <a:path w="120000" h="120000" extrusionOk="0">
-                <a:moveTo>
-                  <a:pt x="0" y="0"/>
-                </a:moveTo>
-                <a:lnTo>
-                  <a:pt x="120000" y="0"/>
-                </a:lnTo>
-                <a:lnTo>
-                  <a:pt x="120000" y="120000"/>
-                </a:lnTo>
-                <a:lnTo>
-                  <a:pt x="0" y="120000"/>
-                </a:lnTo>
-                <a:close/>
-              </a:path>
-            </a:pathLst>
-          </a:custGeom>
-        </p:spPr>
-      </p:sp>
-    </p:spTree>
-  </p:cSld>
-  <p:clrMapOvr>
-    <a:masterClrMapping/>
-  </p:clrMapOvr>
-</p:notes>
-</file>
-
-<file path=ppt/notesSlides/notesSlide14.xml><?xml version="1.0" encoding="utf-8"?>
-<p:notes xmlns:a="http://schemas.openxmlformats.org/drawingml/2006/main" xmlns:r="http://schemas.openxmlformats.org/officeDocument/2006/relationships" xmlns:p="http://schemas.openxmlformats.org/presentationml/2006/main">
-  <p:cSld>
-    <p:spTree>
-      <p:nvGrpSpPr>
-        <p:cNvPr id="1" name=""/>
-        <p:cNvGrpSpPr/>
-        <p:nvPr/>
-      </p:nvGrpSpPr>
-      <p:grpSpPr>
-        <a:xfrm>
-          <a:off x="0" y="0"/>
-          <a:ext cx="0" cy="0"/>
-          <a:chOff x="0" y="0"/>
-          <a:chExt cx="0" cy="0"/>
-        </a:xfrm>
-      </p:grpSpPr>
-      <p:sp>
-        <p:nvSpPr>
-          <p:cNvPr id="18433" name="Rectangle 5"/>
-          <p:cNvSpPr>
-            <a:spLocks noGrp="1" noChangeArrowheads="1"/>
-          </p:cNvSpPr>
-          <p:nvPr>
-            <p:ph type="sldNum" sz="quarter" idx="5"/>
-          </p:nvPr>
-        </p:nvSpPr>
-        <p:spPr>
-          <a:noFill/>
-          <a:ln/>
-          <a:extLst>
-            <a:ext uri="{909E8E84-426E-40dd-AFC4-6F175D3DCCD1}">
-              <a14:hiddenFill xmlns="" xmlns:a14="http://schemas.microsoft.com/office/drawing/2010/main">
-                <a:solidFill>
-                  <a:srgbClr val="FFFFFF"/>
-                </a:solidFill>
-              </a14:hiddenFill>
-            </a:ext>
-            <a:ext uri="{91240B29-F687-4f45-9708-019B960494DF}">
-              <a14:hiddenLine xmlns="" xmlns:a14="http://schemas.microsoft.com/office/drawing/2010/main" w="9525">
-                <a:solidFill>
-                  <a:srgbClr val="000000"/>
-                </a:solidFill>
-                <a:miter lim="800000"/>
-                <a:headEnd/>
-                <a:tailEnd/>
-              </a14:hiddenLine>
-            </a:ext>
-          </a:extLst>
-        </p:spPr>
-        <p:txBody>
-          <a:bodyPr/>
-          <a:lstStyle>
-            <a:lvl1pPr defTabSz="823913">
-              <a:defRPr sz="2400">
-                <a:solidFill>
-                  <a:schemeClr val="tx1"/>
-                </a:solidFill>
-                <a:latin typeface="Arial" charset="0"/>
-                <a:ea typeface="ＭＳ Ｐゴシック" charset="0"/>
-                <a:cs typeface="ＭＳ Ｐゴシック" charset="0"/>
-              </a:defRPr>
-            </a:lvl1pPr>
-            <a:lvl2pPr marL="742950" indent="-285750" defTabSz="823913">
-              <a:defRPr sz="2400">
-                <a:solidFill>
-                  <a:schemeClr val="tx1"/>
-                </a:solidFill>
-                <a:latin typeface="Arial" charset="0"/>
-                <a:ea typeface="ＭＳ Ｐゴシック" charset="0"/>
-              </a:defRPr>
-            </a:lvl2pPr>
-            <a:lvl3pPr marL="1143000" indent="-228600" defTabSz="823913">
-              <a:defRPr sz="2400">
-                <a:solidFill>
-                  <a:schemeClr val="tx1"/>
-                </a:solidFill>
-                <a:latin typeface="Arial" charset="0"/>
-                <a:ea typeface="ＭＳ Ｐゴシック" charset="0"/>
-              </a:defRPr>
-            </a:lvl3pPr>
-            <a:lvl4pPr marL="1600200" indent="-228600" defTabSz="823913">
-              <a:defRPr sz="2400">
-                <a:solidFill>
-                  <a:schemeClr val="tx1"/>
-                </a:solidFill>
-                <a:latin typeface="Arial" charset="0"/>
-                <a:ea typeface="ＭＳ Ｐゴシック" charset="0"/>
-              </a:defRPr>
-            </a:lvl4pPr>
-            <a:lvl5pPr marL="2057400" indent="-228600" defTabSz="823913">
-              <a:defRPr sz="2400">
-                <a:solidFill>
-                  <a:schemeClr val="tx1"/>
-                </a:solidFill>
-                <a:latin typeface="Arial" charset="0"/>
-                <a:ea typeface="ＭＳ Ｐゴシック" charset="0"/>
-              </a:defRPr>
-            </a:lvl5pPr>
-            <a:lvl6pPr marL="2514600" indent="-228600" defTabSz="823913" eaLnBrk="0" fontAlgn="base" hangingPunct="0">
-              <a:spcBef>
-                <a:spcPct val="0"/>
-              </a:spcBef>
-              <a:spcAft>
-                <a:spcPct val="0"/>
-              </a:spcAft>
-              <a:defRPr sz="2400">
-                <a:solidFill>
-                  <a:schemeClr val="tx1"/>
-                </a:solidFill>
-                <a:latin typeface="Arial" charset="0"/>
-                <a:ea typeface="ＭＳ Ｐゴシック" charset="0"/>
-              </a:defRPr>
-            </a:lvl6pPr>
-            <a:lvl7pPr marL="2971800" indent="-228600" defTabSz="823913" eaLnBrk="0" fontAlgn="base" hangingPunct="0">
-              <a:spcBef>
-                <a:spcPct val="0"/>
-              </a:spcBef>
-              <a:spcAft>
-                <a:spcPct val="0"/>
-              </a:spcAft>
-              <a:defRPr sz="2400">
-                <a:solidFill>
-                  <a:schemeClr val="tx1"/>
-                </a:solidFill>
-                <a:latin typeface="Arial" charset="0"/>
-                <a:ea typeface="ＭＳ Ｐゴシック" charset="0"/>
-              </a:defRPr>
-            </a:lvl7pPr>
-            <a:lvl8pPr marL="3429000" indent="-228600" defTabSz="823913" eaLnBrk="0" fontAlgn="base" hangingPunct="0">
-              <a:spcBef>
-                <a:spcPct val="0"/>
-              </a:spcBef>
-              <a:spcAft>
-                <a:spcPct val="0"/>
-              </a:spcAft>
-              <a:defRPr sz="2400">
-                <a:solidFill>
-                  <a:schemeClr val="tx1"/>
-                </a:solidFill>
-                <a:latin typeface="Arial" charset="0"/>
-                <a:ea typeface="ＭＳ Ｐゴシック" charset="0"/>
-              </a:defRPr>
-            </a:lvl8pPr>
-            <a:lvl9pPr marL="3886200" indent="-228600" defTabSz="823913" eaLnBrk="0" fontAlgn="base" hangingPunct="0">
-              <a:spcBef>
-                <a:spcPct val="0"/>
-              </a:spcBef>
-              <a:spcAft>
-                <a:spcPct val="0"/>
-              </a:spcAft>
-              <a:defRPr sz="2400">
-                <a:solidFill>
-                  <a:schemeClr val="tx1"/>
-                </a:solidFill>
-                <a:latin typeface="Arial" charset="0"/>
-                <a:ea typeface="ＭＳ Ｐゴシック" charset="0"/>
-              </a:defRPr>
-            </a:lvl9pPr>
-          </a:lstStyle>
-          <a:p>
-            <a:fld id="{2BDF7928-D1E0-C947-A399-519A47F33460}" type="slidenum">
-              <a:rPr lang="en-US" sz="900">
-                <a:latin typeface="Times New Roman" charset="0"/>
-              </a:rPr>
-              <a:pPr/>
-              <a:t>37</a:t>
-            </a:fld>
-            <a:endParaRPr lang="en-US" sz="900">
-              <a:latin typeface="Times New Roman" charset="0"/>
-            </a:endParaRPr>
-          </a:p>
-        </p:txBody>
-      </p:sp>
-      <p:sp>
-        <p:nvSpPr>
-          <p:cNvPr id="18434" name="Rectangle 2"/>
-          <p:cNvSpPr>
-            <a:spLocks noGrp="1" noRot="1" noChangeAspect="1" noChangeArrowheads="1" noTextEdit="1"/>
-          </p:cNvSpPr>
-          <p:nvPr>
-            <p:ph type="sldImg"/>
-          </p:nvPr>
-        </p:nvSpPr>
-        <p:spPr>
-          <a:xfrm>
-            <a:off x="777875" y="882650"/>
-            <a:ext cx="5441950" cy="3062288"/>
-          </a:xfrm>
-          <a:ln/>
-        </p:spPr>
-      </p:sp>
-      <p:sp>
-        <p:nvSpPr>
-          <p:cNvPr id="18435" name="Rectangle 3"/>
-          <p:cNvSpPr>
-            <a:spLocks noGrp="1" noChangeArrowheads="1"/>
-          </p:cNvSpPr>
-          <p:nvPr>
-            <p:ph type="body" idx="1"/>
-          </p:nvPr>
-        </p:nvSpPr>
-        <p:spPr>
-          <a:noFill/>
-          <a:ln/>
-          <a:extLst>
-            <a:ext uri="{909E8E84-426E-40dd-AFC4-6F175D3DCCD1}">
-              <a14:hiddenFill xmlns="" xmlns:a14="http://schemas.microsoft.com/office/drawing/2010/main">
-                <a:solidFill>
-                  <a:srgbClr val="FFFFFF"/>
-                </a:solidFill>
-              </a14:hiddenFill>
-            </a:ext>
-            <a:ext uri="{91240B29-F687-4f45-9708-019B960494DF}">
-              <a14:hiddenLine xmlns="" xmlns:a14="http://schemas.microsoft.com/office/drawing/2010/main" w="9525">
-                <a:solidFill>
-                  <a:srgbClr val="000000"/>
-                </a:solidFill>
-                <a:miter lim="800000"/>
-                <a:headEnd/>
-                <a:tailEnd/>
-              </a14:hiddenLine>
-            </a:ext>
-            <a:ext uri="{FAA26D3D-D897-4be2-8F04-BA451C77F1D7}">
-              <ma14:placeholderFlag xmlns="" xmlns:ma14="http://schemas.microsoft.com/office/mac/drawingml/2011/main" val="1"/>
-            </a:ext>
-          </a:extLst>
-        </p:spPr>
-        <p:txBody>
-          <a:bodyPr/>
-          <a:lstStyle/>
-          <a:p>
-            <a:pPr eaLnBrk="1" hangingPunct="1"/>
-            <a:endParaRPr lang="en-US" dirty="0">
-              <a:latin typeface="FreightSans Pro Medium" panose="02000606030000020004" pitchFamily="2" charset="0"/>
-              <a:ea typeface="ＭＳ Ｐゴシック" charset="0"/>
-              <a:cs typeface="ＭＳ Ｐゴシック" charset="0"/>
-            </a:endParaRPr>
-          </a:p>
-        </p:txBody>
-      </p:sp>
-    </p:spTree>
-    <p:extLst>
-      <p:ext uri="{BB962C8B-B14F-4D97-AF65-F5344CB8AC3E}">
-        <p14:creationId xmlns:p14="http://schemas.microsoft.com/office/powerpoint/2010/main" val="2061784235"/>
-      </p:ext>
-    </p:extLst>
-  </p:cSld>
-  <p:clrMapOvr>
-    <a:masterClrMapping/>
-  </p:clrMapOvr>
-</p:notes>
-</file>
-
 <file path=ppt/notesSlides/notesSlide2.xml><?xml version="1.0" encoding="utf-8"?>
 <p:notes xmlns:a="http://schemas.openxmlformats.org/drawingml/2006/main" xmlns:r="http://schemas.openxmlformats.org/officeDocument/2006/relationships" xmlns:p="http://schemas.openxmlformats.org/presentationml/2006/main">
   <p:cSld>
@@ -2065,14 +1586,14 @@
           <a:ln/>
           <a:extLst>
             <a:ext uri="{909E8E84-426E-40dd-AFC4-6F175D3DCCD1}">
-              <a14:hiddenFill xmlns="" xmlns:a14="http://schemas.microsoft.com/office/drawing/2010/main">
+              <a14:hiddenFill xmlns:a14="http://schemas.microsoft.com/office/drawing/2010/main" xmlns="">
                 <a:solidFill>
                   <a:srgbClr val="FFFFFF"/>
                 </a:solidFill>
               </a14:hiddenFill>
             </a:ext>
             <a:ext uri="{91240B29-F687-4f45-9708-019B960494DF}">
-              <a14:hiddenLine xmlns="" xmlns:a14="http://schemas.microsoft.com/office/drawing/2010/main" w="9525">
+              <a14:hiddenLine xmlns:a14="http://schemas.microsoft.com/office/drawing/2010/main" xmlns="" w="9525">
                 <a:solidFill>
                   <a:srgbClr val="000000"/>
                 </a:solidFill>
@@ -2240,14 +1761,14 @@
           <a:ln/>
           <a:extLst>
             <a:ext uri="{909E8E84-426E-40dd-AFC4-6F175D3DCCD1}">
-              <a14:hiddenFill xmlns="" xmlns:a14="http://schemas.microsoft.com/office/drawing/2010/main">
+              <a14:hiddenFill xmlns:a14="http://schemas.microsoft.com/office/drawing/2010/main" xmlns="">
                 <a:solidFill>
                   <a:srgbClr val="FFFFFF"/>
                 </a:solidFill>
               </a14:hiddenFill>
             </a:ext>
             <a:ext uri="{91240B29-F687-4f45-9708-019B960494DF}">
-              <a14:hiddenLine xmlns="" xmlns:a14="http://schemas.microsoft.com/office/drawing/2010/main" w="9525">
+              <a14:hiddenLine xmlns:a14="http://schemas.microsoft.com/office/drawing/2010/main" xmlns="" w="9525">
                 <a:solidFill>
                   <a:srgbClr val="000000"/>
                 </a:solidFill>
@@ -2257,7 +1778,7 @@
               </a14:hiddenLine>
             </a:ext>
             <a:ext uri="{FAA26D3D-D897-4be2-8F04-BA451C77F1D7}">
-              <ma14:placeholderFlag xmlns="" xmlns:ma14="http://schemas.microsoft.com/office/mac/drawingml/2011/main" val="1"/>
+              <ma14:placeholderFlag xmlns:ma14="http://schemas.microsoft.com/office/mac/drawingml/2011/main" xmlns="" val="1"/>
             </a:ext>
           </a:extLst>
         </p:spPr>
@@ -5150,7 +4671,7 @@
           </a:ln>
           <a:extLst>
             <a:ext uri="{909E8E84-426E-40dd-AFC4-6F175D3DCCD1}">
-              <a14:hiddenFill xmlns="" xmlns:a14="http://schemas.microsoft.com/office/drawing/2010/main">
+              <a14:hiddenFill xmlns:a14="http://schemas.microsoft.com/office/drawing/2010/main" xmlns="">
                 <a:noFill/>
               </a14:hiddenFill>
             </a:ext>
@@ -5272,14 +4793,14 @@
           </a:ln>
           <a:extLst>
             <a:ext uri="{909E8E84-426E-40dd-AFC4-6F175D3DCCD1}">
-              <a14:hiddenFill xmlns="" xmlns:a14="http://schemas.microsoft.com/office/drawing/2010/main">
+              <a14:hiddenFill xmlns:a14="http://schemas.microsoft.com/office/drawing/2010/main" xmlns="">
                 <a:solidFill>
                   <a:srgbClr val="FFFFFF"/>
                 </a:solidFill>
               </a14:hiddenFill>
             </a:ext>
             <a:ext uri="{91240B29-F687-4f45-9708-019B960494DF}">
-              <a14:hiddenLine xmlns="" xmlns:a14="http://schemas.microsoft.com/office/drawing/2010/main" w="9525">
+              <a14:hiddenLine xmlns:a14="http://schemas.microsoft.com/office/drawing/2010/main" xmlns="" w="9525">
                 <a:solidFill>
                   <a:srgbClr val="000000"/>
                 </a:solidFill>
@@ -5289,7 +4810,7 @@
               </a14:hiddenLine>
             </a:ext>
             <a:ext uri="{FAA26D3D-D897-4be2-8F04-BA451C77F1D7}">
-              <ma14:placeholderFlag xmlns="" xmlns:ma14="http://schemas.microsoft.com/office/mac/drawingml/2011/main" val="1"/>
+              <ma14:placeholderFlag xmlns:ma14="http://schemas.microsoft.com/office/mac/drawingml/2011/main" xmlns="" val="1"/>
             </a:ext>
           </a:extLst>
         </p:spPr>
@@ -5847,7 +5368,7 @@
           </a:ln>
           <a:extLst>
             <a:ext uri="{909E8E84-426E-40dd-AFC4-6F175D3DCCD1}">
-              <a14:hiddenFill xmlns="" xmlns:a14="http://schemas.microsoft.com/office/drawing/2010/main">
+              <a14:hiddenFill xmlns:a14="http://schemas.microsoft.com/office/drawing/2010/main" xmlns="">
                 <a:noFill/>
               </a14:hiddenFill>
             </a:ext>
@@ -5892,14 +5413,14 @@
           </a:ln>
           <a:extLst>
             <a:ext uri="{909E8E84-426E-40dd-AFC4-6F175D3DCCD1}">
-              <a14:hiddenFill xmlns="" xmlns:a14="http://schemas.microsoft.com/office/drawing/2010/main">
+              <a14:hiddenFill xmlns:a14="http://schemas.microsoft.com/office/drawing/2010/main" xmlns="">
                 <a:solidFill>
                   <a:srgbClr val="FFFFFF"/>
                 </a:solidFill>
               </a14:hiddenFill>
             </a:ext>
             <a:ext uri="{91240B29-F687-4f45-9708-019B960494DF}">
-              <a14:hiddenLine xmlns="" xmlns:a14="http://schemas.microsoft.com/office/drawing/2010/main" w="9525">
+              <a14:hiddenLine xmlns:a14="http://schemas.microsoft.com/office/drawing/2010/main" xmlns="" w="9525">
                 <a:solidFill>
                   <a:srgbClr val="000000"/>
                 </a:solidFill>
@@ -6007,14 +5528,14 @@
           </a:ln>
           <a:extLst>
             <a:ext uri="{909E8E84-426E-40dd-AFC4-6F175D3DCCD1}">
-              <a14:hiddenFill xmlns="" xmlns:a14="http://schemas.microsoft.com/office/drawing/2010/main">
+              <a14:hiddenFill xmlns:a14="http://schemas.microsoft.com/office/drawing/2010/main" xmlns="">
                 <a:solidFill>
                   <a:srgbClr val="FFFFFF"/>
                 </a:solidFill>
               </a14:hiddenFill>
             </a:ext>
             <a:ext uri="{91240B29-F687-4f45-9708-019B960494DF}">
-              <a14:hiddenLine xmlns="" xmlns:a14="http://schemas.microsoft.com/office/drawing/2010/main" w="9525">
+              <a14:hiddenLine xmlns:a14="http://schemas.microsoft.com/office/drawing/2010/main" xmlns="" w="9525">
                 <a:solidFill>
                   <a:srgbClr val="000000"/>
                 </a:solidFill>
@@ -6024,7 +5545,7 @@
               </a14:hiddenLine>
             </a:ext>
             <a:ext uri="{FAA26D3D-D897-4be2-8F04-BA451C77F1D7}">
-              <ma14:placeholderFlag xmlns="" xmlns:ma14="http://schemas.microsoft.com/office/mac/drawingml/2011/main" val="1"/>
+              <ma14:placeholderFlag xmlns:ma14="http://schemas.microsoft.com/office/mac/drawingml/2011/main" xmlns="" val="1"/>
             </a:ext>
           </a:extLst>
         </p:spPr>
@@ -6372,14 +5893,14 @@
           </a:ln>
           <a:extLst>
             <a:ext uri="{909E8E84-426E-40dd-AFC4-6F175D3DCCD1}">
-              <a14:hiddenFill xmlns="" xmlns:a14="http://schemas.microsoft.com/office/drawing/2010/main">
+              <a14:hiddenFill xmlns:a14="http://schemas.microsoft.com/office/drawing/2010/main" xmlns="">
                 <a:solidFill>
                   <a:srgbClr val="FFFFFF"/>
                 </a:solidFill>
               </a14:hiddenFill>
             </a:ext>
             <a:ext uri="{91240B29-F687-4f45-9708-019B960494DF}">
-              <a14:hiddenLine xmlns="" xmlns:a14="http://schemas.microsoft.com/office/drawing/2010/main" w="9525">
+              <a14:hiddenLine xmlns:a14="http://schemas.microsoft.com/office/drawing/2010/main" xmlns="" w="9525">
                 <a:solidFill>
                   <a:srgbClr val="000000"/>
                 </a:solidFill>
@@ -6389,7 +5910,7 @@
               </a14:hiddenLine>
             </a:ext>
             <a:ext uri="{FAA26D3D-D897-4be2-8F04-BA451C77F1D7}">
-              <ma14:placeholderFlag xmlns="" xmlns:ma14="http://schemas.microsoft.com/office/mac/drawingml/2011/main" val="1"/>
+              <ma14:placeholderFlag xmlns:ma14="http://schemas.microsoft.com/office/mac/drawingml/2011/main" xmlns="" val="1"/>
             </a:ext>
           </a:extLst>
         </p:spPr>
@@ -7450,7 +6971,7 @@
           </a:ln>
           <a:extLst>
             <a:ext uri="{909E8E84-426E-40dd-AFC4-6F175D3DCCD1}">
-              <a14:hiddenFill xmlns:a14="http://schemas.microsoft.com/office/drawing/2010/main" xmlns="">
+              <a14:hiddenFill xmlns="" xmlns:a14="http://schemas.microsoft.com/office/drawing/2010/main">
                 <a:noFill/>
               </a14:hiddenFill>
             </a:ext>
@@ -7575,14 +7096,14 @@
           </a:ln>
           <a:extLst>
             <a:ext uri="{909E8E84-426E-40dd-AFC4-6F175D3DCCD1}">
-              <a14:hiddenFill xmlns:a14="http://schemas.microsoft.com/office/drawing/2010/main" xmlns="">
+              <a14:hiddenFill xmlns="" xmlns:a14="http://schemas.microsoft.com/office/drawing/2010/main">
                 <a:solidFill>
                   <a:srgbClr val="FFFFFF"/>
                 </a:solidFill>
               </a14:hiddenFill>
             </a:ext>
             <a:ext uri="{91240B29-F687-4f45-9708-019B960494DF}">
-              <a14:hiddenLine xmlns:a14="http://schemas.microsoft.com/office/drawing/2010/main" xmlns="" w="9525">
+              <a14:hiddenLine xmlns="" xmlns:a14="http://schemas.microsoft.com/office/drawing/2010/main" w="9525">
                 <a:solidFill>
                   <a:srgbClr val="000000"/>
                 </a:solidFill>
@@ -7592,7 +7113,7 @@
               </a14:hiddenLine>
             </a:ext>
             <a:ext uri="{FAA26D3D-D897-4be2-8F04-BA451C77F1D7}">
-              <ma14:placeholderFlag xmlns:ma14="http://schemas.microsoft.com/office/mac/drawingml/2011/main" xmlns="" val="1"/>
+              <ma14:placeholderFlag xmlns="" xmlns:ma14="http://schemas.microsoft.com/office/mac/drawingml/2011/main" val="1"/>
             </a:ext>
           </a:extLst>
         </p:spPr>
@@ -9735,14 +9256,14 @@
           </a:ln>
           <a:extLst>
             <a:ext uri="{909E8E84-426E-40dd-AFC4-6F175D3DCCD1}">
-              <a14:hiddenFill xmlns:a14="http://schemas.microsoft.com/office/drawing/2010/main" xmlns="">
+              <a14:hiddenFill xmlns="" xmlns:a14="http://schemas.microsoft.com/office/drawing/2010/main">
                 <a:solidFill>
                   <a:srgbClr val="FFFFFF"/>
                 </a:solidFill>
               </a14:hiddenFill>
             </a:ext>
             <a:ext uri="{91240B29-F687-4f45-9708-019B960494DF}">
-              <a14:hiddenLine xmlns:a14="http://schemas.microsoft.com/office/drawing/2010/main" xmlns="" w="9525">
+              <a14:hiddenLine xmlns="" xmlns:a14="http://schemas.microsoft.com/office/drawing/2010/main" w="9525">
                 <a:solidFill>
                   <a:srgbClr val="000000"/>
                 </a:solidFill>
@@ -9752,7 +9273,7 @@
               </a14:hiddenLine>
             </a:ext>
             <a:ext uri="{FAA26D3D-D897-4be2-8F04-BA451C77F1D7}">
-              <ma14:placeholderFlag xmlns:ma14="http://schemas.microsoft.com/office/mac/drawingml/2011/main" xmlns="" val="1"/>
+              <ma14:placeholderFlag xmlns="" xmlns:ma14="http://schemas.microsoft.com/office/mac/drawingml/2011/main" val="1"/>
             </a:ext>
           </a:extLst>
         </p:spPr>
@@ -9797,14 +9318,14 @@
           </a:ln>
           <a:extLst>
             <a:ext uri="{909E8E84-426E-40dd-AFC4-6F175D3DCCD1}">
-              <a14:hiddenFill xmlns:a14="http://schemas.microsoft.com/office/drawing/2010/main" xmlns="">
+              <a14:hiddenFill xmlns="" xmlns:a14="http://schemas.microsoft.com/office/drawing/2010/main">
                 <a:solidFill>
                   <a:srgbClr val="FFFFFF"/>
                 </a:solidFill>
               </a14:hiddenFill>
             </a:ext>
             <a:ext uri="{91240B29-F687-4f45-9708-019B960494DF}">
-              <a14:hiddenLine xmlns:a14="http://schemas.microsoft.com/office/drawing/2010/main" xmlns="" w="9525">
+              <a14:hiddenLine xmlns="" xmlns:a14="http://schemas.microsoft.com/office/drawing/2010/main" w="9525">
                 <a:solidFill>
                   <a:srgbClr val="000000"/>
                 </a:solidFill>
@@ -9814,7 +9335,7 @@
               </a14:hiddenLine>
             </a:ext>
             <a:ext uri="{FAA26D3D-D897-4be2-8F04-BA451C77F1D7}">
-              <ma14:placeholderFlag xmlns:ma14="http://schemas.microsoft.com/office/mac/drawingml/2011/main" xmlns="" val="1"/>
+              <ma14:placeholderFlag xmlns="" xmlns:ma14="http://schemas.microsoft.com/office/mac/drawingml/2011/main" val="1"/>
             </a:ext>
           </a:extLst>
         </p:spPr>
@@ -10469,7 +9990,54 @@
           <a:p>
             <a:r>
               <a:rPr lang="en-US" dirty="0"/>
-              <a:t>Week 3, Summer 2024. 7/1 (Thurs)</a:t>
+              <a:t>Week 3, Summer 2024. 7/1 (Mon)</a:t>
+            </a:r>
+          </a:p>
+        </p:txBody>
+      </p:sp>
+      <p:sp>
+        <p:nvSpPr>
+          <p:cNvPr id="3" name="TextBox 2">
+            <a:extLst>
+              <a:ext uri="{FF2B5EF4-FFF2-40B4-BE49-F238E27FC236}">
+                <a16:creationId xmlns:a16="http://schemas.microsoft.com/office/drawing/2014/main" id="{88172A42-6AFF-1ECC-0DF1-EB086D6669D2}"/>
+              </a:ext>
+            </a:extLst>
+          </p:cNvPr>
+          <p:cNvSpPr txBox="1"/>
+          <p:nvPr/>
+        </p:nvSpPr>
+        <p:spPr>
+          <a:xfrm>
+            <a:off x="10109931" y="6508874"/>
+            <a:ext cx="2190613" cy="246221"/>
+          </a:xfrm>
+          <a:prstGeom prst="rect">
+            <a:avLst/>
+          </a:prstGeom>
+          <a:noFill/>
+        </p:spPr>
+        <p:txBody>
+          <a:bodyPr wrap="square" rtlCol="0">
+            <a:spAutoFit/>
+          </a:bodyPr>
+          <a:lstStyle/>
+          <a:p>
+            <a:r>
+              <a:rPr lang="en-US" sz="1000">
+                <a:solidFill>
+                  <a:schemeClr val="bg1"/>
+                </a:solidFill>
+              </a:rPr>
+              <a:t>Rev v2 (2024-07-03 2:17 </a:t>
+            </a:r>
+            <a:r>
+              <a:rPr lang="en-US" sz="1000" dirty="0">
+                <a:solidFill>
+                  <a:schemeClr val="bg1"/>
+                </a:solidFill>
+              </a:rPr>
+              <a:t>pm PST)</a:t>
             </a:r>
           </a:p>
         </p:txBody>
@@ -14781,7 +14349,7 @@
                 </a:highlight>
                 <a:latin typeface="Consolas" panose="020B0609020204030204" pitchFamily="49" charset="0"/>
               </a:rPr>
-              <a:t>((</a:t>
+              <a:t>(((</a:t>
             </a:r>
             <a:r>
               <a:rPr lang="en-US" sz="2300" b="0" dirty="0">
@@ -14872,7 +14440,7 @@
                 </a:highlight>
                 <a:latin typeface="Consolas" panose="020B0609020204030204" pitchFamily="49" charset="0"/>
               </a:rPr>
-              <a:t>'value2'</a:t>
+              <a:t>'value2’</a:t>
             </a:r>
             <a:r>
               <a:rPr lang="en-US" sz="2300" b="0" dirty="0">
@@ -14885,7 +14453,7 @@
                 </a:highlight>
                 <a:latin typeface="Consolas" panose="020B0609020204030204" pitchFamily="49" charset="0"/>
               </a:rPr>
-              <a:t>))</a:t>
+              <a:t>)))</a:t>
             </a:r>
           </a:p>
           <a:p>
@@ -17265,157 +16833,6 @@
           </a:p>
         </p:txBody>
       </p:sp>
-      <p:sp>
-        <p:nvSpPr>
-          <p:cNvPr id="8" name="Rectangle 1">
-            <a:extLst>
-              <a:ext uri="{FF2B5EF4-FFF2-40B4-BE49-F238E27FC236}">
-                <a16:creationId xmlns:a16="http://schemas.microsoft.com/office/drawing/2014/main" id="{2493D0B8-8657-EE4C-C23A-8DCEBCAAB1BA}"/>
-              </a:ext>
-            </a:extLst>
-          </p:cNvPr>
-          <p:cNvSpPr>
-            <a:spLocks noChangeArrowheads="1"/>
-          </p:cNvSpPr>
-          <p:nvPr/>
-        </p:nvSpPr>
-        <p:spPr bwMode="auto">
-          <a:xfrm>
-            <a:off x="0" y="0"/>
-            <a:ext cx="12192000" cy="0"/>
-          </a:xfrm>
-          <a:prstGeom prst="rect">
-            <a:avLst/>
-          </a:prstGeom>
-          <a:noFill/>
-          <a:ln>
-            <a:noFill/>
-          </a:ln>
-          <a:effectLst/>
-          <a:extLst>
-            <a:ext uri="{909E8E84-426E-40DD-AFC4-6F175D3DCCD1}">
-              <a14:hiddenFill xmlns:a14="http://schemas.microsoft.com/office/drawing/2010/main">
-                <a:solidFill>
-                  <a:schemeClr val="accent1"/>
-                </a:solidFill>
-              </a14:hiddenFill>
-            </a:ext>
-            <a:ext uri="{91240B29-F687-4F45-9708-019B960494DF}">
-              <a14:hiddenLine xmlns:a14="http://schemas.microsoft.com/office/drawing/2010/main" w="9525">
-                <a:solidFill>
-                  <a:schemeClr val="tx1"/>
-                </a:solidFill>
-                <a:miter lim="800000"/>
-                <a:headEnd/>
-                <a:tailEnd/>
-              </a14:hiddenLine>
-            </a:ext>
-            <a:ext uri="{AF507438-7753-43E0-B8FC-AC1667EBCBE1}">
-              <a14:hiddenEffects xmlns:a14="http://schemas.microsoft.com/office/drawing/2010/main">
-                <a:effectLst>
-                  <a:outerShdw dist="35921" dir="2700000" algn="ctr" rotWithShape="0">
-                    <a:schemeClr val="bg2"/>
-                  </a:outerShdw>
-                </a:effectLst>
-              </a14:hiddenEffects>
-            </a:ext>
-          </a:extLst>
-        </p:spPr>
-        <p:txBody>
-          <a:bodyPr vert="horz" wrap="none" lIns="91440" tIns="45720" rIns="91440" bIns="45720" numCol="1" anchor="ctr" anchorCtr="0" compatLnSpc="1">
-            <a:prstTxWarp prst="textNoShape">
-              <a:avLst/>
-            </a:prstTxWarp>
-            <a:spAutoFit/>
-          </a:bodyPr>
-          <a:lstStyle/>
-          <a:p>
-            <a:pPr marL="0" marR="0" lvl="0" indent="0" algn="l" defTabSz="914400" rtl="0" eaLnBrk="0" fontAlgn="base" latinLnBrk="0" hangingPunct="0">
-              <a:lnSpc>
-                <a:spcPct val="100000"/>
-              </a:lnSpc>
-              <a:spcBef>
-                <a:spcPct val="0"/>
-              </a:spcBef>
-              <a:spcAft>
-                <a:spcPct val="0"/>
-              </a:spcAft>
-              <a:buClrTx/>
-              <a:buSzTx/>
-              <a:buFontTx/>
-              <a:buNone/>
-              <a:tabLst/>
-            </a:pPr>
-            <a:r>
-              <a:rPr kumimoji="0" lang="en-US" altLang="en-US" sz="1800" b="0" i="0" u="none" strike="noStrike" cap="none" normalizeH="0" baseline="0">
-                <a:ln>
-                  <a:noFill/>
-                </a:ln>
-                <a:solidFill>
-                  <a:schemeClr val="tx1"/>
-                </a:solidFill>
-                <a:effectLst/>
-                <a:latin typeface="Arial" panose="020B0604020202020204" pitchFamily="34" charset="0"/>
-              </a:rPr>
-              <a:t>Photo by </a:t>
-            </a:r>
-            <a:r>
-              <a:rPr kumimoji="0" lang="en-US" altLang="en-US" sz="1800" b="0" i="0" u="none" strike="noStrike" cap="none" normalizeH="0" baseline="0">
-                <a:ln>
-                  <a:noFill/>
-                </a:ln>
-                <a:solidFill>
-                  <a:schemeClr val="tx1"/>
-                </a:solidFill>
-                <a:effectLst/>
-                <a:latin typeface="Arial" panose="020B0604020202020204" pitchFamily="34" charset="0"/>
-                <a:hlinkClick r:id="rId5"/>
-              </a:rPr>
-              <a:t>Stephanie McCabe</a:t>
-            </a:r>
-            <a:r>
-              <a:rPr kumimoji="0" lang="en-US" altLang="en-US" sz="1800" b="0" i="0" u="none" strike="noStrike" cap="none" normalizeH="0" baseline="0">
-                <a:ln>
-                  <a:noFill/>
-                </a:ln>
-                <a:solidFill>
-                  <a:schemeClr val="tx1"/>
-                </a:solidFill>
-                <a:effectLst/>
-                <a:latin typeface="Arial" panose="020B0604020202020204" pitchFamily="34" charset="0"/>
-              </a:rPr>
-              <a:t> on </a:t>
-            </a:r>
-            <a:r>
-              <a:rPr kumimoji="0" lang="en-US" altLang="en-US" sz="1800" b="0" i="0" u="none" strike="noStrike" cap="none" normalizeH="0" baseline="0">
-                <a:ln>
-                  <a:noFill/>
-                </a:ln>
-                <a:solidFill>
-                  <a:schemeClr val="tx1"/>
-                </a:solidFill>
-                <a:effectLst/>
-                <a:latin typeface="Arial" panose="020B0604020202020204" pitchFamily="34" charset="0"/>
-                <a:hlinkClick r:id="rId6"/>
-              </a:rPr>
-              <a:t>Unsplash</a:t>
-            </a:r>
-            <a:r>
-              <a:rPr kumimoji="0" lang="en-US" altLang="en-US" sz="1800" b="0" i="0" u="none" strike="noStrike" cap="none" normalizeH="0" baseline="0">
-                <a:ln>
-                  <a:noFill/>
-                </a:ln>
-                <a:solidFill>
-                  <a:schemeClr val="tx1"/>
-                </a:solidFill>
-                <a:effectLst/>
-                <a:latin typeface="Arial" panose="020B0604020202020204" pitchFamily="34" charset="0"/>
-              </a:rPr>
-              <a:t> </a:t>
-            </a:r>
-          </a:p>
-        </p:txBody>
-      </p:sp>
     </p:spTree>
     <p:extLst>
       <p:ext uri="{BB962C8B-B14F-4D97-AF65-F5344CB8AC3E}">
@@ -19405,14 +18822,14 @@
           </a:ln>
           <a:extLst>
             <a:ext uri="{909E8E84-426E-40dd-AFC4-6F175D3DCCD1}">
-              <a14:hiddenFill xmlns:a14="http://schemas.microsoft.com/office/drawing/2010/main" xmlns="">
+              <a14:hiddenFill xmlns="" xmlns:a14="http://schemas.microsoft.com/office/drawing/2010/main">
                 <a:solidFill>
                   <a:srgbClr val="FFFFFF"/>
                 </a:solidFill>
               </a14:hiddenFill>
             </a:ext>
             <a:ext uri="{91240B29-F687-4f45-9708-019B960494DF}">
-              <a14:hiddenLine xmlns:a14="http://schemas.microsoft.com/office/drawing/2010/main" xmlns="" w="9525">
+              <a14:hiddenLine xmlns="" xmlns:a14="http://schemas.microsoft.com/office/drawing/2010/main" w="9525">
                 <a:solidFill>
                   <a:srgbClr val="000000"/>
                 </a:solidFill>
@@ -19422,7 +18839,7 @@
               </a14:hiddenLine>
             </a:ext>
             <a:ext uri="{FAA26D3D-D897-4be2-8F04-BA451C77F1D7}">
-              <ma14:placeholderFlag xmlns:ma14="http://schemas.microsoft.com/office/mac/drawingml/2011/main" xmlns="" val="1"/>
+              <ma14:placeholderFlag xmlns="" xmlns:ma14="http://schemas.microsoft.com/office/mac/drawingml/2011/main" val="1"/>
             </a:ext>
           </a:extLst>
         </p:spPr>
@@ -20563,14 +19980,14 @@
           </a:ln>
           <a:extLst>
             <a:ext uri="{909E8E84-426E-40dd-AFC4-6F175D3DCCD1}">
-              <a14:hiddenFill xmlns:a14="http://schemas.microsoft.com/office/drawing/2010/main" xmlns="">
+              <a14:hiddenFill xmlns="" xmlns:a14="http://schemas.microsoft.com/office/drawing/2010/main">
                 <a:solidFill>
                   <a:srgbClr val="FFFFFF"/>
                 </a:solidFill>
               </a14:hiddenFill>
             </a:ext>
             <a:ext uri="{91240B29-F687-4f45-9708-019B960494DF}">
-              <a14:hiddenLine xmlns:a14="http://schemas.microsoft.com/office/drawing/2010/main" xmlns="" w="9525">
+              <a14:hiddenLine xmlns="" xmlns:a14="http://schemas.microsoft.com/office/drawing/2010/main" w="9525">
                 <a:solidFill>
                   <a:srgbClr val="000000"/>
                 </a:solidFill>
@@ -20580,7 +19997,7 @@
               </a14:hiddenLine>
             </a:ext>
             <a:ext uri="{FAA26D3D-D897-4be2-8F04-BA451C77F1D7}">
-              <ma14:placeholderFlag xmlns:ma14="http://schemas.microsoft.com/office/mac/drawingml/2011/main" xmlns="" val="1"/>
+              <ma14:placeholderFlag xmlns="" xmlns:ma14="http://schemas.microsoft.com/office/mac/drawingml/2011/main" val="1"/>
             </a:ext>
           </a:extLst>
         </p:spPr>
@@ -22568,14 +21985,14 @@
           </a:ln>
           <a:extLst>
             <a:ext uri="{909E8E84-426E-40dd-AFC4-6F175D3DCCD1}">
-              <a14:hiddenFill xmlns:a14="http://schemas.microsoft.com/office/drawing/2010/main" xmlns="">
+              <a14:hiddenFill xmlns="" xmlns:a14="http://schemas.microsoft.com/office/drawing/2010/main">
                 <a:solidFill>
                   <a:srgbClr val="FFFFFF"/>
                 </a:solidFill>
               </a14:hiddenFill>
             </a:ext>
             <a:ext uri="{91240B29-F687-4f45-9708-019B960494DF}">
-              <a14:hiddenLine xmlns:a14="http://schemas.microsoft.com/office/drawing/2010/main" xmlns="" w="9525">
+              <a14:hiddenLine xmlns="" xmlns:a14="http://schemas.microsoft.com/office/drawing/2010/main" w="9525">
                 <a:solidFill>
                   <a:srgbClr val="000000"/>
                 </a:solidFill>
@@ -22585,7 +22002,7 @@
               </a14:hiddenLine>
             </a:ext>
             <a:ext uri="{FAA26D3D-D897-4be2-8F04-BA451C77F1D7}">
-              <ma14:placeholderFlag xmlns:ma14="http://schemas.microsoft.com/office/mac/drawingml/2011/main" xmlns="" val="1"/>
+              <ma14:placeholderFlag xmlns="" xmlns:ma14="http://schemas.microsoft.com/office/mac/drawingml/2011/main" val="1"/>
             </a:ext>
           </a:extLst>
         </p:spPr>
@@ -23105,7 +22522,13 @@
   <p:cSld>
     <p:spTree>
       <p:nvGrpSpPr>
-        <p:cNvPr id="1" name=""/>
+        <p:cNvPr id="1" name="">
+          <a:extLst>
+            <a:ext uri="{FF2B5EF4-FFF2-40B4-BE49-F238E27FC236}">
+              <a16:creationId xmlns:a16="http://schemas.microsoft.com/office/drawing/2014/main" id="{A768A0B0-EAEB-7905-1F60-F9148C696D49}"/>
+            </a:ext>
+          </a:extLst>
+        </p:cNvPr>
         <p:cNvGrpSpPr/>
         <p:nvPr/>
       </p:nvGrpSpPr>
@@ -23122,7 +22545,7 @@
           <p:cNvPr id="2" name="Title 1">
             <a:extLst>
               <a:ext uri="{FF2B5EF4-FFF2-40B4-BE49-F238E27FC236}">
-                <a16:creationId xmlns:a16="http://schemas.microsoft.com/office/drawing/2014/main" id="{B488F026-2794-6144-8292-B2C738C4C187}"/>
+                <a16:creationId xmlns:a16="http://schemas.microsoft.com/office/drawing/2014/main" id="{36BF7D64-DB76-409A-E65C-17B3CCF92268}"/>
               </a:ext>
             </a:extLst>
           </p:cNvPr>
@@ -23140,17 +22563,7 @@
           <a:p>
             <a:r>
               <a:rPr lang="en-US" dirty="0"/>
-              <a:t>Mutating Lists: Example functions of the </a:t>
-            </a:r>
-            <a:r>
-              <a:rPr lang="en-US" dirty="0">
-                <a:latin typeface="Source Code Pro" panose="020B0509030403020204" pitchFamily="49" charset="77"/>
-              </a:rPr>
-              <a:t>list</a:t>
-            </a:r>
-            <a:r>
-              <a:rPr lang="en-US" dirty="0"/>
-              <a:t> class</a:t>
+              <a:t>Lecture overview. Any questions?</a:t>
             </a:r>
           </a:p>
         </p:txBody>
@@ -23160,342 +22573,7 @@
           <p:cNvPr id="3" name="Content Placeholder 2">
             <a:extLst>
               <a:ext uri="{FF2B5EF4-FFF2-40B4-BE49-F238E27FC236}">
-                <a16:creationId xmlns:a16="http://schemas.microsoft.com/office/drawing/2014/main" id="{EEDB607F-8DE7-B646-9683-B34A7A0A4988}"/>
-              </a:ext>
-            </a:extLst>
-          </p:cNvPr>
-          <p:cNvSpPr>
-            <a:spLocks noGrp="1"/>
-          </p:cNvSpPr>
-          <p:nvPr>
-            <p:ph idx="1"/>
-          </p:nvPr>
-        </p:nvSpPr>
-        <p:spPr>
-          <a:xfrm>
-            <a:off x="501870" y="982720"/>
-            <a:ext cx="8763000" cy="5257800"/>
-          </a:xfrm>
-        </p:spPr>
-        <p:txBody>
-          <a:bodyPr/>
-          <a:lstStyle/>
-          <a:p>
-            <a:r>
-              <a:rPr lang="en-US" sz="2000" dirty="0">
-                <a:latin typeface="Source Code Pro" panose="020B0509030403020204" pitchFamily="49" charset="77"/>
-              </a:rPr>
-              <a:t>append() </a:t>
-            </a:r>
-            <a:r>
-              <a:rPr lang="en-US" sz="2000" dirty="0"/>
-              <a:t>adds a single element to a list:</a:t>
-            </a:r>
-          </a:p>
-          <a:p>
-            <a:pPr marL="168771" lvl="1" indent="0">
-              <a:buNone/>
-            </a:pPr>
-            <a:r>
-              <a:rPr lang="en-US" sz="2000" dirty="0">
-                <a:latin typeface="Source Code Pro" panose="020B0509030403020204" pitchFamily="49" charset="77"/>
-              </a:rPr>
-              <a:t>s = [2, 3]</a:t>
-            </a:r>
-          </a:p>
-          <a:p>
-            <a:pPr marL="168771" lvl="1" indent="0">
-              <a:buNone/>
-            </a:pPr>
-            <a:r>
-              <a:rPr lang="en-US" sz="2000" dirty="0">
-                <a:latin typeface="Source Code Pro" panose="020B0509030403020204" pitchFamily="49" charset="77"/>
-              </a:rPr>
-              <a:t>t = [5, 6]</a:t>
-            </a:r>
-          </a:p>
-          <a:p>
-            <a:pPr marL="168771" lvl="1" indent="0">
-              <a:buNone/>
-            </a:pPr>
-            <a:r>
-              <a:rPr lang="en-US" sz="2000" dirty="0" err="1">
-                <a:latin typeface="Source Code Pro" panose="020B0509030403020204" pitchFamily="49" charset="77"/>
-              </a:rPr>
-              <a:t>s.append</a:t>
-            </a:r>
-            <a:r>
-              <a:rPr lang="en-US" sz="2000" dirty="0">
-                <a:latin typeface="Source Code Pro" panose="020B0509030403020204" pitchFamily="49" charset="77"/>
-              </a:rPr>
-              <a:t>(4)</a:t>
-            </a:r>
-          </a:p>
-          <a:p>
-            <a:pPr marL="168771" lvl="1" indent="0">
-              <a:buNone/>
-            </a:pPr>
-            <a:r>
-              <a:rPr lang="en-US" sz="2000" dirty="0" err="1">
-                <a:latin typeface="Source Code Pro" panose="020B0509030403020204" pitchFamily="49" charset="77"/>
-              </a:rPr>
-              <a:t>s.append</a:t>
-            </a:r>
-            <a:r>
-              <a:rPr lang="en-US" sz="2000" dirty="0">
-                <a:latin typeface="Source Code Pro" panose="020B0509030403020204" pitchFamily="49" charset="77"/>
-              </a:rPr>
-              <a:t>(t)</a:t>
-            </a:r>
-          </a:p>
-          <a:p>
-            <a:pPr marL="168771" lvl="1" indent="0">
-              <a:buNone/>
-            </a:pPr>
-            <a:r>
-              <a:rPr lang="en-US" sz="2000" dirty="0">
-                <a:latin typeface="Source Code Pro" panose="020B0509030403020204" pitchFamily="49" charset="77"/>
-              </a:rPr>
-              <a:t>t = 0</a:t>
-            </a:r>
-          </a:p>
-          <a:p>
-            <a:pPr marL="0" indent="0">
-              <a:buNone/>
-            </a:pPr>
-            <a:r>
-              <a:rPr lang="en-US" sz="2000" dirty="0">
-                <a:hlinkClick r:id="rId2"/>
-              </a:rPr>
-              <a:t>Try in </a:t>
-            </a:r>
-            <a:r>
-              <a:rPr lang="en-US" sz="2000" dirty="0" err="1">
-                <a:hlinkClick r:id="rId2"/>
-              </a:rPr>
-              <a:t>PythonTutor</a:t>
-            </a:r>
-            <a:r>
-              <a:rPr lang="en-US" sz="2000" dirty="0"/>
-              <a:t>.</a:t>
-            </a:r>
-          </a:p>
-          <a:p>
-            <a:r>
-              <a:rPr lang="en-US" sz="2000" dirty="0">
-                <a:latin typeface="Source Code Pro" panose="020B0509030403020204" pitchFamily="49" charset="77"/>
-              </a:rPr>
-              <a:t>extend()</a:t>
-            </a:r>
-            <a:r>
-              <a:rPr lang="en-US" sz="2000" dirty="0"/>
-              <a:t> adds all the elements in one list to another list:</a:t>
-            </a:r>
-          </a:p>
-          <a:p>
-            <a:pPr marL="168771" lvl="1" indent="0">
-              <a:buNone/>
-            </a:pPr>
-            <a:r>
-              <a:rPr lang="en-US" sz="2000" dirty="0">
-                <a:latin typeface="Source Code Pro" panose="020B0509030403020204" pitchFamily="49" charset="77"/>
-              </a:rPr>
-              <a:t>s = [2, 3]</a:t>
-            </a:r>
-          </a:p>
-          <a:p>
-            <a:pPr marL="168771" lvl="1" indent="0">
-              <a:buNone/>
-            </a:pPr>
-            <a:r>
-              <a:rPr lang="en-US" sz="2000" dirty="0">
-                <a:latin typeface="Source Code Pro" panose="020B0509030403020204" pitchFamily="49" charset="77"/>
-              </a:rPr>
-              <a:t>t = [5, 6]</a:t>
-            </a:r>
-          </a:p>
-          <a:p>
-            <a:pPr marL="168771" lvl="1" indent="0">
-              <a:buNone/>
-            </a:pPr>
-            <a:r>
-              <a:rPr lang="en-US" sz="2000" dirty="0" err="1">
-                <a:latin typeface="Source Code Pro" panose="020B0509030403020204" pitchFamily="49" charset="77"/>
-              </a:rPr>
-              <a:t>s.extend</a:t>
-            </a:r>
-            <a:r>
-              <a:rPr lang="en-US" sz="2000" dirty="0">
-                <a:latin typeface="Source Code Pro" panose="020B0509030403020204" pitchFamily="49" charset="77"/>
-              </a:rPr>
-              <a:t>(4) # 🚫 Error: 4 is not an </a:t>
-            </a:r>
-            <a:r>
-              <a:rPr lang="en-US" sz="2000" dirty="0" err="1">
-                <a:latin typeface="Source Code Pro" panose="020B0509030403020204" pitchFamily="49" charset="77"/>
-              </a:rPr>
-              <a:t>iterable</a:t>
-            </a:r>
-            <a:r>
-              <a:rPr lang="en-US" sz="2000" dirty="0">
-                <a:latin typeface="Source Code Pro" panose="020B0509030403020204" pitchFamily="49" charset="77"/>
-              </a:rPr>
-              <a:t>!</a:t>
-            </a:r>
-          </a:p>
-          <a:p>
-            <a:pPr marL="168771" lvl="1" indent="0">
-              <a:buNone/>
-            </a:pPr>
-            <a:r>
-              <a:rPr lang="en-US" sz="2000" dirty="0" err="1">
-                <a:latin typeface="Source Code Pro" panose="020B0509030403020204" pitchFamily="49" charset="77"/>
-              </a:rPr>
-              <a:t>s.extend</a:t>
-            </a:r>
-            <a:r>
-              <a:rPr lang="en-US" sz="2000" dirty="0">
-                <a:latin typeface="Source Code Pro" panose="020B0509030403020204" pitchFamily="49" charset="77"/>
-              </a:rPr>
-              <a:t>(t)</a:t>
-            </a:r>
-          </a:p>
-          <a:p>
-            <a:pPr marL="168771" lvl="1" indent="0">
-              <a:buNone/>
-            </a:pPr>
-            <a:r>
-              <a:rPr lang="en-US" sz="2000" dirty="0">
-                <a:latin typeface="Source Code Pro" panose="020B0509030403020204" pitchFamily="49" charset="77"/>
-              </a:rPr>
-              <a:t>t = 0</a:t>
-            </a:r>
-          </a:p>
-          <a:p>
-            <a:pPr marL="0" indent="0">
-              <a:buNone/>
-            </a:pPr>
-            <a:r>
-              <a:rPr lang="en-US" sz="2000" dirty="0">
-                <a:hlinkClick r:id="rId3"/>
-              </a:rPr>
-              <a:t>Try in </a:t>
-            </a:r>
-            <a:r>
-              <a:rPr lang="en-US" sz="2000" dirty="0" err="1">
-                <a:hlinkClick r:id="rId3"/>
-              </a:rPr>
-              <a:t>PythonTutor</a:t>
-            </a:r>
-            <a:r>
-              <a:rPr lang="en-US" sz="2000" dirty="0"/>
-              <a:t>. (After deleting the bad line)</a:t>
-            </a:r>
-          </a:p>
-          <a:p>
-            <a:endParaRPr lang="en-US" sz="2000" dirty="0"/>
-          </a:p>
-          <a:p>
-            <a:endParaRPr lang="en-US" sz="2000" dirty="0"/>
-          </a:p>
-        </p:txBody>
-      </p:sp>
-      <p:sp>
-        <p:nvSpPr>
-          <p:cNvPr id="4" name="TextBox 3">
-            <a:extLst>
-              <a:ext uri="{FF2B5EF4-FFF2-40B4-BE49-F238E27FC236}">
-                <a16:creationId xmlns:a16="http://schemas.microsoft.com/office/drawing/2014/main" id="{065CACE7-7BF2-28CF-D2BF-3CC42C2F9276}"/>
-              </a:ext>
-            </a:extLst>
-          </p:cNvPr>
-          <p:cNvSpPr txBox="1"/>
-          <p:nvPr/>
-        </p:nvSpPr>
-        <p:spPr>
-          <a:xfrm>
-            <a:off x="2878667" y="516467"/>
-            <a:ext cx="184731" cy="307777"/>
-          </a:xfrm>
-          <a:prstGeom prst="rect">
-            <a:avLst/>
-          </a:prstGeom>
-          <a:noFill/>
-        </p:spPr>
-        <p:txBody>
-          <a:bodyPr wrap="none" rtlCol="0">
-            <a:spAutoFit/>
-          </a:bodyPr>
-          <a:lstStyle/>
-          <a:p>
-            <a:endParaRPr lang="en-US" dirty="0"/>
-          </a:p>
-        </p:txBody>
-      </p:sp>
-    </p:spTree>
-    <p:extLst>
-      <p:ext uri="{BB962C8B-B14F-4D97-AF65-F5344CB8AC3E}">
-        <p14:creationId xmlns:p14="http://schemas.microsoft.com/office/powerpoint/2010/main" val="4104600718"/>
-      </p:ext>
-    </p:extLst>
-  </p:cSld>
-  <p:clrMapOvr>
-    <a:masterClrMapping/>
-  </p:clrMapOvr>
-</p:sld>
-</file>
-
-<file path=ppt/slides/slide31.xml><?xml version="1.0" encoding="utf-8"?>
-<p:sld xmlns:a="http://schemas.openxmlformats.org/drawingml/2006/main" xmlns:r="http://schemas.openxmlformats.org/officeDocument/2006/relationships" xmlns:p="http://schemas.openxmlformats.org/presentationml/2006/main">
-  <p:cSld>
-    <p:spTree>
-      <p:nvGrpSpPr>
-        <p:cNvPr id="1" name=""/>
-        <p:cNvGrpSpPr/>
-        <p:nvPr/>
-      </p:nvGrpSpPr>
-      <p:grpSpPr>
-        <a:xfrm>
-          <a:off x="0" y="0"/>
-          <a:ext cx="0" cy="0"/>
-          <a:chOff x="0" y="0"/>
-          <a:chExt cx="0" cy="0"/>
-        </a:xfrm>
-      </p:grpSpPr>
-      <p:sp>
-        <p:nvSpPr>
-          <p:cNvPr id="2" name="Title 1">
-            <a:extLst>
-              <a:ext uri="{FF2B5EF4-FFF2-40B4-BE49-F238E27FC236}">
-                <a16:creationId xmlns:a16="http://schemas.microsoft.com/office/drawing/2014/main" id="{CEBB8131-2600-364C-BA7A-2F52F90D1F37}"/>
-              </a:ext>
-            </a:extLst>
-          </p:cNvPr>
-          <p:cNvSpPr>
-            <a:spLocks noGrp="1"/>
-          </p:cNvSpPr>
-          <p:nvPr>
-            <p:ph type="title"/>
-          </p:nvPr>
-        </p:nvSpPr>
-        <p:spPr/>
-        <p:txBody>
-          <a:bodyPr/>
-          <a:lstStyle/>
-          <a:p>
-            <a:r>
-              <a:rPr lang="en-US" dirty="0"/>
-              <a:t>Mutating Lists -- More Functions!</a:t>
-            </a:r>
-          </a:p>
-        </p:txBody>
-      </p:sp>
-      <p:sp>
-        <p:nvSpPr>
-          <p:cNvPr id="3" name="Content Placeholder 2">
-            <a:extLst>
-              <a:ext uri="{FF2B5EF4-FFF2-40B4-BE49-F238E27FC236}">
-                <a16:creationId xmlns:a16="http://schemas.microsoft.com/office/drawing/2014/main" id="{77842E57-3F94-414D-81C1-CF7C02398964}"/>
+                <a16:creationId xmlns:a16="http://schemas.microsoft.com/office/drawing/2014/main" id="{B836C9F3-5112-45B6-9876-1752CAE15704}"/>
               </a:ext>
             </a:extLst>
           </p:cNvPr>
@@ -23511,615 +22589,48 @@
           <a:bodyPr/>
           <a:lstStyle/>
           <a:p>
-            <a:pPr fontAlgn="base"/>
-            <a:r>
-              <a:rPr lang="en-US" sz="2400" dirty="0">
-                <a:effectLst/>
-                <a:latin typeface="Source Code Pro" panose="020B0509030403020204" pitchFamily="49" charset="77"/>
-              </a:rPr>
-              <a:t>list += [x, y, z] # just like extend.</a:t>
-            </a:r>
-          </a:p>
-          <a:p>
-            <a:pPr lvl="1"/>
-            <a:r>
-              <a:rPr lang="en-US" sz="2400" dirty="0">
-                <a:latin typeface="Source Code Pro" panose="020B0509030403020204" pitchFamily="49" charset="77"/>
-              </a:rPr>
+            <a:pPr>
+              <a:buFontTx/>
+              <a:buChar char="-"/>
+            </a:pPr>
+            <a:r>
+              <a:rPr lang="en-US" dirty="0"/>
+              <a:t> Environment diagrams (review, lambdas)</a:t>
+            </a:r>
+          </a:p>
+          <a:p>
+            <a:pPr>
+              <a:buFontTx/>
+              <a:buChar char="-"/>
+            </a:pPr>
+            <a:r>
+              <a:rPr lang="en-US" dirty="0"/>
+              <a:t> Mutable data</a:t>
+            </a:r>
+          </a:p>
+          <a:p>
+            <a:pPr lvl="1">
+              <a:buFontTx/>
+              <a:buChar char="-"/>
+            </a:pPr>
+            <a:r>
+              <a:rPr lang="en-US" dirty="0"/>
               <a:t> </a:t>
             </a:r>
             <a:r>
-              <a:rPr lang="en-US" sz="2400" dirty="0">
-                <a:hlinkClick r:id="rId2"/>
-              </a:rPr>
-              <a:t>You need to be careful with this one!</a:t>
-            </a:r>
-            <a:r>
-              <a:rPr lang="en-US" sz="2400" dirty="0"/>
-              <a:t> It modifies the list.</a:t>
-            </a:r>
-            <a:endParaRPr lang="en-US" sz="2400" dirty="0">
-              <a:effectLst/>
-              <a:latin typeface="Source Code Pro" panose="020B0509030403020204" pitchFamily="49" charset="77"/>
-            </a:endParaRPr>
-          </a:p>
-          <a:p>
-            <a:pPr fontAlgn="base"/>
-            <a:r>
-              <a:rPr lang="en-US" sz="2400" dirty="0">
-                <a:effectLst/>
-                <a:latin typeface="Source Code Pro" panose="020B0509030403020204" pitchFamily="49" charset="77"/>
-              </a:rPr>
-              <a:t>pop()</a:t>
-            </a:r>
-            <a:r>
-              <a:rPr lang="en-US" sz="2400" dirty="0">
-                <a:effectLst/>
-              </a:rPr>
-              <a:t> removes and returns the last element:</a:t>
-            </a:r>
-            <a:endParaRPr lang="en-US" sz="2400" dirty="0">
-              <a:solidFill>
-                <a:srgbClr val="FFFFFF"/>
-              </a:solidFill>
-              <a:effectLst/>
-            </a:endParaRPr>
-          </a:p>
-          <a:p>
-            <a:pPr marL="168771" lvl="1" indent="0">
-              <a:buNone/>
-            </a:pPr>
-            <a:r>
-              <a:rPr lang="en-US" sz="2400" dirty="0">
-                <a:effectLst/>
-                <a:latin typeface="Source Code Pro" panose="020B0509030403020204" pitchFamily="49" charset="77"/>
-              </a:rPr>
-              <a:t>s = [2, 3]</a:t>
-            </a:r>
-          </a:p>
-          <a:p>
-            <a:pPr marL="168771" lvl="1" indent="0">
-              <a:buNone/>
-            </a:pPr>
-            <a:r>
-              <a:rPr lang="en-US" sz="2400" dirty="0">
-                <a:effectLst/>
-                <a:latin typeface="Source Code Pro" panose="020B0509030403020204" pitchFamily="49" charset="77"/>
-              </a:rPr>
-              <a:t>t = [5, 6]</a:t>
-            </a:r>
-          </a:p>
-          <a:p>
-            <a:pPr marL="168771" lvl="1" indent="0">
-              <a:buNone/>
-            </a:pPr>
-            <a:r>
-              <a:rPr lang="en-US" sz="2400" dirty="0">
-                <a:effectLst/>
-                <a:latin typeface="Source Code Pro" panose="020B0509030403020204" pitchFamily="49" charset="77"/>
-              </a:rPr>
-              <a:t>t = </a:t>
-            </a:r>
-            <a:r>
-              <a:rPr lang="en-US" sz="2400" dirty="0" err="1">
-                <a:effectLst/>
-                <a:latin typeface="Source Code Pro" panose="020B0509030403020204" pitchFamily="49" charset="77"/>
-              </a:rPr>
-              <a:t>s.pop</a:t>
-            </a:r>
-            <a:r>
-              <a:rPr lang="en-US" sz="2400" dirty="0">
-                <a:effectLst/>
-                <a:latin typeface="Source Code Pro" panose="020B0509030403020204" pitchFamily="49" charset="77"/>
-              </a:rPr>
-              <a:t>()</a:t>
-            </a:r>
-          </a:p>
-          <a:p>
-            <a:pPr marL="0" indent="0" fontAlgn="base">
-              <a:buNone/>
-            </a:pPr>
-            <a:r>
-              <a:rPr lang="en-US" sz="2400" u="none" strike="noStrike" dirty="0">
-                <a:solidFill>
-                  <a:srgbClr val="00008B"/>
-                </a:solidFill>
-                <a:effectLst/>
-                <a:hlinkClick r:id="rId3"/>
-              </a:rPr>
-              <a:t>Try in PythonTutor.</a:t>
-            </a:r>
-            <a:endParaRPr lang="en-US" sz="2400" dirty="0">
-              <a:effectLst/>
-            </a:endParaRPr>
-          </a:p>
-          <a:p>
-            <a:pPr fontAlgn="base"/>
-            <a:r>
-              <a:rPr lang="en-US" sz="2400" dirty="0">
-                <a:effectLst/>
-                <a:latin typeface="Source Code Pro" panose="020B0509030403020204" pitchFamily="49" charset="77"/>
-              </a:rPr>
-              <a:t>remove()</a:t>
-            </a:r>
-            <a:r>
-              <a:rPr lang="en-US" sz="2400" dirty="0">
-                <a:effectLst/>
-              </a:rPr>
-              <a:t> removes the first element equal to the argument:</a:t>
-            </a:r>
-          </a:p>
-          <a:p>
-            <a:pPr marL="168771" lvl="1" indent="0">
-              <a:buNone/>
-            </a:pPr>
-            <a:r>
-              <a:rPr lang="en-US" sz="2400" dirty="0">
-                <a:effectLst/>
-                <a:latin typeface="Source Code Pro" panose="020B0509030403020204" pitchFamily="49" charset="77"/>
-              </a:rPr>
-              <a:t>s = [6, 2, 4, 8, 4] </a:t>
-            </a:r>
-          </a:p>
-          <a:p>
-            <a:pPr marL="168771" lvl="1" indent="0">
-              <a:buNone/>
-            </a:pPr>
-            <a:r>
-              <a:rPr lang="en-US" sz="2400" dirty="0" err="1">
-                <a:effectLst/>
-                <a:latin typeface="Source Code Pro" panose="020B0509030403020204" pitchFamily="49" charset="77"/>
-              </a:rPr>
-              <a:t>s.remove</a:t>
-            </a:r>
-            <a:r>
-              <a:rPr lang="en-US" sz="2400" dirty="0">
-                <a:effectLst/>
-                <a:latin typeface="Source Code Pro" panose="020B0509030403020204" pitchFamily="49" charset="77"/>
-              </a:rPr>
-              <a:t>(4)</a:t>
-            </a:r>
-            <a:endParaRPr lang="en-US" sz="2400" u="none" strike="noStrike" dirty="0">
-              <a:solidFill>
-                <a:srgbClr val="00008B"/>
-              </a:solidFill>
-              <a:hlinkClick r:id="rId4"/>
-            </a:endParaRPr>
-          </a:p>
-          <a:p>
-            <a:pPr marL="0" indent="0" fontAlgn="base">
-              <a:buNone/>
-            </a:pPr>
-            <a:r>
-              <a:rPr lang="en-US" sz="2400" u="none" strike="noStrike" dirty="0">
-                <a:solidFill>
-                  <a:srgbClr val="00008B"/>
-                </a:solidFill>
-                <a:effectLst/>
-                <a:hlinkClick r:id="rId4"/>
-              </a:rPr>
-              <a:t>Try in PythonTutor.</a:t>
-            </a:r>
-            <a:endParaRPr lang="en-US" sz="2400" dirty="0">
-              <a:effectLst/>
-            </a:endParaRPr>
+              <a:rPr lang="en-US" dirty="0" err="1"/>
+              <a:t>dict</a:t>
+            </a:r>
+            <a:endParaRPr lang="en-US" dirty="0"/>
           </a:p>
         </p:txBody>
       </p:sp>
-    </p:spTree>
-    <p:extLst>
-      <p:ext uri="{BB962C8B-B14F-4D97-AF65-F5344CB8AC3E}">
-        <p14:creationId xmlns:p14="http://schemas.microsoft.com/office/powerpoint/2010/main" val="3106904277"/>
-      </p:ext>
-    </p:extLst>
-  </p:cSld>
-  <p:clrMapOvr>
-    <a:masterClrMapping/>
-  </p:clrMapOvr>
-</p:sld>
-</file>
-
-<file path=ppt/slides/slide32.xml><?xml version="1.0" encoding="utf-8"?>
-<p:sld xmlns:a="http://schemas.openxmlformats.org/drawingml/2006/main" xmlns:r="http://schemas.openxmlformats.org/officeDocument/2006/relationships" xmlns:p="http://schemas.openxmlformats.org/presentationml/2006/main">
-  <p:cSld>
-    <p:spTree>
-      <p:nvGrpSpPr>
-        <p:cNvPr id="1" name="Shape 198"/>
-        <p:cNvGrpSpPr/>
-        <p:nvPr/>
-      </p:nvGrpSpPr>
-      <p:grpSpPr>
-        <a:xfrm>
-          <a:off x="0" y="0"/>
-          <a:ext cx="0" cy="0"/>
-          <a:chOff x="0" y="0"/>
-          <a:chExt cx="0" cy="0"/>
-        </a:xfrm>
-      </p:grpSpPr>
       <p:sp>
         <p:nvSpPr>
-          <p:cNvPr id="199" name="Google Shape;199;p21"/>
-          <p:cNvSpPr txBox="1">
-            <a:spLocks noGrp="1"/>
-          </p:cNvSpPr>
-          <p:nvPr>
-            <p:ph type="title"/>
-          </p:nvPr>
-        </p:nvSpPr>
-        <p:spPr>
-          <a:prstGeom prst="rect">
-            <a:avLst/>
-          </a:prstGeom>
-          <a:noFill/>
-          <a:ln>
-            <a:noFill/>
-          </a:ln>
-        </p:spPr>
-        <p:txBody>
-          <a:bodyPr spcFirstLastPara="1" vert="horz" wrap="square" lIns="92075" tIns="46025" rIns="92075" bIns="46025" numCol="1" anchor="ctr" anchorCtr="0" compatLnSpc="1">
-            <a:prstTxWarp prst="textNoShape">
-              <a:avLst/>
-            </a:prstTxWarp>
-            <a:noAutofit/>
-          </a:bodyPr>
-          <a:lstStyle/>
-          <a:p>
-            <a:pPr>
-              <a:spcBef>
-                <a:spcPts val="0"/>
-              </a:spcBef>
-              <a:spcAft>
-                <a:spcPts val="0"/>
-              </a:spcAft>
-            </a:pPr>
-            <a:r>
-              <a:rPr lang="en-US" sz="3200" dirty="0">
-                <a:ea typeface="Arial"/>
-                <a:cs typeface="Arial"/>
-                <a:sym typeface="Arial"/>
-              </a:rPr>
-              <a:t>Mutation makes sharing visible</a:t>
-            </a:r>
-            <a:endParaRPr dirty="0"/>
-          </a:p>
-        </p:txBody>
-      </p:sp>
-      <p:pic>
-        <p:nvPicPr>
-          <p:cNvPr id="201" name="Google Shape;201;p21">
-            <a:hlinkClick r:id="rId3"/>
-          </p:cNvPr>
-          <p:cNvPicPr preferRelativeResize="0"/>
-          <p:nvPr/>
-        </p:nvPicPr>
-        <p:blipFill rotWithShape="1">
-          <a:blip r:embed="rId4">
-            <a:alphaModFix/>
-          </a:blip>
-          <a:srcRect/>
-          <a:stretch/>
-        </p:blipFill>
-        <p:spPr>
-          <a:xfrm>
-            <a:off x="2406650" y="1075260"/>
-            <a:ext cx="6616700" cy="2557799"/>
-          </a:xfrm>
-          <a:prstGeom prst="rect">
-            <a:avLst/>
-          </a:prstGeom>
-          <a:noFill/>
-          <a:ln w="9525" cap="flat" cmpd="sng">
-            <a:solidFill>
-              <a:schemeClr val="accent1"/>
-            </a:solidFill>
-            <a:prstDash val="solid"/>
-            <a:round/>
-            <a:headEnd type="none" w="sm" len="sm"/>
-            <a:tailEnd type="none" w="sm" len="sm"/>
-          </a:ln>
-        </p:spPr>
-      </p:pic>
-      <p:pic>
-        <p:nvPicPr>
-          <p:cNvPr id="202" name="Google Shape;202;p21">
-            <a:hlinkClick r:id="rId5"/>
-          </p:cNvPr>
-          <p:cNvPicPr preferRelativeResize="0"/>
-          <p:nvPr/>
-        </p:nvPicPr>
-        <p:blipFill rotWithShape="1">
-          <a:blip r:embed="rId6">
-            <a:alphaModFix/>
-          </a:blip>
-          <a:srcRect/>
-          <a:stretch/>
-        </p:blipFill>
-        <p:spPr>
-          <a:xfrm>
-            <a:off x="2406650" y="3762782"/>
-            <a:ext cx="6616700" cy="2437230"/>
-          </a:xfrm>
-          <a:prstGeom prst="rect">
-            <a:avLst/>
-          </a:prstGeom>
-          <a:noFill/>
-          <a:ln w="9525" cap="flat" cmpd="sng">
-            <a:solidFill>
-              <a:schemeClr val="accent1"/>
-            </a:solidFill>
-            <a:prstDash val="solid"/>
-            <a:round/>
-            <a:headEnd type="none" w="sm" len="sm"/>
-            <a:tailEnd type="none" w="sm" len="sm"/>
-          </a:ln>
-        </p:spPr>
-      </p:pic>
-      <p:sp>
-        <p:nvSpPr>
-          <p:cNvPr id="2" name="Title 1">
+          <p:cNvPr id="4" name="Footer Placeholder 3">
             <a:extLst>
               <a:ext uri="{FF2B5EF4-FFF2-40B4-BE49-F238E27FC236}">
-                <a16:creationId xmlns:a16="http://schemas.microsoft.com/office/drawing/2014/main" id="{112A34AB-CFCE-8D08-3C75-5CDFA3BDB4B7}"/>
-              </a:ext>
-            </a:extLst>
-          </p:cNvPr>
-          <p:cNvSpPr txBox="1">
-            <a:spLocks/>
-          </p:cNvSpPr>
-          <p:nvPr/>
-        </p:nvSpPr>
-        <p:spPr bwMode="auto">
-          <a:xfrm>
-            <a:off x="0" y="0"/>
-            <a:ext cx="12192000" cy="914400"/>
-          </a:xfrm>
-          <a:prstGeom prst="rect">
-            <a:avLst/>
-          </a:prstGeom>
-          <a:solidFill>
-            <a:schemeClr val="tx2"/>
-          </a:solidFill>
-          <a:ln w="25400">
-            <a:noFill/>
-          </a:ln>
-          <a:extLst>
-            <a:ext uri="{909E8E84-426E-40dd-AFC4-6F175D3DCCD1}">
-              <a14:hiddenFill xmlns:a14="http://schemas.microsoft.com/office/drawing/2010/main" xmlns="">
-                <a:solidFill>
-                  <a:srgbClr val="FFFFFF"/>
-                </a:solidFill>
-              </a14:hiddenFill>
-            </a:ext>
-            <a:ext uri="{91240B29-F687-4f45-9708-019B960494DF}">
-              <a14:hiddenLine xmlns:a14="http://schemas.microsoft.com/office/drawing/2010/main" xmlns="" w="9525">
-                <a:solidFill>
-                  <a:srgbClr val="000000"/>
-                </a:solidFill>
-                <a:miter lim="800000"/>
-                <a:headEnd/>
-                <a:tailEnd/>
-              </a14:hiddenLine>
-            </a:ext>
-            <a:ext uri="{FAA26D3D-D897-4be2-8F04-BA451C77F1D7}">
-              <ma14:placeholderFlag xmlns:ma14="http://schemas.microsoft.com/office/mac/drawingml/2011/main" xmlns="" val="1"/>
-            </a:ext>
-          </a:extLst>
-        </p:spPr>
-        <p:txBody>
-          <a:bodyPr vert="horz" wrap="square" lIns="548640" tIns="46038" rIns="914400" bIns="46038" numCol="1" anchor="ctr" anchorCtr="0" compatLnSpc="1">
-            <a:prstTxWarp prst="textNoShape">
-              <a:avLst/>
-            </a:prstTxWarp>
-            <a:normAutofit/>
-          </a:bodyPr>
-          <a:lstStyle>
-            <a:lvl1pPr algn="l" rtl="0" eaLnBrk="1" fontAlgn="base" hangingPunct="1">
-              <a:lnSpc>
-                <a:spcPct val="90000"/>
-              </a:lnSpc>
-              <a:spcBef>
-                <a:spcPct val="0"/>
-              </a:spcBef>
-              <a:spcAft>
-                <a:spcPct val="0"/>
-              </a:spcAft>
-              <a:defRPr sz="3200" b="0" i="0" baseline="0">
-                <a:solidFill>
-                  <a:schemeClr val="bg1"/>
-                </a:solidFill>
-                <a:latin typeface="FreightMicro Pro Book" panose="02000603020000020004" pitchFamily="2" charset="0"/>
-                <a:ea typeface="ＭＳ Ｐゴシック" charset="-128"/>
-                <a:cs typeface="FreightMicro Pro Book" panose="02000603020000020004" pitchFamily="2" charset="0"/>
-              </a:defRPr>
-            </a:lvl1pPr>
-            <a:lvl2pPr algn="l" rtl="0" eaLnBrk="1" fontAlgn="base" hangingPunct="1">
-              <a:lnSpc>
-                <a:spcPct val="90000"/>
-              </a:lnSpc>
-              <a:spcBef>
-                <a:spcPct val="0"/>
-              </a:spcBef>
-              <a:spcAft>
-                <a:spcPct val="0"/>
-              </a:spcAft>
-              <a:defRPr sz="1350" b="1">
-                <a:solidFill>
-                  <a:srgbClr val="0332B7"/>
-                </a:solidFill>
-                <a:latin typeface="Arial" charset="0"/>
-                <a:ea typeface="ＭＳ Ｐゴシック" charset="-128"/>
-                <a:cs typeface="ＭＳ Ｐゴシック" charset="-128"/>
-              </a:defRPr>
-            </a:lvl2pPr>
-            <a:lvl3pPr algn="l" rtl="0" eaLnBrk="1" fontAlgn="base" hangingPunct="1">
-              <a:lnSpc>
-                <a:spcPct val="90000"/>
-              </a:lnSpc>
-              <a:spcBef>
-                <a:spcPct val="0"/>
-              </a:spcBef>
-              <a:spcAft>
-                <a:spcPct val="0"/>
-              </a:spcAft>
-              <a:defRPr sz="1350" b="1">
-                <a:solidFill>
-                  <a:srgbClr val="0332B7"/>
-                </a:solidFill>
-                <a:latin typeface="Arial" charset="0"/>
-                <a:ea typeface="ＭＳ Ｐゴシック" charset="-128"/>
-                <a:cs typeface="ＭＳ Ｐゴシック" charset="-128"/>
-              </a:defRPr>
-            </a:lvl3pPr>
-            <a:lvl4pPr algn="l" rtl="0" eaLnBrk="1" fontAlgn="base" hangingPunct="1">
-              <a:lnSpc>
-                <a:spcPct val="90000"/>
-              </a:lnSpc>
-              <a:spcBef>
-                <a:spcPct val="0"/>
-              </a:spcBef>
-              <a:spcAft>
-                <a:spcPct val="0"/>
-              </a:spcAft>
-              <a:defRPr sz="1350" b="1">
-                <a:solidFill>
-                  <a:srgbClr val="0332B7"/>
-                </a:solidFill>
-                <a:latin typeface="Arial" charset="0"/>
-                <a:ea typeface="ＭＳ Ｐゴシック" charset="-128"/>
-                <a:cs typeface="ＭＳ Ｐゴシック" charset="-128"/>
-              </a:defRPr>
-            </a:lvl4pPr>
-            <a:lvl5pPr algn="l" rtl="0" eaLnBrk="1" fontAlgn="base" hangingPunct="1">
-              <a:lnSpc>
-                <a:spcPct val="90000"/>
-              </a:lnSpc>
-              <a:spcBef>
-                <a:spcPct val="0"/>
-              </a:spcBef>
-              <a:spcAft>
-                <a:spcPct val="0"/>
-              </a:spcAft>
-              <a:defRPr sz="1350" b="1">
-                <a:solidFill>
-                  <a:srgbClr val="0332B7"/>
-                </a:solidFill>
-                <a:latin typeface="Arial" charset="0"/>
-                <a:ea typeface="ＭＳ Ｐゴシック" charset="-128"/>
-                <a:cs typeface="ＭＳ Ｐゴシック" charset="-128"/>
-              </a:defRPr>
-            </a:lvl5pPr>
-            <a:lvl6pPr marL="192881" algn="l" rtl="0" eaLnBrk="1" fontAlgn="base" hangingPunct="1">
-              <a:lnSpc>
-                <a:spcPct val="90000"/>
-              </a:lnSpc>
-              <a:spcBef>
-                <a:spcPct val="0"/>
-              </a:spcBef>
-              <a:spcAft>
-                <a:spcPct val="0"/>
-              </a:spcAft>
-              <a:defRPr sz="1350" b="1">
-                <a:solidFill>
-                  <a:srgbClr val="0332B7"/>
-                </a:solidFill>
-                <a:latin typeface="Arial" charset="0"/>
-              </a:defRPr>
-            </a:lvl6pPr>
-            <a:lvl7pPr marL="385763" algn="l" rtl="0" eaLnBrk="1" fontAlgn="base" hangingPunct="1">
-              <a:lnSpc>
-                <a:spcPct val="90000"/>
-              </a:lnSpc>
-              <a:spcBef>
-                <a:spcPct val="0"/>
-              </a:spcBef>
-              <a:spcAft>
-                <a:spcPct val="0"/>
-              </a:spcAft>
-              <a:defRPr sz="1350" b="1">
-                <a:solidFill>
-                  <a:srgbClr val="0332B7"/>
-                </a:solidFill>
-                <a:latin typeface="Arial" charset="0"/>
-              </a:defRPr>
-            </a:lvl7pPr>
-            <a:lvl8pPr marL="578644" algn="l" rtl="0" eaLnBrk="1" fontAlgn="base" hangingPunct="1">
-              <a:lnSpc>
-                <a:spcPct val="90000"/>
-              </a:lnSpc>
-              <a:spcBef>
-                <a:spcPct val="0"/>
-              </a:spcBef>
-              <a:spcAft>
-                <a:spcPct val="0"/>
-              </a:spcAft>
-              <a:defRPr sz="1350" b="1">
-                <a:solidFill>
-                  <a:srgbClr val="0332B7"/>
-                </a:solidFill>
-                <a:latin typeface="Arial" charset="0"/>
-              </a:defRPr>
-            </a:lvl8pPr>
-            <a:lvl9pPr marL="771525" algn="l" rtl="0" eaLnBrk="1" fontAlgn="base" hangingPunct="1">
-              <a:lnSpc>
-                <a:spcPct val="90000"/>
-              </a:lnSpc>
-              <a:spcBef>
-                <a:spcPct val="0"/>
-              </a:spcBef>
-              <a:spcAft>
-                <a:spcPct val="0"/>
-              </a:spcAft>
-              <a:defRPr sz="1350" b="1">
-                <a:solidFill>
-                  <a:srgbClr val="0332B7"/>
-                </a:solidFill>
-                <a:latin typeface="Arial" charset="0"/>
-              </a:defRPr>
-            </a:lvl9pPr>
-          </a:lstStyle>
-          <a:p>
-            <a:pPr>
-              <a:buClrTx/>
-              <a:buFontTx/>
-            </a:pPr>
-            <a:r>
-              <a:rPr lang="en-US" dirty="0"/>
-              <a:t>Python Tutor: Assignments Are References</a:t>
-            </a:r>
-          </a:p>
-        </p:txBody>
-      </p:sp>
-    </p:spTree>
-  </p:cSld>
-  <p:clrMapOvr>
-    <a:masterClrMapping/>
-  </p:clrMapOvr>
-</p:sld>
-</file>
-
-<file path=ppt/slides/slide33.xml><?xml version="1.0" encoding="utf-8"?>
-<p:sld xmlns:a="http://schemas.openxmlformats.org/drawingml/2006/main" xmlns:r="http://schemas.openxmlformats.org/officeDocument/2006/relationships" xmlns:p="http://schemas.openxmlformats.org/presentationml/2006/main">
-  <p:cSld>
-    <p:spTree>
-      <p:nvGrpSpPr>
-        <p:cNvPr id="1" name=""/>
-        <p:cNvGrpSpPr/>
-        <p:nvPr/>
-      </p:nvGrpSpPr>
-      <p:grpSpPr>
-        <a:xfrm>
-          <a:off x="0" y="0"/>
-          <a:ext cx="0" cy="0"/>
-          <a:chOff x="0" y="0"/>
-          <a:chExt cx="0" cy="0"/>
-        </a:xfrm>
-      </p:grpSpPr>
-      <p:sp>
-        <p:nvSpPr>
-          <p:cNvPr id="2" name="Title 1">
-            <a:extLst>
-              <a:ext uri="{FF2B5EF4-FFF2-40B4-BE49-F238E27FC236}">
-                <a16:creationId xmlns:a16="http://schemas.microsoft.com/office/drawing/2014/main" id="{84F216EF-7619-9540-96F1-CE5408009275}"/>
+                <a16:creationId xmlns:a16="http://schemas.microsoft.com/office/drawing/2014/main" id="{A21AAC4B-C44F-89FB-3123-25DB3F2EB1F9}"/>
               </a:ext>
             </a:extLst>
           </p:cNvPr>
@@ -24127,2454 +22638,36 @@
             <a:spLocks noGrp="1"/>
           </p:cNvSpPr>
           <p:nvPr>
-            <p:ph type="title"/>
+            <p:ph type="ftr" sz="quarter" idx="10"/>
           </p:nvPr>
         </p:nvSpPr>
-        <p:spPr/>
+        <p:spPr>
+          <a:xfrm>
+            <a:off x="4038599" y="6356350"/>
+            <a:ext cx="4348655" cy="365125"/>
+          </a:xfrm>
+        </p:spPr>
         <p:txBody>
           <a:bodyPr/>
           <a:lstStyle/>
           <a:p>
             <a:r>
               <a:rPr lang="en-US" dirty="0"/>
-              <a:t>Mutable Data Inside Immutable Objects</a:t>
-            </a:r>
-          </a:p>
-        </p:txBody>
-      </p:sp>
-      <p:sp>
-        <p:nvSpPr>
-          <p:cNvPr id="3" name="Content Placeholder 2">
-            <a:extLst>
-              <a:ext uri="{FF2B5EF4-FFF2-40B4-BE49-F238E27FC236}">
-                <a16:creationId xmlns:a16="http://schemas.microsoft.com/office/drawing/2014/main" id="{71F49F31-1BBA-2246-9549-58D5D2BFC0A5}"/>
-              </a:ext>
-            </a:extLst>
-          </p:cNvPr>
-          <p:cNvSpPr>
-            <a:spLocks noGrp="1"/>
-          </p:cNvSpPr>
-          <p:nvPr>
-            <p:ph idx="1"/>
-          </p:nvPr>
-        </p:nvSpPr>
-        <p:spPr/>
-        <p:txBody>
-          <a:bodyPr/>
-          <a:lstStyle/>
-          <a:p>
-            <a:r>
-              <a:rPr lang="en-US" dirty="0"/>
-              <a:t>Mutable objects can "live" inside immutable objects!</a:t>
-            </a:r>
-          </a:p>
-          <a:p>
-            <a:r>
-              <a:rPr lang="en-US" dirty="0"/>
-              <a:t>An immutable sequence may still change if it contains a mutable value as an element.</a:t>
-            </a:r>
-          </a:p>
-          <a:p>
-            <a:r>
-              <a:rPr lang="en-US" dirty="0"/>
-              <a:t> Be </a:t>
-            </a:r>
-            <a:r>
-              <a:rPr lang="en-US" b="1" dirty="0"/>
-              <a:t>very careful,</a:t>
-            </a:r>
-            <a:r>
-              <a:rPr lang="en-US" dirty="0"/>
-              <a:t> and probably </a:t>
-            </a:r>
-            <a:r>
-              <a:rPr lang="en-US" b="1" dirty="0"/>
-              <a:t>do </a:t>
-            </a:r>
-            <a:r>
-              <a:rPr lang="en-US" b="1" dirty="0" err="1"/>
-              <a:t>not</a:t>
-            </a:r>
-            <a:r>
-              <a:rPr lang="en-US" dirty="0" err="1"/>
-              <a:t>do</a:t>
-            </a:r>
-            <a:r>
-              <a:rPr lang="en-US" dirty="0"/>
-              <a:t> this!</a:t>
-            </a:r>
-          </a:p>
-          <a:p>
-            <a:pPr marL="0" indent="0">
-              <a:buNone/>
-            </a:pPr>
-            <a:endParaRPr lang="en-US" dirty="0"/>
-          </a:p>
-          <a:p>
-            <a:pPr marL="168771" lvl="1" indent="0">
-              <a:buNone/>
-            </a:pPr>
-            <a:r>
-              <a:rPr lang="en-US" dirty="0">
-                <a:latin typeface="Source Code Pro" panose="020B0509030403020204" pitchFamily="49" charset="77"/>
-              </a:rPr>
-              <a:t>t = (1, [2, 3])</a:t>
-            </a:r>
-          </a:p>
-          <a:p>
-            <a:pPr marL="168771" lvl="1" indent="0">
-              <a:buNone/>
-            </a:pPr>
-            <a:r>
-              <a:rPr lang="en-US" dirty="0">
-                <a:latin typeface="Source Code Pro" panose="020B0509030403020204" pitchFamily="49" charset="77"/>
-              </a:rPr>
-              <a:t>t[1][0] = 99</a:t>
-            </a:r>
-          </a:p>
-          <a:p>
-            <a:pPr marL="168771" lvl="1" indent="0">
-              <a:buNone/>
-            </a:pPr>
-            <a:r>
-              <a:rPr lang="en-US" dirty="0">
-                <a:latin typeface="Source Code Pro" panose="020B0509030403020204" pitchFamily="49" charset="77"/>
-              </a:rPr>
-              <a:t>t[1][1] = "Problems"</a:t>
-            </a:r>
-          </a:p>
-          <a:p>
-            <a:r>
-              <a:rPr lang="en-US" dirty="0">
-                <a:hlinkClick r:id="rId2"/>
-              </a:rPr>
-              <a:t>Try in </a:t>
-            </a:r>
-            <a:r>
-              <a:rPr lang="en-US" dirty="0" err="1">
-                <a:hlinkClick r:id="rId2"/>
-              </a:rPr>
-              <a:t>PythonTutor</a:t>
-            </a:r>
-            <a:endParaRPr lang="en-US" dirty="0"/>
-          </a:p>
-          <a:p>
-            <a:pPr marL="0" indent="0">
-              <a:buNone/>
-            </a:pPr>
-            <a:endParaRPr lang="en-US" dirty="0"/>
+              <a:t>Eric Kim | UC Berkeley | https://c88c.org | © CC BY-NC-SA</a:t>
+            </a:r>
           </a:p>
         </p:txBody>
       </p:sp>
     </p:spTree>
     <p:extLst>
       <p:ext uri="{BB962C8B-B14F-4D97-AF65-F5344CB8AC3E}">
-        <p14:creationId xmlns:p14="http://schemas.microsoft.com/office/powerpoint/2010/main" val="2981796743"/>
+        <p14:creationId xmlns:p14="http://schemas.microsoft.com/office/powerpoint/2010/main" val="676399433"/>
       </p:ext>
     </p:extLst>
   </p:cSld>
   <p:clrMapOvr>
     <a:masterClrMapping/>
   </p:clrMapOvr>
-</p:sld>
-</file>
-
-<file path=ppt/slides/slide34.xml><?xml version="1.0" encoding="utf-8"?>
-<p:sld xmlns:a="http://schemas.openxmlformats.org/drawingml/2006/main" xmlns:r="http://schemas.openxmlformats.org/officeDocument/2006/relationships" xmlns:p="http://schemas.openxmlformats.org/presentationml/2006/main">
-  <p:cSld>
-    <p:spTree>
-      <p:nvGrpSpPr>
-        <p:cNvPr id="1" name=""/>
-        <p:cNvGrpSpPr/>
-        <p:nvPr/>
-      </p:nvGrpSpPr>
-      <p:grpSpPr>
-        <a:xfrm>
-          <a:off x="0" y="0"/>
-          <a:ext cx="0" cy="0"/>
-          <a:chOff x="0" y="0"/>
-          <a:chExt cx="0" cy="0"/>
-        </a:xfrm>
-      </p:grpSpPr>
-      <p:sp>
-        <p:nvSpPr>
-          <p:cNvPr id="2" name="Title 1">
-            <a:extLst>
-              <a:ext uri="{FF2B5EF4-FFF2-40B4-BE49-F238E27FC236}">
-                <a16:creationId xmlns:a16="http://schemas.microsoft.com/office/drawing/2014/main" id="{330AC8FA-B05A-344C-996D-4E7975848977}"/>
-              </a:ext>
-            </a:extLst>
-          </p:cNvPr>
-          <p:cNvSpPr>
-            <a:spLocks noGrp="1"/>
-          </p:cNvSpPr>
-          <p:nvPr>
-            <p:ph type="title"/>
-          </p:nvPr>
-        </p:nvSpPr>
-        <p:spPr/>
-        <p:txBody>
-          <a:bodyPr/>
-          <a:lstStyle/>
-          <a:p>
-            <a:r>
-              <a:rPr lang="en-US" dirty="0"/>
-              <a:t>Equality vs Identity</a:t>
-            </a:r>
-          </a:p>
-        </p:txBody>
-      </p:sp>
-      <p:sp>
-        <p:nvSpPr>
-          <p:cNvPr id="3" name="Content Placeholder 2">
-            <a:extLst>
-              <a:ext uri="{FF2B5EF4-FFF2-40B4-BE49-F238E27FC236}">
-                <a16:creationId xmlns:a16="http://schemas.microsoft.com/office/drawing/2014/main" id="{2A479433-C0E7-B349-B5C0-21A1DF464FAF}"/>
-              </a:ext>
-            </a:extLst>
-          </p:cNvPr>
-          <p:cNvSpPr>
-            <a:spLocks noGrp="1"/>
-          </p:cNvSpPr>
-          <p:nvPr>
-            <p:ph idx="1"/>
-          </p:nvPr>
-        </p:nvSpPr>
-        <p:spPr/>
-        <p:txBody>
-          <a:bodyPr/>
-          <a:lstStyle/>
-          <a:p>
-            <a:pPr marL="168771" lvl="1" indent="0">
-              <a:buNone/>
-            </a:pPr>
-            <a:r>
-              <a:rPr lang="en-US" sz="2400" dirty="0">
-                <a:latin typeface="Source Code Pro" panose="020B0509030403020204" pitchFamily="49" charset="77"/>
-              </a:rPr>
-              <a:t>list1 = [</a:t>
-            </a:r>
-            <a:r>
-              <a:rPr lang="en-US" sz="2400" dirty="0">
-                <a:effectLst/>
-                <a:latin typeface="Source Code Pro" panose="020B0509030403020204" pitchFamily="49" charset="77"/>
-              </a:rPr>
-              <a:t>1</a:t>
-            </a:r>
-            <a:r>
-              <a:rPr lang="en-US" sz="2400" dirty="0">
-                <a:latin typeface="Source Code Pro" panose="020B0509030403020204" pitchFamily="49" charset="77"/>
-              </a:rPr>
-              <a:t>,</a:t>
-            </a:r>
-            <a:r>
-              <a:rPr lang="en-US" sz="2400" dirty="0">
-                <a:effectLst/>
-                <a:latin typeface="Source Code Pro" panose="020B0509030403020204" pitchFamily="49" charset="77"/>
-              </a:rPr>
-              <a:t>2</a:t>
-            </a:r>
-            <a:r>
-              <a:rPr lang="en-US" sz="2400" dirty="0">
-                <a:latin typeface="Source Code Pro" panose="020B0509030403020204" pitchFamily="49" charset="77"/>
-              </a:rPr>
-              <a:t>,</a:t>
-            </a:r>
-            <a:r>
-              <a:rPr lang="en-US" sz="2400" dirty="0">
-                <a:effectLst/>
-                <a:latin typeface="Source Code Pro" panose="020B0509030403020204" pitchFamily="49" charset="77"/>
-              </a:rPr>
-              <a:t>3</a:t>
-            </a:r>
-            <a:r>
-              <a:rPr lang="en-US" sz="2400" dirty="0">
-                <a:latin typeface="Source Code Pro" panose="020B0509030403020204" pitchFamily="49" charset="77"/>
-              </a:rPr>
-              <a:t>]</a:t>
-            </a:r>
-          </a:p>
-          <a:p>
-            <a:pPr marL="168771" lvl="1" indent="0">
-              <a:buNone/>
-            </a:pPr>
-            <a:r>
-              <a:rPr lang="en-US" sz="2400" dirty="0">
-                <a:latin typeface="Source Code Pro" panose="020B0509030403020204" pitchFamily="49" charset="77"/>
-              </a:rPr>
-              <a:t>list2 = [</a:t>
-            </a:r>
-            <a:r>
-              <a:rPr lang="en-US" sz="2400" dirty="0">
-                <a:effectLst/>
-                <a:latin typeface="Source Code Pro" panose="020B0509030403020204" pitchFamily="49" charset="77"/>
-              </a:rPr>
-              <a:t>1</a:t>
-            </a:r>
-            <a:r>
-              <a:rPr lang="en-US" sz="2400" dirty="0">
-                <a:latin typeface="Source Code Pro" panose="020B0509030403020204" pitchFamily="49" charset="77"/>
-              </a:rPr>
-              <a:t>,</a:t>
-            </a:r>
-            <a:r>
-              <a:rPr lang="en-US" sz="2400" dirty="0">
-                <a:effectLst/>
-                <a:latin typeface="Source Code Pro" panose="020B0509030403020204" pitchFamily="49" charset="77"/>
-              </a:rPr>
-              <a:t>2</a:t>
-            </a:r>
-            <a:r>
-              <a:rPr lang="en-US" sz="2400" dirty="0">
-                <a:latin typeface="Source Code Pro" panose="020B0509030403020204" pitchFamily="49" charset="77"/>
-              </a:rPr>
-              <a:t>,</a:t>
-            </a:r>
-            <a:r>
-              <a:rPr lang="en-US" sz="2400" dirty="0">
-                <a:effectLst/>
-                <a:latin typeface="Source Code Pro" panose="020B0509030403020204" pitchFamily="49" charset="77"/>
-              </a:rPr>
-              <a:t>3</a:t>
-            </a:r>
-            <a:r>
-              <a:rPr lang="en-US" sz="2400" dirty="0">
-                <a:latin typeface="Source Code Pro" panose="020B0509030403020204" pitchFamily="49" charset="77"/>
-              </a:rPr>
-              <a:t>]</a:t>
-            </a:r>
-          </a:p>
-          <a:p>
-            <a:pPr marL="168771" lvl="1" indent="0">
-              <a:buNone/>
-            </a:pPr>
-            <a:endParaRPr lang="en-US" sz="2400" dirty="0">
-              <a:latin typeface="Source Code Pro" panose="020B0509030403020204" pitchFamily="49" charset="77"/>
-            </a:endParaRPr>
-          </a:p>
-          <a:p>
-            <a:pPr algn="l" fontAlgn="base"/>
-            <a:r>
-              <a:rPr lang="en-US" sz="2000" b="1" i="0" u="none" strike="noStrike" dirty="0">
-                <a:solidFill>
-                  <a:srgbClr val="000000"/>
-                </a:solidFill>
-                <a:effectLst/>
-              </a:rPr>
-              <a:t>Equality</a:t>
-            </a:r>
-            <a:r>
-              <a:rPr lang="en-US" sz="2000" b="0" i="0" u="none" strike="noStrike" dirty="0">
-                <a:solidFill>
-                  <a:srgbClr val="000000"/>
-                </a:solidFill>
-                <a:effectLst/>
-              </a:rPr>
-              <a:t>: exp0 == exp1</a:t>
-            </a:r>
-            <a:br>
-              <a:rPr lang="en-US" sz="2000" b="0" i="0" u="none" strike="noStrike" dirty="0">
-                <a:solidFill>
-                  <a:srgbClr val="000000"/>
-                </a:solidFill>
-                <a:effectLst/>
-              </a:rPr>
-            </a:br>
-            <a:r>
-              <a:rPr lang="en-US" sz="2000" b="0" i="0" u="none" strike="noStrike" dirty="0">
-                <a:solidFill>
-                  <a:srgbClr val="000000"/>
-                </a:solidFill>
-                <a:effectLst/>
-              </a:rPr>
-              <a:t>evaluates to True if both exp0 and exp1 evaluate to objects containing equal values (Each object can define what == means)</a:t>
-            </a:r>
-          </a:p>
-          <a:p>
-            <a:pPr marL="0" indent="0" algn="l" fontAlgn="base">
-              <a:buNone/>
-            </a:pPr>
-            <a:r>
-              <a:rPr lang="en-US" sz="2400" dirty="0">
-                <a:latin typeface="Source Code Pro" panose="020B0509030403020204" pitchFamily="49" charset="77"/>
-              </a:rPr>
-              <a:t>list1 == list2 </a:t>
-            </a:r>
-            <a:r>
-              <a:rPr lang="en-US" sz="2400" dirty="0">
-                <a:solidFill>
-                  <a:srgbClr val="738191"/>
-                </a:solidFill>
-                <a:effectLst/>
-                <a:latin typeface="Source Code Pro" panose="020B0509030403020204" pitchFamily="49" charset="77"/>
-              </a:rPr>
-              <a:t># True</a:t>
-            </a:r>
-          </a:p>
-          <a:p>
-            <a:pPr algn="l" fontAlgn="base"/>
-            <a:r>
-              <a:rPr lang="en-US" sz="2000" b="1" i="0" u="none" strike="noStrike" dirty="0">
-                <a:solidFill>
-                  <a:srgbClr val="000000"/>
-                </a:solidFill>
-                <a:effectLst/>
-              </a:rPr>
-              <a:t>Identity</a:t>
-            </a:r>
-            <a:r>
-              <a:rPr lang="en-US" sz="2000" b="0" i="0" u="none" strike="noStrike" dirty="0">
-                <a:solidFill>
-                  <a:srgbClr val="000000"/>
-                </a:solidFill>
-                <a:effectLst/>
-              </a:rPr>
-              <a:t>: exp0 is exp1</a:t>
-            </a:r>
-            <a:br>
-              <a:rPr lang="en-US" sz="2000" b="0" i="0" u="none" strike="noStrike" dirty="0">
-                <a:solidFill>
-                  <a:srgbClr val="000000"/>
-                </a:solidFill>
-                <a:effectLst/>
-              </a:rPr>
-            </a:br>
-            <a:r>
-              <a:rPr lang="en-US" sz="2000" b="0" i="0" u="none" strike="noStrike" dirty="0">
-                <a:solidFill>
-                  <a:srgbClr val="000000"/>
-                </a:solidFill>
-                <a:effectLst/>
-              </a:rPr>
-              <a:t>evaluates to True if both exp0 and exp1 evaluate to the same object</a:t>
-            </a:r>
-          </a:p>
-          <a:p>
-            <a:pPr algn="l" fontAlgn="base"/>
-            <a:r>
-              <a:rPr lang="en-US" sz="2000" b="0" i="0" u="none" strike="noStrike" dirty="0">
-                <a:solidFill>
-                  <a:srgbClr val="000000"/>
-                </a:solidFill>
-                <a:effectLst/>
-              </a:rPr>
-              <a:t>Identical objects always have equal values.</a:t>
-            </a:r>
-          </a:p>
-          <a:p>
-            <a:pPr marL="0" indent="0" algn="l" fontAlgn="base">
-              <a:buNone/>
-            </a:pPr>
-            <a:endParaRPr lang="en-US" sz="2400" b="0" i="0" u="none" strike="noStrike" dirty="0">
-              <a:solidFill>
-                <a:srgbClr val="FFFFFF"/>
-              </a:solidFill>
-              <a:effectLst/>
-              <a:latin typeface="Source Code Pro" panose="020B0509030403020204" pitchFamily="49" charset="77"/>
-            </a:endParaRPr>
-          </a:p>
-          <a:p>
-            <a:pPr marL="0" indent="0">
-              <a:buNone/>
-            </a:pPr>
-            <a:r>
-              <a:rPr lang="en-US" sz="2400" b="0" i="0" u="none" strike="noStrike" dirty="0">
-                <a:solidFill>
-                  <a:srgbClr val="000000"/>
-                </a:solidFill>
-                <a:effectLst/>
-                <a:latin typeface="Source Code Pro" panose="020B0509030403020204" pitchFamily="49" charset="77"/>
-              </a:rPr>
-              <a:t>list1 </a:t>
-            </a:r>
-            <a:r>
-              <a:rPr lang="en-US" sz="2400" b="1" i="0" u="none" strike="noStrike" dirty="0">
-                <a:solidFill>
-                  <a:srgbClr val="000000"/>
-                </a:solidFill>
-                <a:effectLst/>
-                <a:latin typeface="Source Code Pro" panose="020B0509030403020204" pitchFamily="49" charset="77"/>
-              </a:rPr>
-              <a:t>is</a:t>
-            </a:r>
-            <a:r>
-              <a:rPr lang="en-US" sz="2400" b="0" i="0" u="none" strike="noStrike" dirty="0">
-                <a:solidFill>
-                  <a:srgbClr val="000000"/>
-                </a:solidFill>
-                <a:effectLst/>
-                <a:latin typeface="Source Code Pro" panose="020B0509030403020204" pitchFamily="49" charset="77"/>
-              </a:rPr>
-              <a:t> list2 </a:t>
-            </a:r>
-            <a:r>
-              <a:rPr lang="en-US" sz="2400" dirty="0">
-                <a:solidFill>
-                  <a:srgbClr val="738191"/>
-                </a:solidFill>
-                <a:effectLst/>
-                <a:latin typeface="Source Code Pro" panose="020B0509030403020204" pitchFamily="49" charset="77"/>
-              </a:rPr>
-              <a:t># False</a:t>
-            </a:r>
-            <a:endParaRPr lang="en-US" sz="2400" b="0" i="0" u="none" strike="noStrike" dirty="0">
-              <a:solidFill>
-                <a:srgbClr val="000000"/>
-              </a:solidFill>
-              <a:effectLst/>
-              <a:latin typeface="Source Code Pro" panose="020B0509030403020204" pitchFamily="49" charset="77"/>
-            </a:endParaRPr>
-          </a:p>
-          <a:p>
-            <a:pPr algn="l" fontAlgn="base"/>
-            <a:r>
-              <a:rPr lang="en-US" sz="2400" u="none" strike="noStrike" dirty="0">
-                <a:solidFill>
-                  <a:srgbClr val="00008B"/>
-                </a:solidFill>
-                <a:effectLst/>
-                <a:hlinkClick r:id="rId2"/>
-              </a:rPr>
-              <a:t>Try in PythonTutor.</a:t>
-            </a:r>
-            <a:endParaRPr lang="en-US" sz="2400" u="none" strike="noStrike" dirty="0">
-              <a:solidFill>
-                <a:srgbClr val="000000"/>
-              </a:solidFill>
-              <a:effectLst/>
-            </a:endParaRPr>
-          </a:p>
-        </p:txBody>
-      </p:sp>
-    </p:spTree>
-    <p:extLst>
-      <p:ext uri="{BB962C8B-B14F-4D97-AF65-F5344CB8AC3E}">
-        <p14:creationId xmlns:p14="http://schemas.microsoft.com/office/powerpoint/2010/main" val="1278382964"/>
-      </p:ext>
-    </p:extLst>
-  </p:cSld>
-  <p:clrMapOvr>
-    <a:masterClrMapping/>
-  </p:clrMapOvr>
-</p:sld>
-</file>
-
-<file path=ppt/slides/slide35.xml><?xml version="1.0" encoding="utf-8"?>
-<p:sld xmlns:a="http://schemas.openxmlformats.org/drawingml/2006/main" xmlns:r="http://schemas.openxmlformats.org/officeDocument/2006/relationships" xmlns:p="http://schemas.openxmlformats.org/presentationml/2006/main">
-  <p:cSld>
-    <p:spTree>
-      <p:nvGrpSpPr>
-        <p:cNvPr id="1" name="Shape 261"/>
-        <p:cNvGrpSpPr/>
-        <p:nvPr/>
-      </p:nvGrpSpPr>
-      <p:grpSpPr>
-        <a:xfrm>
-          <a:off x="0" y="0"/>
-          <a:ext cx="0" cy="0"/>
-          <a:chOff x="0" y="0"/>
-          <a:chExt cx="0" cy="0"/>
-        </a:xfrm>
-      </p:grpSpPr>
-      <p:sp>
-        <p:nvSpPr>
-          <p:cNvPr id="262" name="Google Shape;262;p24"/>
-          <p:cNvSpPr txBox="1">
-            <a:spLocks noGrp="1"/>
-          </p:cNvSpPr>
-          <p:nvPr>
-            <p:ph type="title"/>
-          </p:nvPr>
-        </p:nvSpPr>
-        <p:spPr>
-          <a:noFill/>
-          <a:ln>
-            <a:noFill/>
-          </a:ln>
-        </p:spPr>
-        <p:txBody>
-          <a:bodyPr spcFirstLastPara="1" vert="horz" wrap="square" lIns="92075" tIns="46025" rIns="92075" bIns="46025" numCol="1" anchor="ctr" anchorCtr="0" compatLnSpc="1">
-            <a:prstTxWarp prst="textNoShape">
-              <a:avLst/>
-            </a:prstTxWarp>
-            <a:noAutofit/>
-          </a:bodyPr>
-          <a:lstStyle/>
-          <a:p>
-            <a:r>
-              <a:rPr lang="en-US" dirty="0">
-                <a:sym typeface="Arial"/>
-              </a:rPr>
-              <a:t>Copies, 'is' and '=='</a:t>
-            </a:r>
-            <a:endParaRPr lang="en-US" dirty="0"/>
-          </a:p>
-        </p:txBody>
-      </p:sp>
-      <p:sp>
-        <p:nvSpPr>
-          <p:cNvPr id="264" name="Google Shape;264;p24"/>
-          <p:cNvSpPr/>
-          <p:nvPr/>
-        </p:nvSpPr>
-        <p:spPr>
-          <a:xfrm>
-            <a:off x="496615" y="1131775"/>
-            <a:ext cx="9540764" cy="4801315"/>
-          </a:xfrm>
-          <a:prstGeom prst="rect">
-            <a:avLst/>
-          </a:prstGeom>
-          <a:noFill/>
-          <a:ln>
-            <a:noFill/>
-          </a:ln>
-        </p:spPr>
-        <p:txBody>
-          <a:bodyPr spcFirstLastPara="1" wrap="square" lIns="91425" tIns="45700" rIns="91425" bIns="45700" anchor="t" anchorCtr="0">
-            <a:noAutofit/>
-          </a:bodyPr>
-          <a:lstStyle/>
-          <a:p>
-            <a:r>
-              <a:rPr lang="en-US" sz="1800" dirty="0">
-                <a:solidFill>
-                  <a:schemeClr val="dk1"/>
-                </a:solidFill>
-                <a:latin typeface="Open Sans Light"/>
-                <a:ea typeface="Source Code Pro" panose="020B0509030403020204" pitchFamily="49" charset="0"/>
-                <a:cs typeface="Courier"/>
-                <a:sym typeface="Courier"/>
-              </a:rPr>
-              <a:t>How do we know if two names (variables) are the same exact object? i.e. Will modifying one modify the other?</a:t>
-            </a:r>
-          </a:p>
-          <a:p>
-            <a:endParaRPr lang="en-US" sz="1800" dirty="0">
-              <a:solidFill>
-                <a:schemeClr val="dk1"/>
-              </a:solidFill>
-              <a:latin typeface="Open Sans Light"/>
-              <a:ea typeface="Source Code Pro" panose="020B0509030403020204" pitchFamily="49" charset="0"/>
-              <a:cs typeface="Courier"/>
-              <a:sym typeface="Courier"/>
-            </a:endParaRPr>
-          </a:p>
-          <a:p>
-            <a:r>
-              <a:rPr lang="en-US" sz="1800" dirty="0">
-                <a:solidFill>
-                  <a:schemeClr val="dk1"/>
-                </a:solidFill>
-                <a:latin typeface="Source Code Pro" panose="020B0509030403020204" pitchFamily="49" charset="0"/>
-                <a:ea typeface="Source Code Pro" panose="020B0509030403020204" pitchFamily="49" charset="0"/>
-                <a:cs typeface="Courier"/>
-                <a:sym typeface="Courier"/>
-              </a:rPr>
-              <a:t>&gt;&gt;&gt; </a:t>
-            </a:r>
-            <a:r>
-              <a:rPr lang="en-US" sz="1800" dirty="0" err="1">
-                <a:solidFill>
-                  <a:schemeClr val="dk1"/>
-                </a:solidFill>
-                <a:latin typeface="Source Code Pro" panose="020B0509030403020204" pitchFamily="49" charset="0"/>
-                <a:ea typeface="Source Code Pro" panose="020B0509030403020204" pitchFamily="49" charset="0"/>
-                <a:cs typeface="Courier"/>
-                <a:sym typeface="Courier"/>
-              </a:rPr>
-              <a:t>alist</a:t>
-            </a:r>
-            <a:r>
-              <a:rPr lang="en-US" sz="1800" dirty="0">
-                <a:solidFill>
-                  <a:schemeClr val="dk1"/>
-                </a:solidFill>
-                <a:latin typeface="Source Code Pro" panose="020B0509030403020204" pitchFamily="49" charset="0"/>
-                <a:ea typeface="Source Code Pro" panose="020B0509030403020204" pitchFamily="49" charset="0"/>
-                <a:cs typeface="Courier"/>
-                <a:sym typeface="Courier"/>
-              </a:rPr>
-              <a:t> = [1, 2, 3, 4]</a:t>
-            </a:r>
-            <a:endParaRPr dirty="0">
-              <a:latin typeface="Source Code Pro" panose="020B0509030403020204" pitchFamily="49" charset="0"/>
-              <a:ea typeface="Source Code Pro" panose="020B0509030403020204" pitchFamily="49" charset="0"/>
-            </a:endParaRPr>
-          </a:p>
-          <a:p>
-            <a:r>
-              <a:rPr lang="en-US" sz="1800" dirty="0">
-                <a:solidFill>
-                  <a:schemeClr val="dk1"/>
-                </a:solidFill>
-                <a:latin typeface="Source Code Pro" panose="020B0509030403020204" pitchFamily="49" charset="0"/>
-                <a:ea typeface="Source Code Pro" panose="020B0509030403020204" pitchFamily="49" charset="0"/>
-                <a:cs typeface="Courier"/>
-                <a:sym typeface="Courier"/>
-              </a:rPr>
-              <a:t>&gt;&gt;&gt; </a:t>
-            </a:r>
-            <a:r>
-              <a:rPr lang="en-US" sz="1800" dirty="0" err="1">
-                <a:solidFill>
-                  <a:schemeClr val="dk1"/>
-                </a:solidFill>
-                <a:latin typeface="Source Code Pro" panose="020B0509030403020204" pitchFamily="49" charset="0"/>
-                <a:ea typeface="Source Code Pro" panose="020B0509030403020204" pitchFamily="49" charset="0"/>
-                <a:cs typeface="Courier"/>
-                <a:sym typeface="Courier"/>
-              </a:rPr>
-              <a:t>alist</a:t>
-            </a:r>
-            <a:r>
-              <a:rPr lang="en-US" sz="1800" dirty="0">
-                <a:solidFill>
-                  <a:schemeClr val="dk1"/>
-                </a:solidFill>
-                <a:latin typeface="Source Code Pro" panose="020B0509030403020204" pitchFamily="49" charset="0"/>
-                <a:ea typeface="Source Code Pro" panose="020B0509030403020204" pitchFamily="49" charset="0"/>
-                <a:cs typeface="Courier"/>
-                <a:sym typeface="Courier"/>
-              </a:rPr>
-              <a:t> == [1, 2, 3, 4]  # Equal values?</a:t>
-            </a:r>
-            <a:endParaRPr dirty="0">
-              <a:latin typeface="Source Code Pro" panose="020B0509030403020204" pitchFamily="49" charset="0"/>
-              <a:ea typeface="Source Code Pro" panose="020B0509030403020204" pitchFamily="49" charset="0"/>
-            </a:endParaRPr>
-          </a:p>
-          <a:p>
-            <a:r>
-              <a:rPr lang="en-US" sz="1800" dirty="0">
-                <a:solidFill>
-                  <a:schemeClr val="dk1"/>
-                </a:solidFill>
-                <a:latin typeface="Source Code Pro" panose="020B0509030403020204" pitchFamily="49" charset="0"/>
-                <a:ea typeface="Source Code Pro" panose="020B0509030403020204" pitchFamily="49" charset="0"/>
-                <a:cs typeface="Courier"/>
-                <a:sym typeface="Courier"/>
-              </a:rPr>
-              <a:t>True</a:t>
-            </a:r>
-            <a:endParaRPr dirty="0">
-              <a:latin typeface="Source Code Pro" panose="020B0509030403020204" pitchFamily="49" charset="0"/>
-              <a:ea typeface="Source Code Pro" panose="020B0509030403020204" pitchFamily="49" charset="0"/>
-            </a:endParaRPr>
-          </a:p>
-          <a:p>
-            <a:r>
-              <a:rPr lang="en-US" sz="1800" dirty="0">
-                <a:solidFill>
-                  <a:schemeClr val="dk1"/>
-                </a:solidFill>
-                <a:latin typeface="Source Code Pro" panose="020B0509030403020204" pitchFamily="49" charset="0"/>
-                <a:ea typeface="Source Code Pro" panose="020B0509030403020204" pitchFamily="49" charset="0"/>
-                <a:cs typeface="Courier"/>
-                <a:sym typeface="Courier"/>
-              </a:rPr>
-              <a:t>&gt;&gt;&gt; </a:t>
-            </a:r>
-            <a:r>
-              <a:rPr lang="en-US" sz="1800" dirty="0" err="1">
-                <a:solidFill>
-                  <a:schemeClr val="dk1"/>
-                </a:solidFill>
-                <a:latin typeface="Source Code Pro" panose="020B0509030403020204" pitchFamily="49" charset="0"/>
-                <a:ea typeface="Source Code Pro" panose="020B0509030403020204" pitchFamily="49" charset="0"/>
-                <a:cs typeface="Courier"/>
-                <a:sym typeface="Courier"/>
-              </a:rPr>
-              <a:t>alist</a:t>
-            </a:r>
-            <a:r>
-              <a:rPr lang="en-US" sz="1800" dirty="0">
-                <a:solidFill>
-                  <a:schemeClr val="dk1"/>
-                </a:solidFill>
-                <a:latin typeface="Source Code Pro" panose="020B0509030403020204" pitchFamily="49" charset="0"/>
-                <a:ea typeface="Source Code Pro" panose="020B0509030403020204" pitchFamily="49" charset="0"/>
-                <a:cs typeface="Courier"/>
-                <a:sym typeface="Courier"/>
-              </a:rPr>
-              <a:t> is [1, 2, 3, 4]  # same object?</a:t>
-            </a:r>
-            <a:endParaRPr dirty="0">
-              <a:latin typeface="Source Code Pro" panose="020B0509030403020204" pitchFamily="49" charset="0"/>
-              <a:ea typeface="Source Code Pro" panose="020B0509030403020204" pitchFamily="49" charset="0"/>
-            </a:endParaRPr>
-          </a:p>
-          <a:p>
-            <a:r>
-              <a:rPr lang="en-US" sz="1800" dirty="0">
-                <a:solidFill>
-                  <a:schemeClr val="dk1"/>
-                </a:solidFill>
-                <a:latin typeface="Source Code Pro" panose="020B0509030403020204" pitchFamily="49" charset="0"/>
-                <a:ea typeface="Source Code Pro" panose="020B0509030403020204" pitchFamily="49" charset="0"/>
-                <a:cs typeface="Courier"/>
-                <a:sym typeface="Courier"/>
-              </a:rPr>
-              <a:t>False</a:t>
-            </a:r>
-            <a:endParaRPr sz="1800" dirty="0">
-              <a:solidFill>
-                <a:schemeClr val="dk1"/>
-              </a:solidFill>
-              <a:latin typeface="Source Code Pro" panose="020B0509030403020204" pitchFamily="49" charset="0"/>
-              <a:ea typeface="Source Code Pro" panose="020B0509030403020204" pitchFamily="49" charset="0"/>
-              <a:cs typeface="Courier"/>
-              <a:sym typeface="Courier"/>
-            </a:endParaRPr>
-          </a:p>
-          <a:p>
-            <a:r>
-              <a:rPr lang="en-US" sz="1800" dirty="0">
-                <a:solidFill>
-                  <a:schemeClr val="dk1"/>
-                </a:solidFill>
-                <a:latin typeface="Source Code Pro" panose="020B0509030403020204" pitchFamily="49" charset="0"/>
-                <a:ea typeface="Source Code Pro" panose="020B0509030403020204" pitchFamily="49" charset="0"/>
-                <a:cs typeface="Courier"/>
-                <a:sym typeface="Courier"/>
-              </a:rPr>
-              <a:t>&gt;&gt;&gt; </a:t>
-            </a:r>
-            <a:r>
-              <a:rPr lang="en-US" sz="1800" dirty="0" err="1">
-                <a:solidFill>
-                  <a:schemeClr val="dk1"/>
-                </a:solidFill>
-                <a:latin typeface="Source Code Pro" panose="020B0509030403020204" pitchFamily="49" charset="0"/>
-                <a:ea typeface="Source Code Pro" panose="020B0509030403020204" pitchFamily="49" charset="0"/>
-                <a:cs typeface="Courier"/>
-                <a:sym typeface="Courier"/>
-              </a:rPr>
-              <a:t>blist</a:t>
-            </a:r>
-            <a:r>
-              <a:rPr lang="en-US" sz="1800" dirty="0">
-                <a:solidFill>
-                  <a:schemeClr val="dk1"/>
-                </a:solidFill>
-                <a:latin typeface="Source Code Pro" panose="020B0509030403020204" pitchFamily="49" charset="0"/>
-                <a:ea typeface="Source Code Pro" panose="020B0509030403020204" pitchFamily="49" charset="0"/>
-                <a:cs typeface="Courier"/>
-                <a:sym typeface="Courier"/>
-              </a:rPr>
-              <a:t> = </a:t>
-            </a:r>
-            <a:r>
-              <a:rPr lang="en-US" sz="1800" dirty="0" err="1">
-                <a:solidFill>
-                  <a:schemeClr val="dk1"/>
-                </a:solidFill>
-                <a:latin typeface="Source Code Pro" panose="020B0509030403020204" pitchFamily="49" charset="0"/>
-                <a:ea typeface="Source Code Pro" panose="020B0509030403020204" pitchFamily="49" charset="0"/>
-                <a:cs typeface="Courier"/>
-                <a:sym typeface="Courier"/>
-              </a:rPr>
-              <a:t>alist</a:t>
-            </a:r>
-            <a:r>
-              <a:rPr lang="en-US" sz="1800" dirty="0">
-                <a:solidFill>
-                  <a:schemeClr val="dk1"/>
-                </a:solidFill>
-                <a:latin typeface="Source Code Pro" panose="020B0509030403020204" pitchFamily="49" charset="0"/>
-                <a:ea typeface="Source Code Pro" panose="020B0509030403020204" pitchFamily="49" charset="0"/>
-                <a:cs typeface="Courier"/>
-                <a:sym typeface="Courier"/>
-              </a:rPr>
-              <a:t>          # assignment refers</a:t>
-            </a:r>
-            <a:endParaRPr sz="1800" dirty="0">
-              <a:solidFill>
-                <a:schemeClr val="dk1"/>
-              </a:solidFill>
-              <a:latin typeface="Source Code Pro" panose="020B0509030403020204" pitchFamily="49" charset="0"/>
-              <a:ea typeface="Source Code Pro" panose="020B0509030403020204" pitchFamily="49" charset="0"/>
-              <a:cs typeface="Courier"/>
-              <a:sym typeface="Courier"/>
-            </a:endParaRPr>
-          </a:p>
-          <a:p>
-            <a:r>
-              <a:rPr lang="en-US" sz="1800" dirty="0">
-                <a:solidFill>
-                  <a:schemeClr val="dk1"/>
-                </a:solidFill>
-                <a:latin typeface="Source Code Pro" panose="020B0509030403020204" pitchFamily="49" charset="0"/>
-                <a:ea typeface="Source Code Pro" panose="020B0509030403020204" pitchFamily="49" charset="0"/>
-                <a:cs typeface="Courier"/>
-                <a:sym typeface="Courier"/>
-              </a:rPr>
-              <a:t>&gt;&gt;&gt; </a:t>
-            </a:r>
-            <a:r>
-              <a:rPr lang="en-US" sz="1800" dirty="0" err="1">
-                <a:solidFill>
-                  <a:schemeClr val="dk1"/>
-                </a:solidFill>
-                <a:latin typeface="Source Code Pro" panose="020B0509030403020204" pitchFamily="49" charset="0"/>
-                <a:ea typeface="Source Code Pro" panose="020B0509030403020204" pitchFamily="49" charset="0"/>
-                <a:cs typeface="Courier"/>
-                <a:sym typeface="Courier"/>
-              </a:rPr>
-              <a:t>alist</a:t>
-            </a:r>
-            <a:r>
-              <a:rPr lang="en-US" sz="1800" dirty="0">
-                <a:solidFill>
-                  <a:schemeClr val="dk1"/>
-                </a:solidFill>
-                <a:latin typeface="Source Code Pro" panose="020B0509030403020204" pitchFamily="49" charset="0"/>
-                <a:ea typeface="Source Code Pro" panose="020B0509030403020204" pitchFamily="49" charset="0"/>
-                <a:cs typeface="Courier"/>
-                <a:sym typeface="Courier"/>
-              </a:rPr>
-              <a:t> is </a:t>
-            </a:r>
-            <a:r>
-              <a:rPr lang="en-US" sz="1800" dirty="0" err="1">
-                <a:solidFill>
-                  <a:schemeClr val="dk1"/>
-                </a:solidFill>
-                <a:latin typeface="Source Code Pro" panose="020B0509030403020204" pitchFamily="49" charset="0"/>
-                <a:ea typeface="Source Code Pro" panose="020B0509030403020204" pitchFamily="49" charset="0"/>
-                <a:cs typeface="Courier"/>
-                <a:sym typeface="Courier"/>
-              </a:rPr>
-              <a:t>blist</a:t>
-            </a:r>
-            <a:r>
-              <a:rPr lang="en-US" sz="1800" dirty="0">
-                <a:solidFill>
-                  <a:schemeClr val="dk1"/>
-                </a:solidFill>
-                <a:latin typeface="Source Code Pro" panose="020B0509030403020204" pitchFamily="49" charset="0"/>
-                <a:ea typeface="Source Code Pro" panose="020B0509030403020204" pitchFamily="49" charset="0"/>
-                <a:cs typeface="Courier"/>
-                <a:sym typeface="Courier"/>
-              </a:rPr>
-              <a:t>         # to same object</a:t>
-            </a:r>
-            <a:endParaRPr dirty="0">
-              <a:latin typeface="Source Code Pro" panose="020B0509030403020204" pitchFamily="49" charset="0"/>
-              <a:ea typeface="Source Code Pro" panose="020B0509030403020204" pitchFamily="49" charset="0"/>
-            </a:endParaRPr>
-          </a:p>
-          <a:p>
-            <a:r>
-              <a:rPr lang="en-US" sz="1800" dirty="0">
-                <a:solidFill>
-                  <a:schemeClr val="dk1"/>
-                </a:solidFill>
-                <a:latin typeface="Source Code Pro" panose="020B0509030403020204" pitchFamily="49" charset="0"/>
-                <a:ea typeface="Source Code Pro" panose="020B0509030403020204" pitchFamily="49" charset="0"/>
-                <a:cs typeface="Courier"/>
-                <a:sym typeface="Courier"/>
-              </a:rPr>
-              <a:t>True</a:t>
-            </a:r>
-            <a:endParaRPr dirty="0">
-              <a:latin typeface="Source Code Pro" panose="020B0509030403020204" pitchFamily="49" charset="0"/>
-              <a:ea typeface="Source Code Pro" panose="020B0509030403020204" pitchFamily="49" charset="0"/>
-            </a:endParaRPr>
-          </a:p>
-          <a:p>
-            <a:r>
-              <a:rPr lang="en-US" sz="1800" dirty="0">
-                <a:solidFill>
-                  <a:schemeClr val="dk1"/>
-                </a:solidFill>
-                <a:latin typeface="Source Code Pro" panose="020B0509030403020204" pitchFamily="49" charset="0"/>
-                <a:ea typeface="Source Code Pro" panose="020B0509030403020204" pitchFamily="49" charset="0"/>
-                <a:cs typeface="Courier"/>
-                <a:sym typeface="Courier"/>
-              </a:rPr>
-              <a:t>&gt;&gt;&gt; </a:t>
-            </a:r>
-            <a:r>
-              <a:rPr lang="en-US" sz="1800" dirty="0" err="1">
-                <a:solidFill>
-                  <a:schemeClr val="dk1"/>
-                </a:solidFill>
-                <a:latin typeface="Source Code Pro" panose="020B0509030403020204" pitchFamily="49" charset="0"/>
-                <a:ea typeface="Source Code Pro" panose="020B0509030403020204" pitchFamily="49" charset="0"/>
-                <a:cs typeface="Courier"/>
-                <a:sym typeface="Courier"/>
-              </a:rPr>
-              <a:t>blist</a:t>
-            </a:r>
-            <a:r>
-              <a:rPr lang="en-US" sz="1800" dirty="0">
-                <a:solidFill>
-                  <a:schemeClr val="dk1"/>
-                </a:solidFill>
-                <a:latin typeface="Source Code Pro" panose="020B0509030403020204" pitchFamily="49" charset="0"/>
-                <a:ea typeface="Source Code Pro" panose="020B0509030403020204" pitchFamily="49" charset="0"/>
-                <a:cs typeface="Courier"/>
-                <a:sym typeface="Courier"/>
-              </a:rPr>
-              <a:t> = list(</a:t>
-            </a:r>
-            <a:r>
-              <a:rPr lang="en-US" sz="1800" dirty="0" err="1">
-                <a:solidFill>
-                  <a:schemeClr val="dk1"/>
-                </a:solidFill>
-                <a:latin typeface="Source Code Pro" panose="020B0509030403020204" pitchFamily="49" charset="0"/>
-                <a:ea typeface="Source Code Pro" panose="020B0509030403020204" pitchFamily="49" charset="0"/>
-                <a:cs typeface="Courier"/>
-                <a:sym typeface="Courier"/>
-              </a:rPr>
-              <a:t>alist</a:t>
-            </a:r>
-            <a:r>
-              <a:rPr lang="en-US" sz="1800" dirty="0">
-                <a:solidFill>
-                  <a:schemeClr val="dk1"/>
-                </a:solidFill>
-                <a:latin typeface="Source Code Pro" panose="020B0509030403020204" pitchFamily="49" charset="0"/>
-                <a:ea typeface="Source Code Pro" panose="020B0509030403020204" pitchFamily="49" charset="0"/>
-                <a:cs typeface="Courier"/>
-                <a:sym typeface="Courier"/>
-              </a:rPr>
-              <a:t>)    # type constructors copy</a:t>
-            </a:r>
-            <a:endParaRPr dirty="0">
-              <a:latin typeface="Source Code Pro" panose="020B0509030403020204" pitchFamily="49" charset="0"/>
-              <a:ea typeface="Source Code Pro" panose="020B0509030403020204" pitchFamily="49" charset="0"/>
-            </a:endParaRPr>
-          </a:p>
-          <a:p>
-            <a:r>
-              <a:rPr lang="en-US" sz="1800" dirty="0">
-                <a:solidFill>
-                  <a:schemeClr val="dk1"/>
-                </a:solidFill>
-                <a:latin typeface="Source Code Pro" panose="020B0509030403020204" pitchFamily="49" charset="0"/>
-                <a:ea typeface="Source Code Pro" panose="020B0509030403020204" pitchFamily="49" charset="0"/>
-                <a:cs typeface="Courier"/>
-                <a:sym typeface="Courier"/>
-              </a:rPr>
-              <a:t>&gt;&gt;&gt; </a:t>
-            </a:r>
-            <a:r>
-              <a:rPr lang="en-US" sz="1800" dirty="0" err="1">
-                <a:solidFill>
-                  <a:schemeClr val="dk1"/>
-                </a:solidFill>
-                <a:latin typeface="Source Code Pro" panose="020B0509030403020204" pitchFamily="49" charset="0"/>
-                <a:ea typeface="Source Code Pro" panose="020B0509030403020204" pitchFamily="49" charset="0"/>
-                <a:cs typeface="Courier"/>
-                <a:sym typeface="Courier"/>
-              </a:rPr>
-              <a:t>blist</a:t>
-            </a:r>
-            <a:r>
-              <a:rPr lang="en-US" sz="1800" dirty="0">
-                <a:solidFill>
-                  <a:schemeClr val="dk1"/>
-                </a:solidFill>
-                <a:latin typeface="Source Code Pro" panose="020B0509030403020204" pitchFamily="49" charset="0"/>
-                <a:ea typeface="Source Code Pro" panose="020B0509030403020204" pitchFamily="49" charset="0"/>
-                <a:cs typeface="Courier"/>
-                <a:sym typeface="Courier"/>
-              </a:rPr>
-              <a:t> is </a:t>
-            </a:r>
-            <a:r>
-              <a:rPr lang="en-US" sz="1800" dirty="0" err="1">
-                <a:solidFill>
-                  <a:schemeClr val="dk1"/>
-                </a:solidFill>
-                <a:latin typeface="Source Code Pro" panose="020B0509030403020204" pitchFamily="49" charset="0"/>
-                <a:ea typeface="Source Code Pro" panose="020B0509030403020204" pitchFamily="49" charset="0"/>
-                <a:cs typeface="Courier"/>
-                <a:sym typeface="Courier"/>
-              </a:rPr>
-              <a:t>alist</a:t>
-            </a:r>
-            <a:endParaRPr sz="1800" dirty="0">
-              <a:solidFill>
-                <a:schemeClr val="dk1"/>
-              </a:solidFill>
-              <a:latin typeface="Source Code Pro" panose="020B0509030403020204" pitchFamily="49" charset="0"/>
-              <a:ea typeface="Source Code Pro" panose="020B0509030403020204" pitchFamily="49" charset="0"/>
-              <a:cs typeface="Courier"/>
-              <a:sym typeface="Courier"/>
-            </a:endParaRPr>
-          </a:p>
-          <a:p>
-            <a:r>
-              <a:rPr lang="en-US" sz="1800" dirty="0">
-                <a:solidFill>
-                  <a:schemeClr val="dk1"/>
-                </a:solidFill>
-                <a:latin typeface="Source Code Pro" panose="020B0509030403020204" pitchFamily="49" charset="0"/>
-                <a:ea typeface="Source Code Pro" panose="020B0509030403020204" pitchFamily="49" charset="0"/>
-                <a:cs typeface="Courier"/>
-                <a:sym typeface="Courier"/>
-              </a:rPr>
-              <a:t>False</a:t>
-            </a:r>
-            <a:endParaRPr sz="1800" dirty="0">
-              <a:solidFill>
-                <a:schemeClr val="dk1"/>
-              </a:solidFill>
-              <a:latin typeface="Source Code Pro" panose="020B0509030403020204" pitchFamily="49" charset="0"/>
-              <a:ea typeface="Source Code Pro" panose="020B0509030403020204" pitchFamily="49" charset="0"/>
-              <a:cs typeface="Courier"/>
-              <a:sym typeface="Courier"/>
-            </a:endParaRPr>
-          </a:p>
-          <a:p>
-            <a:r>
-              <a:rPr lang="en-US" sz="1800" dirty="0">
-                <a:solidFill>
-                  <a:schemeClr val="dk1"/>
-                </a:solidFill>
-                <a:latin typeface="Source Code Pro" panose="020B0509030403020204" pitchFamily="49" charset="0"/>
-                <a:ea typeface="Source Code Pro" panose="020B0509030403020204" pitchFamily="49" charset="0"/>
-                <a:cs typeface="Courier"/>
-                <a:sym typeface="Courier"/>
-              </a:rPr>
-              <a:t>&gt;&gt;&gt; </a:t>
-            </a:r>
-            <a:r>
-              <a:rPr lang="en-US" sz="1800" dirty="0" err="1">
-                <a:solidFill>
-                  <a:schemeClr val="dk1"/>
-                </a:solidFill>
-                <a:latin typeface="Source Code Pro" panose="020B0509030403020204" pitchFamily="49" charset="0"/>
-                <a:ea typeface="Source Code Pro" panose="020B0509030403020204" pitchFamily="49" charset="0"/>
-                <a:cs typeface="Courier"/>
-                <a:sym typeface="Courier"/>
-              </a:rPr>
-              <a:t>blist</a:t>
-            </a:r>
-            <a:r>
-              <a:rPr lang="en-US" sz="1800" dirty="0">
-                <a:solidFill>
-                  <a:schemeClr val="dk1"/>
-                </a:solidFill>
-                <a:latin typeface="Source Code Pro" panose="020B0509030403020204" pitchFamily="49" charset="0"/>
-                <a:ea typeface="Source Code Pro" panose="020B0509030403020204" pitchFamily="49" charset="0"/>
-                <a:cs typeface="Courier"/>
-                <a:sym typeface="Courier"/>
-              </a:rPr>
-              <a:t> = </a:t>
-            </a:r>
-            <a:r>
-              <a:rPr lang="en-US" sz="1800" dirty="0" err="1">
-                <a:solidFill>
-                  <a:schemeClr val="dk1"/>
-                </a:solidFill>
-                <a:latin typeface="Source Code Pro" panose="020B0509030403020204" pitchFamily="49" charset="0"/>
-                <a:ea typeface="Source Code Pro" panose="020B0509030403020204" pitchFamily="49" charset="0"/>
-                <a:cs typeface="Courier"/>
-                <a:sym typeface="Courier"/>
-              </a:rPr>
-              <a:t>alist</a:t>
-            </a:r>
-            <a:r>
-              <a:rPr lang="en-US" sz="1800" dirty="0">
-                <a:solidFill>
-                  <a:schemeClr val="dk1"/>
-                </a:solidFill>
-                <a:latin typeface="Source Code Pro" panose="020B0509030403020204" pitchFamily="49" charset="0"/>
-                <a:ea typeface="Source Code Pro" panose="020B0509030403020204" pitchFamily="49" charset="0"/>
-                <a:cs typeface="Courier"/>
-                <a:sym typeface="Courier"/>
-              </a:rPr>
-              <a:t>[ : ]     # so does slicing</a:t>
-            </a:r>
-            <a:endParaRPr dirty="0">
-              <a:latin typeface="Source Code Pro" panose="020B0509030403020204" pitchFamily="49" charset="0"/>
-              <a:ea typeface="Source Code Pro" panose="020B0509030403020204" pitchFamily="49" charset="0"/>
-            </a:endParaRPr>
-          </a:p>
-          <a:p>
-            <a:r>
-              <a:rPr lang="en-US" sz="1800" dirty="0">
-                <a:solidFill>
-                  <a:schemeClr val="dk1"/>
-                </a:solidFill>
-                <a:latin typeface="Source Code Pro" panose="020B0509030403020204" pitchFamily="49" charset="0"/>
-                <a:ea typeface="Source Code Pro" panose="020B0509030403020204" pitchFamily="49" charset="0"/>
-                <a:cs typeface="Courier"/>
-                <a:sym typeface="Courier"/>
-              </a:rPr>
-              <a:t>&gt;&gt;&gt; </a:t>
-            </a:r>
-            <a:r>
-              <a:rPr lang="en-US" sz="1800" dirty="0" err="1">
-                <a:solidFill>
-                  <a:schemeClr val="dk1"/>
-                </a:solidFill>
-                <a:latin typeface="Source Code Pro" panose="020B0509030403020204" pitchFamily="49" charset="0"/>
-                <a:ea typeface="Source Code Pro" panose="020B0509030403020204" pitchFamily="49" charset="0"/>
-                <a:cs typeface="Courier"/>
-                <a:sym typeface="Courier"/>
-              </a:rPr>
-              <a:t>blist</a:t>
-            </a:r>
-            <a:r>
-              <a:rPr lang="en-US" sz="1800" dirty="0">
-                <a:solidFill>
-                  <a:schemeClr val="dk1"/>
-                </a:solidFill>
-                <a:latin typeface="Source Code Pro" panose="020B0509030403020204" pitchFamily="49" charset="0"/>
-                <a:ea typeface="Source Code Pro" panose="020B0509030403020204" pitchFamily="49" charset="0"/>
-                <a:cs typeface="Courier"/>
-                <a:sym typeface="Courier"/>
-              </a:rPr>
-              <a:t> is </a:t>
-            </a:r>
-            <a:r>
-              <a:rPr lang="en-US" sz="1800" dirty="0" err="1">
-                <a:solidFill>
-                  <a:schemeClr val="dk1"/>
-                </a:solidFill>
-                <a:latin typeface="Source Code Pro" panose="020B0509030403020204" pitchFamily="49" charset="0"/>
-                <a:ea typeface="Source Code Pro" panose="020B0509030403020204" pitchFamily="49" charset="0"/>
-                <a:cs typeface="Courier"/>
-                <a:sym typeface="Courier"/>
-              </a:rPr>
-              <a:t>alist</a:t>
-            </a:r>
-            <a:endParaRPr sz="1800" dirty="0">
-              <a:solidFill>
-                <a:schemeClr val="dk1"/>
-              </a:solidFill>
-              <a:latin typeface="Source Code Pro" panose="020B0509030403020204" pitchFamily="49" charset="0"/>
-              <a:ea typeface="Source Code Pro" panose="020B0509030403020204" pitchFamily="49" charset="0"/>
-              <a:cs typeface="Courier"/>
-              <a:sym typeface="Courier"/>
-            </a:endParaRPr>
-          </a:p>
-          <a:p>
-            <a:r>
-              <a:rPr lang="en-US" sz="1800" dirty="0">
-                <a:solidFill>
-                  <a:schemeClr val="dk1"/>
-                </a:solidFill>
-                <a:latin typeface="Source Code Pro" panose="020B0509030403020204" pitchFamily="49" charset="0"/>
-                <a:ea typeface="Source Code Pro" panose="020B0509030403020204" pitchFamily="49" charset="0"/>
-                <a:cs typeface="Courier"/>
-                <a:sym typeface="Courier"/>
-              </a:rPr>
-              <a:t>False</a:t>
-            </a:r>
-            <a:endParaRPr dirty="0">
-              <a:latin typeface="Source Code Pro" panose="020B0509030403020204" pitchFamily="49" charset="0"/>
-              <a:ea typeface="Source Code Pro" panose="020B0509030403020204" pitchFamily="49" charset="0"/>
-            </a:endParaRPr>
-          </a:p>
-          <a:p>
-            <a:r>
-              <a:rPr lang="en-US" sz="1800" dirty="0">
-                <a:solidFill>
-                  <a:schemeClr val="dk1"/>
-                </a:solidFill>
-                <a:latin typeface="Source Code Pro" panose="020B0509030403020204" pitchFamily="49" charset="0"/>
-                <a:ea typeface="Source Code Pro" panose="020B0509030403020204" pitchFamily="49" charset="0"/>
-                <a:cs typeface="Courier"/>
-                <a:sym typeface="Courier"/>
-              </a:rPr>
-              <a:t>&gt;&gt;&gt; </a:t>
-            </a:r>
-            <a:r>
-              <a:rPr lang="en-US" sz="1800" dirty="0" err="1">
-                <a:solidFill>
-                  <a:schemeClr val="dk1"/>
-                </a:solidFill>
-                <a:latin typeface="Source Code Pro" panose="020B0509030403020204" pitchFamily="49" charset="0"/>
-                <a:ea typeface="Source Code Pro" panose="020B0509030403020204" pitchFamily="49" charset="0"/>
-                <a:cs typeface="Courier"/>
-                <a:sym typeface="Courier"/>
-              </a:rPr>
-              <a:t>blist</a:t>
-            </a:r>
-            <a:endParaRPr sz="1800" dirty="0">
-              <a:solidFill>
-                <a:schemeClr val="dk1"/>
-              </a:solidFill>
-              <a:latin typeface="Source Code Pro" panose="020B0509030403020204" pitchFamily="49" charset="0"/>
-              <a:ea typeface="Source Code Pro" panose="020B0509030403020204" pitchFamily="49" charset="0"/>
-              <a:cs typeface="Courier"/>
-              <a:sym typeface="Courier"/>
-            </a:endParaRPr>
-          </a:p>
-          <a:p>
-            <a:r>
-              <a:rPr lang="en-US" sz="1800" dirty="0">
-                <a:solidFill>
-                  <a:schemeClr val="dk1"/>
-                </a:solidFill>
-                <a:latin typeface="Source Code Pro" panose="020B0509030403020204" pitchFamily="49" charset="0"/>
-                <a:ea typeface="Source Code Pro" panose="020B0509030403020204" pitchFamily="49" charset="0"/>
-                <a:cs typeface="Courier"/>
-                <a:sym typeface="Courier"/>
-              </a:rPr>
-              <a:t>[1, 2, 3, 4]</a:t>
-            </a:r>
-            <a:endParaRPr dirty="0">
-              <a:latin typeface="Source Code Pro" panose="020B0509030403020204" pitchFamily="49" charset="0"/>
-              <a:ea typeface="Source Code Pro" panose="020B0509030403020204" pitchFamily="49" charset="0"/>
-            </a:endParaRPr>
-          </a:p>
-          <a:p>
-            <a:r>
-              <a:rPr lang="en-US" sz="1800" dirty="0">
-                <a:solidFill>
-                  <a:schemeClr val="dk1"/>
-                </a:solidFill>
-                <a:latin typeface="Source Code Pro" panose="020B0509030403020204" pitchFamily="49" charset="0"/>
-                <a:ea typeface="Source Code Pro" panose="020B0509030403020204" pitchFamily="49" charset="0"/>
-                <a:cs typeface="Courier"/>
-                <a:sym typeface="Courier"/>
-              </a:rPr>
-              <a:t>&gt;&gt;&gt; </a:t>
-            </a:r>
-            <a:endParaRPr dirty="0">
-              <a:latin typeface="Source Code Pro" panose="020B0509030403020204" pitchFamily="49" charset="0"/>
-              <a:ea typeface="Source Code Pro" panose="020B0509030403020204" pitchFamily="49" charset="0"/>
-            </a:endParaRPr>
-          </a:p>
-        </p:txBody>
-      </p:sp>
-      <p:sp>
-        <p:nvSpPr>
-          <p:cNvPr id="2" name="Title 1">
-            <a:extLst>
-              <a:ext uri="{FF2B5EF4-FFF2-40B4-BE49-F238E27FC236}">
-                <a16:creationId xmlns:a16="http://schemas.microsoft.com/office/drawing/2014/main" id="{7051EC9B-9C6A-8566-57E3-98257FD4BCC6}"/>
-              </a:ext>
-            </a:extLst>
-          </p:cNvPr>
-          <p:cNvSpPr txBox="1">
-            <a:spLocks/>
-          </p:cNvSpPr>
-          <p:nvPr/>
-        </p:nvSpPr>
-        <p:spPr bwMode="auto">
-          <a:xfrm>
-            <a:off x="0" y="0"/>
-            <a:ext cx="12192000" cy="914400"/>
-          </a:xfrm>
-          <a:prstGeom prst="rect">
-            <a:avLst/>
-          </a:prstGeom>
-          <a:solidFill>
-            <a:schemeClr val="tx2"/>
-          </a:solidFill>
-          <a:ln w="25400">
-            <a:noFill/>
-          </a:ln>
-          <a:extLst>
-            <a:ext uri="{909E8E84-426E-40dd-AFC4-6F175D3DCCD1}">
-              <a14:hiddenFill xmlns:a14="http://schemas.microsoft.com/office/drawing/2010/main" xmlns="">
-                <a:solidFill>
-                  <a:srgbClr val="FFFFFF"/>
-                </a:solidFill>
-              </a14:hiddenFill>
-            </a:ext>
-            <a:ext uri="{91240B29-F687-4f45-9708-019B960494DF}">
-              <a14:hiddenLine xmlns:a14="http://schemas.microsoft.com/office/drawing/2010/main" xmlns="" w="9525">
-                <a:solidFill>
-                  <a:srgbClr val="000000"/>
-                </a:solidFill>
-                <a:miter lim="800000"/>
-                <a:headEnd/>
-                <a:tailEnd/>
-              </a14:hiddenLine>
-            </a:ext>
-            <a:ext uri="{FAA26D3D-D897-4be2-8F04-BA451C77F1D7}">
-              <ma14:placeholderFlag xmlns:ma14="http://schemas.microsoft.com/office/mac/drawingml/2011/main" xmlns="" val="1"/>
-            </a:ext>
-          </a:extLst>
-        </p:spPr>
-        <p:txBody>
-          <a:bodyPr vert="horz" wrap="square" lIns="548640" tIns="46038" rIns="914400" bIns="46038" numCol="1" anchor="ctr" anchorCtr="0" compatLnSpc="1">
-            <a:prstTxWarp prst="textNoShape">
-              <a:avLst/>
-            </a:prstTxWarp>
-            <a:normAutofit/>
-          </a:bodyPr>
-          <a:lstStyle>
-            <a:lvl1pPr algn="l" rtl="0" eaLnBrk="1" fontAlgn="base" hangingPunct="1">
-              <a:lnSpc>
-                <a:spcPct val="90000"/>
-              </a:lnSpc>
-              <a:spcBef>
-                <a:spcPct val="0"/>
-              </a:spcBef>
-              <a:spcAft>
-                <a:spcPct val="0"/>
-              </a:spcAft>
-              <a:defRPr sz="3200" b="0" i="0" baseline="0">
-                <a:solidFill>
-                  <a:schemeClr val="bg1"/>
-                </a:solidFill>
-                <a:latin typeface="FreightMicro Pro Book" panose="02000603020000020004" pitchFamily="2" charset="0"/>
-                <a:ea typeface="ＭＳ Ｐゴシック" charset="-128"/>
-                <a:cs typeface="FreightMicro Pro Book" panose="02000603020000020004" pitchFamily="2" charset="0"/>
-              </a:defRPr>
-            </a:lvl1pPr>
-            <a:lvl2pPr algn="l" rtl="0" eaLnBrk="1" fontAlgn="base" hangingPunct="1">
-              <a:lnSpc>
-                <a:spcPct val="90000"/>
-              </a:lnSpc>
-              <a:spcBef>
-                <a:spcPct val="0"/>
-              </a:spcBef>
-              <a:spcAft>
-                <a:spcPct val="0"/>
-              </a:spcAft>
-              <a:defRPr sz="1350" b="1">
-                <a:solidFill>
-                  <a:srgbClr val="0332B7"/>
-                </a:solidFill>
-                <a:latin typeface="Arial" charset="0"/>
-                <a:ea typeface="ＭＳ Ｐゴシック" charset="-128"/>
-                <a:cs typeface="ＭＳ Ｐゴシック" charset="-128"/>
-              </a:defRPr>
-            </a:lvl2pPr>
-            <a:lvl3pPr algn="l" rtl="0" eaLnBrk="1" fontAlgn="base" hangingPunct="1">
-              <a:lnSpc>
-                <a:spcPct val="90000"/>
-              </a:lnSpc>
-              <a:spcBef>
-                <a:spcPct val="0"/>
-              </a:spcBef>
-              <a:spcAft>
-                <a:spcPct val="0"/>
-              </a:spcAft>
-              <a:defRPr sz="1350" b="1">
-                <a:solidFill>
-                  <a:srgbClr val="0332B7"/>
-                </a:solidFill>
-                <a:latin typeface="Arial" charset="0"/>
-                <a:ea typeface="ＭＳ Ｐゴシック" charset="-128"/>
-                <a:cs typeface="ＭＳ Ｐゴシック" charset="-128"/>
-              </a:defRPr>
-            </a:lvl3pPr>
-            <a:lvl4pPr algn="l" rtl="0" eaLnBrk="1" fontAlgn="base" hangingPunct="1">
-              <a:lnSpc>
-                <a:spcPct val="90000"/>
-              </a:lnSpc>
-              <a:spcBef>
-                <a:spcPct val="0"/>
-              </a:spcBef>
-              <a:spcAft>
-                <a:spcPct val="0"/>
-              </a:spcAft>
-              <a:defRPr sz="1350" b="1">
-                <a:solidFill>
-                  <a:srgbClr val="0332B7"/>
-                </a:solidFill>
-                <a:latin typeface="Arial" charset="0"/>
-                <a:ea typeface="ＭＳ Ｐゴシック" charset="-128"/>
-                <a:cs typeface="ＭＳ Ｐゴシック" charset="-128"/>
-              </a:defRPr>
-            </a:lvl4pPr>
-            <a:lvl5pPr algn="l" rtl="0" eaLnBrk="1" fontAlgn="base" hangingPunct="1">
-              <a:lnSpc>
-                <a:spcPct val="90000"/>
-              </a:lnSpc>
-              <a:spcBef>
-                <a:spcPct val="0"/>
-              </a:spcBef>
-              <a:spcAft>
-                <a:spcPct val="0"/>
-              </a:spcAft>
-              <a:defRPr sz="1350" b="1">
-                <a:solidFill>
-                  <a:srgbClr val="0332B7"/>
-                </a:solidFill>
-                <a:latin typeface="Arial" charset="0"/>
-                <a:ea typeface="ＭＳ Ｐゴシック" charset="-128"/>
-                <a:cs typeface="ＭＳ Ｐゴシック" charset="-128"/>
-              </a:defRPr>
-            </a:lvl5pPr>
-            <a:lvl6pPr marL="192881" algn="l" rtl="0" eaLnBrk="1" fontAlgn="base" hangingPunct="1">
-              <a:lnSpc>
-                <a:spcPct val="90000"/>
-              </a:lnSpc>
-              <a:spcBef>
-                <a:spcPct val="0"/>
-              </a:spcBef>
-              <a:spcAft>
-                <a:spcPct val="0"/>
-              </a:spcAft>
-              <a:defRPr sz="1350" b="1">
-                <a:solidFill>
-                  <a:srgbClr val="0332B7"/>
-                </a:solidFill>
-                <a:latin typeface="Arial" charset="0"/>
-              </a:defRPr>
-            </a:lvl6pPr>
-            <a:lvl7pPr marL="385763" algn="l" rtl="0" eaLnBrk="1" fontAlgn="base" hangingPunct="1">
-              <a:lnSpc>
-                <a:spcPct val="90000"/>
-              </a:lnSpc>
-              <a:spcBef>
-                <a:spcPct val="0"/>
-              </a:spcBef>
-              <a:spcAft>
-                <a:spcPct val="0"/>
-              </a:spcAft>
-              <a:defRPr sz="1350" b="1">
-                <a:solidFill>
-                  <a:srgbClr val="0332B7"/>
-                </a:solidFill>
-                <a:latin typeface="Arial" charset="0"/>
-              </a:defRPr>
-            </a:lvl7pPr>
-            <a:lvl8pPr marL="578644" algn="l" rtl="0" eaLnBrk="1" fontAlgn="base" hangingPunct="1">
-              <a:lnSpc>
-                <a:spcPct val="90000"/>
-              </a:lnSpc>
-              <a:spcBef>
-                <a:spcPct val="0"/>
-              </a:spcBef>
-              <a:spcAft>
-                <a:spcPct val="0"/>
-              </a:spcAft>
-              <a:defRPr sz="1350" b="1">
-                <a:solidFill>
-                  <a:srgbClr val="0332B7"/>
-                </a:solidFill>
-                <a:latin typeface="Arial" charset="0"/>
-              </a:defRPr>
-            </a:lvl8pPr>
-            <a:lvl9pPr marL="771525" algn="l" rtl="0" eaLnBrk="1" fontAlgn="base" hangingPunct="1">
-              <a:lnSpc>
-                <a:spcPct val="90000"/>
-              </a:lnSpc>
-              <a:spcBef>
-                <a:spcPct val="0"/>
-              </a:spcBef>
-              <a:spcAft>
-                <a:spcPct val="0"/>
-              </a:spcAft>
-              <a:defRPr sz="1350" b="1">
-                <a:solidFill>
-                  <a:srgbClr val="0332B7"/>
-                </a:solidFill>
-                <a:latin typeface="Arial" charset="0"/>
-              </a:defRPr>
-            </a:lvl9pPr>
-          </a:lstStyle>
-          <a:p>
-            <a:pPr>
-              <a:buClrTx/>
-              <a:buFontTx/>
-            </a:pPr>
-            <a:r>
-              <a:rPr lang="en-US" dirty="0"/>
-              <a:t>Identity and == vs is</a:t>
-            </a:r>
-          </a:p>
-        </p:txBody>
-      </p:sp>
-    </p:spTree>
-  </p:cSld>
-  <p:clrMapOvr>
-    <a:masterClrMapping/>
-  </p:clrMapOvr>
-</p:sld>
-</file>
-
-<file path=ppt/slides/slide36.xml><?xml version="1.0" encoding="utf-8"?>
-<p:sld xmlns:a="http://schemas.openxmlformats.org/drawingml/2006/main" xmlns:r="http://schemas.openxmlformats.org/officeDocument/2006/relationships" xmlns:p="http://schemas.openxmlformats.org/presentationml/2006/main">
-  <p:cSld>
-    <p:spTree>
-      <p:nvGrpSpPr>
-        <p:cNvPr id="1" name=""/>
-        <p:cNvGrpSpPr/>
-        <p:nvPr/>
-      </p:nvGrpSpPr>
-      <p:grpSpPr>
-        <a:xfrm>
-          <a:off x="0" y="0"/>
-          <a:ext cx="0" cy="0"/>
-          <a:chOff x="0" y="0"/>
-          <a:chExt cx="0" cy="0"/>
-        </a:xfrm>
-      </p:grpSpPr>
-      <p:sp>
-        <p:nvSpPr>
-          <p:cNvPr id="2" name="Title 1">
-            <a:extLst>
-              <a:ext uri="{FF2B5EF4-FFF2-40B4-BE49-F238E27FC236}">
-                <a16:creationId xmlns:a16="http://schemas.microsoft.com/office/drawing/2014/main" id="{2EA360FB-B64F-8142-A0E9-6C7EBFBD83C4}"/>
-              </a:ext>
-            </a:extLst>
-          </p:cNvPr>
-          <p:cNvSpPr>
-            <a:spLocks noGrp="1"/>
-          </p:cNvSpPr>
-          <p:nvPr>
-            <p:ph type="title"/>
-          </p:nvPr>
-        </p:nvSpPr>
-        <p:spPr/>
-        <p:txBody>
-          <a:bodyPr/>
-          <a:lstStyle/>
-          <a:p>
-            <a:r>
-              <a:rPr lang="en-US" dirty="0"/>
-              <a:t>What is the meaning of  </a:t>
-            </a:r>
-            <a:r>
-              <a:rPr lang="en-US" dirty="0">
-                <a:latin typeface="Source Code Pro" panose="020B0509030403020204" pitchFamily="49" charset="77"/>
-              </a:rPr>
-              <a:t>is</a:t>
-            </a:r>
-            <a:r>
-              <a:rPr lang="en-US" dirty="0"/>
-              <a:t>?</a:t>
-            </a:r>
-          </a:p>
-        </p:txBody>
-      </p:sp>
-      <p:sp>
-        <p:nvSpPr>
-          <p:cNvPr id="3" name="Content Placeholder 2">
-            <a:extLst>
-              <a:ext uri="{FF2B5EF4-FFF2-40B4-BE49-F238E27FC236}">
-                <a16:creationId xmlns:a16="http://schemas.microsoft.com/office/drawing/2014/main" id="{4AE4B63B-A090-A444-BE2A-4B07896311D1}"/>
-              </a:ext>
-            </a:extLst>
-          </p:cNvPr>
-          <p:cNvSpPr>
-            <a:spLocks noGrp="1"/>
-          </p:cNvSpPr>
-          <p:nvPr>
-            <p:ph idx="1"/>
-          </p:nvPr>
-        </p:nvSpPr>
-        <p:spPr/>
-        <p:txBody>
-          <a:bodyPr/>
-          <a:lstStyle/>
-          <a:p>
-            <a:r>
-              <a:rPr lang="en-US" sz="2800" dirty="0"/>
-              <a:t> is in Python means two items have the exact same </a:t>
-            </a:r>
-            <a:r>
-              <a:rPr lang="en-US" sz="2800" i="1" dirty="0"/>
-              <a:t>identity</a:t>
-            </a:r>
-          </a:p>
-          <a:p>
-            <a:r>
-              <a:rPr lang="en-US" sz="2800" i="1" dirty="0"/>
-              <a:t> </a:t>
-            </a:r>
-            <a:r>
-              <a:rPr lang="en-US" sz="2800" dirty="0"/>
-              <a:t>Thus, </a:t>
-            </a:r>
-            <a:r>
-              <a:rPr lang="en-US" sz="2800" dirty="0">
-                <a:latin typeface="Source Code Pro" panose="020B0509030403020204" pitchFamily="49" charset="77"/>
-              </a:rPr>
-              <a:t>a is b</a:t>
-            </a:r>
-            <a:r>
-              <a:rPr lang="en-US" sz="2800" dirty="0"/>
-              <a:t> implies </a:t>
-            </a:r>
-            <a:r>
-              <a:rPr lang="en-US" sz="2800" dirty="0">
-                <a:latin typeface="Source Code Pro" panose="020B0509030403020204" pitchFamily="49" charset="77"/>
-              </a:rPr>
-              <a:t>a == b</a:t>
-            </a:r>
-          </a:p>
-          <a:p>
-            <a:r>
-              <a:rPr lang="en-US" sz="2800" dirty="0">
-                <a:latin typeface="Source Code Pro" panose="020B0509030403020204" pitchFamily="49" charset="77"/>
-              </a:rPr>
-              <a:t> Why? </a:t>
-            </a:r>
-            <a:r>
-              <a:rPr lang="en-US" sz="2800" dirty="0"/>
-              <a:t>Each object has a function </a:t>
-            </a:r>
-            <a:r>
-              <a:rPr lang="en-US" sz="2800" dirty="0">
-                <a:latin typeface="Source Code Pro" panose="020B0509030403020204" pitchFamily="49" charset="77"/>
-              </a:rPr>
-              <a:t>id() </a:t>
-            </a:r>
-            <a:r>
-              <a:rPr lang="en-US" sz="2800" dirty="0"/>
-              <a:t>which returns its "address"</a:t>
-            </a:r>
-            <a:endParaRPr lang="en-US" sz="2800" dirty="0">
-              <a:latin typeface="Source Code Pro" panose="020B0509030403020204" pitchFamily="49" charset="77"/>
-            </a:endParaRPr>
-          </a:p>
-          <a:p>
-            <a:pPr lvl="1"/>
-            <a:r>
-              <a:rPr lang="en-US" sz="2800" dirty="0"/>
-              <a:t> We won't get into what this means, but it's essentially an internal "locator" for that data in memory.</a:t>
-            </a:r>
-          </a:p>
-          <a:p>
-            <a:pPr lvl="1"/>
-            <a:r>
-              <a:rPr lang="en-US" sz="2800" dirty="0"/>
-              <a:t> Think of two houses which have the exact same floor plan, look the same, etc. The are "the same house" but each have a unique address. (And thus are different houses)</a:t>
-            </a:r>
-          </a:p>
-          <a:p>
-            <a:pPr marL="192881" lvl="1" indent="0">
-              <a:buNone/>
-            </a:pPr>
-            <a:endParaRPr lang="en-US" sz="2800" dirty="0"/>
-          </a:p>
-          <a:p>
-            <a:r>
-              <a:rPr lang="en-US" sz="2800" dirty="0"/>
-              <a:t> Think this is tricky? cool? amazing?</a:t>
-            </a:r>
-          </a:p>
-          <a:p>
-            <a:r>
-              <a:rPr lang="en-US" sz="2800" dirty="0"/>
-              <a:t> Take CS61C (Architecture) and CS164 (Programming Languages)</a:t>
-            </a:r>
-          </a:p>
-        </p:txBody>
-      </p:sp>
-    </p:spTree>
-    <p:extLst>
-      <p:ext uri="{BB962C8B-B14F-4D97-AF65-F5344CB8AC3E}">
-        <p14:creationId xmlns:p14="http://schemas.microsoft.com/office/powerpoint/2010/main" val="794129986"/>
-      </p:ext>
-    </p:extLst>
-  </p:cSld>
-  <p:clrMapOvr>
-    <a:masterClrMapping/>
-  </p:clrMapOvr>
-</p:sld>
-</file>
-
-<file path=ppt/slides/slide37.xml><?xml version="1.0" encoding="utf-8"?>
-<p:sld xmlns:a="http://schemas.openxmlformats.org/drawingml/2006/main" xmlns:r="http://schemas.openxmlformats.org/officeDocument/2006/relationships" xmlns:p="http://schemas.openxmlformats.org/presentationml/2006/main">
-  <p:cSld>
-    <p:spTree>
-      <p:nvGrpSpPr>
-        <p:cNvPr id="1" name=""/>
-        <p:cNvGrpSpPr/>
-        <p:nvPr/>
-      </p:nvGrpSpPr>
-      <p:grpSpPr>
-        <a:xfrm>
-          <a:off x="0" y="0"/>
-          <a:ext cx="0" cy="0"/>
-          <a:chOff x="0" y="0"/>
-          <a:chExt cx="0" cy="0"/>
-        </a:xfrm>
-      </p:grpSpPr>
-      <p:sp>
-        <p:nvSpPr>
-          <p:cNvPr id="11" name="Title 10">
-            <a:extLst>
-              <a:ext uri="{FF2B5EF4-FFF2-40B4-BE49-F238E27FC236}">
-                <a16:creationId xmlns:a16="http://schemas.microsoft.com/office/drawing/2014/main" id="{9187EE84-7023-8A4E-8268-919ABBCBE6E7}"/>
-              </a:ext>
-            </a:extLst>
-          </p:cNvPr>
-          <p:cNvSpPr>
-            <a:spLocks noGrp="1"/>
-          </p:cNvSpPr>
-          <p:nvPr>
-            <p:ph type="ctrTitle"/>
-          </p:nvPr>
-        </p:nvSpPr>
-        <p:spPr/>
-        <p:txBody>
-          <a:bodyPr/>
-          <a:lstStyle/>
-          <a:p>
-            <a:r>
-              <a:rPr lang="en-US" dirty="0"/>
-              <a:t>Passing Data Into Functions</a:t>
-            </a:r>
-          </a:p>
-        </p:txBody>
-      </p:sp>
-    </p:spTree>
-    <p:extLst>
-      <p:ext uri="{BB962C8B-B14F-4D97-AF65-F5344CB8AC3E}">
-        <p14:creationId xmlns:p14="http://schemas.microsoft.com/office/powerpoint/2010/main" val="2431332056"/>
-      </p:ext>
-    </p:extLst>
-  </p:cSld>
-  <p:clrMapOvr>
-    <a:masterClrMapping/>
-  </p:clrMapOvr>
-  <mc:AlternateContent xmlns:mc="http://schemas.openxmlformats.org/markup-compatibility/2006" xmlns:p14="http://schemas.microsoft.com/office/powerpoint/2010/main">
-    <mc:Choice Requires="p14">
-      <p:transition spd="slow" p14:dur="2000" advTm="109658"/>
-    </mc:Choice>
-    <mc:Fallback xmlns="">
-      <p:transition xmlns:p14="http://schemas.microsoft.com/office/powerpoint/2010/main" spd="slow" advTm="109658"/>
-    </mc:Fallback>
-  </mc:AlternateContent>
-</p:sld>
-</file>
-
-<file path=ppt/slides/slide38.xml><?xml version="1.0" encoding="utf-8"?>
-<p:sld xmlns:a="http://schemas.openxmlformats.org/drawingml/2006/main" xmlns:r="http://schemas.openxmlformats.org/officeDocument/2006/relationships" xmlns:p="http://schemas.openxmlformats.org/presentationml/2006/main">
-  <p:cSld>
-    <p:spTree>
-      <p:nvGrpSpPr>
-        <p:cNvPr id="1" name=""/>
-        <p:cNvGrpSpPr/>
-        <p:nvPr/>
-      </p:nvGrpSpPr>
-      <p:grpSpPr>
-        <a:xfrm>
-          <a:off x="0" y="0"/>
-          <a:ext cx="0" cy="0"/>
-          <a:chOff x="0" y="0"/>
-          <a:chExt cx="0" cy="0"/>
-        </a:xfrm>
-      </p:grpSpPr>
-      <p:sp>
-        <p:nvSpPr>
-          <p:cNvPr id="2" name="Title 1">
-            <a:extLst>
-              <a:ext uri="{FF2B5EF4-FFF2-40B4-BE49-F238E27FC236}">
-                <a16:creationId xmlns:a16="http://schemas.microsoft.com/office/drawing/2014/main" id="{66F1AB71-793D-2F4B-8B5F-00F590B43DCA}"/>
-              </a:ext>
-            </a:extLst>
-          </p:cNvPr>
-          <p:cNvSpPr>
-            <a:spLocks noGrp="1"/>
-          </p:cNvSpPr>
-          <p:nvPr>
-            <p:ph type="title"/>
-          </p:nvPr>
-        </p:nvSpPr>
-        <p:spPr/>
-        <p:txBody>
-          <a:bodyPr/>
-          <a:lstStyle/>
-          <a:p>
-            <a:r>
-              <a:rPr lang="en-US" dirty="0"/>
-              <a:t>Learning Objectives</a:t>
-            </a:r>
-          </a:p>
-        </p:txBody>
-      </p:sp>
-      <p:sp>
-        <p:nvSpPr>
-          <p:cNvPr id="3" name="Content Placeholder 2">
-            <a:extLst>
-              <a:ext uri="{FF2B5EF4-FFF2-40B4-BE49-F238E27FC236}">
-                <a16:creationId xmlns:a16="http://schemas.microsoft.com/office/drawing/2014/main" id="{DB2AE1DD-13C3-304F-8084-E501B64CCDD2}"/>
-              </a:ext>
-            </a:extLst>
-          </p:cNvPr>
-          <p:cNvSpPr>
-            <a:spLocks noGrp="1"/>
-          </p:cNvSpPr>
-          <p:nvPr>
-            <p:ph idx="1"/>
-          </p:nvPr>
-        </p:nvSpPr>
-        <p:spPr/>
-        <p:txBody>
-          <a:bodyPr/>
-          <a:lstStyle/>
-          <a:p>
-            <a:r>
-              <a:rPr lang="en-US" dirty="0"/>
-              <a:t> Passing in a mutable object in a function in Python lets you modify that object</a:t>
-            </a:r>
-          </a:p>
-          <a:p>
-            <a:r>
-              <a:rPr lang="en-US" dirty="0"/>
-              <a:t> Immutable objects don't change when passed in as an argument</a:t>
-            </a:r>
-          </a:p>
-          <a:p>
-            <a:r>
-              <a:rPr lang="en-US" dirty="0"/>
-              <a:t> Making a new name doesn't affect the value outside the function</a:t>
-            </a:r>
-          </a:p>
-          <a:p>
-            <a:r>
-              <a:rPr lang="en-US" dirty="0"/>
-              <a:t> Modifying mutable data </a:t>
-            </a:r>
-            <a:r>
-              <a:rPr lang="en-US" b="1" dirty="0"/>
-              <a:t>does</a:t>
-            </a:r>
-            <a:r>
-              <a:rPr lang="en-US" dirty="0"/>
-              <a:t> modify the values in the parent frame. </a:t>
-            </a:r>
-          </a:p>
-        </p:txBody>
-      </p:sp>
-    </p:spTree>
-    <p:extLst>
-      <p:ext uri="{BB962C8B-B14F-4D97-AF65-F5344CB8AC3E}">
-        <p14:creationId xmlns:p14="http://schemas.microsoft.com/office/powerpoint/2010/main" val="1123457943"/>
-      </p:ext>
-    </p:extLst>
-  </p:cSld>
-  <p:clrMapOvr>
-    <a:masterClrMapping/>
-  </p:clrMapOvr>
-</p:sld>
-</file>
-
-<file path=ppt/slides/slide39.xml><?xml version="1.0" encoding="utf-8"?>
-<p:sld xmlns:a="http://schemas.openxmlformats.org/drawingml/2006/main" xmlns:r="http://schemas.openxmlformats.org/officeDocument/2006/relationships" xmlns:p="http://schemas.openxmlformats.org/presentationml/2006/main">
-  <p:cSld>
-    <p:spTree>
-      <p:nvGrpSpPr>
-        <p:cNvPr id="1" name=""/>
-        <p:cNvGrpSpPr/>
-        <p:nvPr/>
-      </p:nvGrpSpPr>
-      <p:grpSpPr>
-        <a:xfrm>
-          <a:off x="0" y="0"/>
-          <a:ext cx="0" cy="0"/>
-          <a:chOff x="0" y="0"/>
-          <a:chExt cx="0" cy="0"/>
-        </a:xfrm>
-      </p:grpSpPr>
-      <p:sp>
-        <p:nvSpPr>
-          <p:cNvPr id="2" name="Title 1">
-            <a:extLst>
-              <a:ext uri="{FF2B5EF4-FFF2-40B4-BE49-F238E27FC236}">
-                <a16:creationId xmlns:a16="http://schemas.microsoft.com/office/drawing/2014/main" id="{2DCBE2CD-3D14-BB47-87EB-B47E3825DA1B}"/>
-              </a:ext>
-            </a:extLst>
-          </p:cNvPr>
-          <p:cNvSpPr>
-            <a:spLocks noGrp="1"/>
-          </p:cNvSpPr>
-          <p:nvPr>
-            <p:ph type="title"/>
-          </p:nvPr>
-        </p:nvSpPr>
-        <p:spPr/>
-        <p:txBody>
-          <a:bodyPr/>
-          <a:lstStyle/>
-          <a:p>
-            <a:r>
-              <a:rPr lang="en-US" dirty="0"/>
-              <a:t>Mutating Arguments</a:t>
-            </a:r>
-          </a:p>
-        </p:txBody>
-      </p:sp>
-      <p:sp>
-        <p:nvSpPr>
-          <p:cNvPr id="3" name="Text Placeholder 2">
-            <a:extLst>
-              <a:ext uri="{FF2B5EF4-FFF2-40B4-BE49-F238E27FC236}">
-                <a16:creationId xmlns:a16="http://schemas.microsoft.com/office/drawing/2014/main" id="{DC9570C2-BB9C-4D44-B257-FA57201957E9}"/>
-              </a:ext>
-            </a:extLst>
-          </p:cNvPr>
-          <p:cNvSpPr>
-            <a:spLocks noGrp="1"/>
-          </p:cNvSpPr>
-          <p:nvPr>
-            <p:ph idx="1"/>
-          </p:nvPr>
-        </p:nvSpPr>
-        <p:spPr/>
-        <p:txBody>
-          <a:bodyPr/>
-          <a:lstStyle/>
-          <a:p>
-            <a:r>
-              <a:rPr lang="en-US" sz="2400" dirty="0">
-                <a:latin typeface="FreightSans Pro Medium" panose="02000606030000020004" pitchFamily="2" charset="0"/>
-              </a:rPr>
-              <a:t>Functions can mutate objects passed in as an argument</a:t>
-            </a:r>
-          </a:p>
-          <a:p>
-            <a:r>
-              <a:rPr lang="en-US" sz="2400" dirty="0">
-                <a:latin typeface="FreightSans Pro Medium" panose="02000606030000020004" pitchFamily="2" charset="0"/>
-              </a:rPr>
-              <a:t>Declaring a new variable with the same name as an argument only exists within the scope of our function</a:t>
-            </a:r>
-          </a:p>
-          <a:p>
-            <a:pPr lvl="1"/>
-            <a:r>
-              <a:rPr lang="en-US" sz="2400" dirty="0">
-                <a:latin typeface="FreightSans Pro Medium" panose="02000606030000020004" pitchFamily="2" charset="0"/>
-              </a:rPr>
-              <a:t> You can think of this as creating a new name, in the same way as redefining a variable.</a:t>
-            </a:r>
-          </a:p>
-          <a:p>
-            <a:pPr lvl="1"/>
-            <a:r>
-              <a:rPr lang="en-US" sz="2400" dirty="0">
-                <a:latin typeface="FreightSans Pro Medium" panose="02000606030000020004" pitchFamily="2" charset="0"/>
-              </a:rPr>
-              <a:t> This will </a:t>
-            </a:r>
-            <a:r>
-              <a:rPr lang="en-US" sz="2400" b="1" dirty="0">
-                <a:latin typeface="FreightSans Pro Medium" panose="02000606030000020004" pitchFamily="2" charset="0"/>
-              </a:rPr>
-              <a:t>not</a:t>
-            </a:r>
-            <a:r>
-              <a:rPr lang="en-US" sz="2400" dirty="0">
-                <a:latin typeface="FreightSans Pro Medium" panose="02000606030000020004" pitchFamily="2" charset="0"/>
-              </a:rPr>
-              <a:t> modify the data outside the function, even for mutable objects.</a:t>
-            </a:r>
-          </a:p>
-          <a:p>
-            <a:r>
-              <a:rPr lang="en-US" sz="2400" b="1" dirty="0">
-                <a:latin typeface="FreightSans Pro Medium" panose="02000606030000020004" pitchFamily="2" charset="0"/>
-              </a:rPr>
-              <a:t> BUT</a:t>
-            </a:r>
-            <a:r>
-              <a:rPr lang="en-US" sz="2400" dirty="0">
-                <a:latin typeface="FreightSans Pro Medium" panose="02000606030000020004" pitchFamily="2" charset="0"/>
-              </a:rPr>
-              <a:t> </a:t>
-            </a:r>
-          </a:p>
-          <a:p>
-            <a:pPr lvl="1"/>
-            <a:r>
-              <a:rPr lang="en-US" sz="2400" dirty="0">
-                <a:latin typeface="FreightSans Pro Medium" panose="02000606030000020004" pitchFamily="2" charset="0"/>
-              </a:rPr>
-              <a:t> We can still directly modify the object passed in…even though it was created in some other frame or environment.</a:t>
-            </a:r>
-          </a:p>
-          <a:p>
-            <a:pPr lvl="1"/>
-            <a:r>
-              <a:rPr lang="en-US" sz="2400" dirty="0">
-                <a:latin typeface="FreightSans Pro Medium" panose="02000606030000020004" pitchFamily="2" charset="0"/>
-              </a:rPr>
-              <a:t> We directly call methods on that object.</a:t>
-            </a:r>
-          </a:p>
-          <a:p>
-            <a:r>
-              <a:rPr lang="en-US" sz="2400" dirty="0">
-                <a:latin typeface="FreightSans Pro Medium" panose="02000606030000020004" pitchFamily="2" charset="0"/>
-                <a:hlinkClick r:id="rId2"/>
-              </a:rPr>
-              <a:t>View Python Tutor</a:t>
-            </a:r>
-            <a:endParaRPr lang="en-US" sz="2400" dirty="0">
-              <a:latin typeface="FreightSans Pro Medium" panose="02000606030000020004" pitchFamily="2" charset="0"/>
-            </a:endParaRPr>
-          </a:p>
-          <a:p>
-            <a:endParaRPr lang="en-US" sz="2400" dirty="0">
-              <a:latin typeface="FreightSans Pro Medium" panose="02000606030000020004" pitchFamily="2" charset="0"/>
-            </a:endParaRPr>
-          </a:p>
-        </p:txBody>
-      </p:sp>
-    </p:spTree>
-    <p:extLst>
-      <p:ext uri="{BB962C8B-B14F-4D97-AF65-F5344CB8AC3E}">
-        <p14:creationId xmlns:p14="http://schemas.microsoft.com/office/powerpoint/2010/main" val="1748324790"/>
-      </p:ext>
-    </p:extLst>
-  </p:cSld>
-  <p:clrMapOvr>
-    <a:masterClrMapping/>
-  </p:clrMapOvr>
-  <p:timing>
-    <p:tnLst>
-      <p:par>
-        <p:cTn id="1" dur="indefinite" restart="never" nodeType="tmRoot">
-          <p:childTnLst>
-            <p:seq concurrent="1" nextAc="seek">
-              <p:cTn id="2" dur="indefinite" nodeType="mainSeq">
-                <p:childTnLst>
-                  <p:par>
-                    <p:cTn id="3" fill="hold">
-                      <p:stCondLst>
-                        <p:cond delay="indefinite"/>
-                      </p:stCondLst>
-                      <p:childTnLst>
-                        <p:par>
-                          <p:cTn id="4" fill="hold">
-                            <p:stCondLst>
-                              <p:cond delay="0"/>
-                            </p:stCondLst>
-                            <p:childTnLst>
-                              <p:par>
-                                <p:cTn id="5" presetID="1" presetClass="entr" presetSubtype="0" fill="hold" grpId="0" nodeType="clickEffect">
-                                  <p:stCondLst>
-                                    <p:cond delay="0"/>
-                                  </p:stCondLst>
-                                  <p:childTnLst>
-                                    <p:set>
-                                      <p:cBhvr>
-                                        <p:cTn id="6" dur="1" fill="hold">
-                                          <p:stCondLst>
-                                            <p:cond delay="0"/>
-                                          </p:stCondLst>
-                                        </p:cTn>
-                                        <p:tgtEl>
-                                          <p:spTgt spid="3">
-                                            <p:txEl>
-                                              <p:pRg st="0" end="0"/>
-                                            </p:txEl>
-                                          </p:spTgt>
-                                        </p:tgtEl>
-                                        <p:attrNameLst>
-                                          <p:attrName>style.visibility</p:attrName>
-                                        </p:attrNameLst>
-                                      </p:cBhvr>
-                                      <p:to>
-                                        <p:strVal val="visible"/>
-                                      </p:to>
-                                    </p:set>
-                                  </p:childTnLst>
-                                </p:cTn>
-                              </p:par>
-                            </p:childTnLst>
-                          </p:cTn>
-                        </p:par>
-                      </p:childTnLst>
-                    </p:cTn>
-                  </p:par>
-                  <p:par>
-                    <p:cTn id="7" fill="hold">
-                      <p:stCondLst>
-                        <p:cond delay="indefinite"/>
-                      </p:stCondLst>
-                      <p:childTnLst>
-                        <p:par>
-                          <p:cTn id="8" fill="hold">
-                            <p:stCondLst>
-                              <p:cond delay="0"/>
-                            </p:stCondLst>
-                            <p:childTnLst>
-                              <p:par>
-                                <p:cTn id="9" presetID="1" presetClass="entr" presetSubtype="0" fill="hold" grpId="0" nodeType="clickEffect">
-                                  <p:stCondLst>
-                                    <p:cond delay="0"/>
-                                  </p:stCondLst>
-                                  <p:childTnLst>
-                                    <p:set>
-                                      <p:cBhvr>
-                                        <p:cTn id="10" dur="1" fill="hold">
-                                          <p:stCondLst>
-                                            <p:cond delay="0"/>
-                                          </p:stCondLst>
-                                        </p:cTn>
-                                        <p:tgtEl>
-                                          <p:spTgt spid="3">
-                                            <p:txEl>
-                                              <p:pRg st="1" end="1"/>
-                                            </p:txEl>
-                                          </p:spTgt>
-                                        </p:tgtEl>
-                                        <p:attrNameLst>
-                                          <p:attrName>style.visibility</p:attrName>
-                                        </p:attrNameLst>
-                                      </p:cBhvr>
-                                      <p:to>
-                                        <p:strVal val="visible"/>
-                                      </p:to>
-                                    </p:set>
-                                  </p:childTnLst>
-                                </p:cTn>
-                              </p:par>
-                              <p:par>
-                                <p:cTn id="11" presetID="1" presetClass="entr" presetSubtype="0" fill="hold" grpId="0" nodeType="withEffect">
-                                  <p:stCondLst>
-                                    <p:cond delay="0"/>
-                                  </p:stCondLst>
-                                  <p:childTnLst>
-                                    <p:set>
-                                      <p:cBhvr>
-                                        <p:cTn id="12" dur="1" fill="hold">
-                                          <p:stCondLst>
-                                            <p:cond delay="0"/>
-                                          </p:stCondLst>
-                                        </p:cTn>
-                                        <p:tgtEl>
-                                          <p:spTgt spid="3">
-                                            <p:txEl>
-                                              <p:pRg st="2" end="2"/>
-                                            </p:txEl>
-                                          </p:spTgt>
-                                        </p:tgtEl>
-                                        <p:attrNameLst>
-                                          <p:attrName>style.visibility</p:attrName>
-                                        </p:attrNameLst>
-                                      </p:cBhvr>
-                                      <p:to>
-                                        <p:strVal val="visible"/>
-                                      </p:to>
-                                    </p:set>
-                                  </p:childTnLst>
-                                </p:cTn>
-                              </p:par>
-                              <p:par>
-                                <p:cTn id="13" presetID="1" presetClass="entr" presetSubtype="0" fill="hold" grpId="0" nodeType="withEffect">
-                                  <p:stCondLst>
-                                    <p:cond delay="0"/>
-                                  </p:stCondLst>
-                                  <p:childTnLst>
-                                    <p:set>
-                                      <p:cBhvr>
-                                        <p:cTn id="14" dur="1" fill="hold">
-                                          <p:stCondLst>
-                                            <p:cond delay="0"/>
-                                          </p:stCondLst>
-                                        </p:cTn>
-                                        <p:tgtEl>
-                                          <p:spTgt spid="3">
-                                            <p:txEl>
-                                              <p:pRg st="3" end="3"/>
-                                            </p:txEl>
-                                          </p:spTgt>
-                                        </p:tgtEl>
-                                        <p:attrNameLst>
-                                          <p:attrName>style.visibility</p:attrName>
-                                        </p:attrNameLst>
-                                      </p:cBhvr>
-                                      <p:to>
-                                        <p:strVal val="visible"/>
-                                      </p:to>
-                                    </p:set>
-                                  </p:childTnLst>
-                                </p:cTn>
-                              </p:par>
-                            </p:childTnLst>
-                          </p:cTn>
-                        </p:par>
-                      </p:childTnLst>
-                    </p:cTn>
-                  </p:par>
-                  <p:par>
-                    <p:cTn id="15" fill="hold">
-                      <p:stCondLst>
-                        <p:cond delay="indefinite"/>
-                      </p:stCondLst>
-                      <p:childTnLst>
-                        <p:par>
-                          <p:cTn id="16" fill="hold">
-                            <p:stCondLst>
-                              <p:cond delay="0"/>
-                            </p:stCondLst>
-                            <p:childTnLst>
-                              <p:par>
-                                <p:cTn id="17" presetID="1" presetClass="entr" presetSubtype="0" fill="hold" grpId="0" nodeType="clickEffect">
-                                  <p:stCondLst>
-                                    <p:cond delay="0"/>
-                                  </p:stCondLst>
-                                  <p:childTnLst>
-                                    <p:set>
-                                      <p:cBhvr>
-                                        <p:cTn id="18" dur="1" fill="hold">
-                                          <p:stCondLst>
-                                            <p:cond delay="0"/>
-                                          </p:stCondLst>
-                                        </p:cTn>
-                                        <p:tgtEl>
-                                          <p:spTgt spid="3">
-                                            <p:txEl>
-                                              <p:pRg st="4" end="4"/>
-                                            </p:txEl>
-                                          </p:spTgt>
-                                        </p:tgtEl>
-                                        <p:attrNameLst>
-                                          <p:attrName>style.visibility</p:attrName>
-                                        </p:attrNameLst>
-                                      </p:cBhvr>
-                                      <p:to>
-                                        <p:strVal val="visible"/>
-                                      </p:to>
-                                    </p:set>
-                                  </p:childTnLst>
-                                </p:cTn>
-                              </p:par>
-                              <p:par>
-                                <p:cTn id="19" presetID="1" presetClass="entr" presetSubtype="0" fill="hold" grpId="0" nodeType="withEffect">
-                                  <p:stCondLst>
-                                    <p:cond delay="0"/>
-                                  </p:stCondLst>
-                                  <p:childTnLst>
-                                    <p:set>
-                                      <p:cBhvr>
-                                        <p:cTn id="20" dur="1" fill="hold">
-                                          <p:stCondLst>
-                                            <p:cond delay="0"/>
-                                          </p:stCondLst>
-                                        </p:cTn>
-                                        <p:tgtEl>
-                                          <p:spTgt spid="3">
-                                            <p:txEl>
-                                              <p:pRg st="5" end="5"/>
-                                            </p:txEl>
-                                          </p:spTgt>
-                                        </p:tgtEl>
-                                        <p:attrNameLst>
-                                          <p:attrName>style.visibility</p:attrName>
-                                        </p:attrNameLst>
-                                      </p:cBhvr>
-                                      <p:to>
-                                        <p:strVal val="visible"/>
-                                      </p:to>
-                                    </p:set>
-                                  </p:childTnLst>
-                                </p:cTn>
-                              </p:par>
-                              <p:par>
-                                <p:cTn id="21" presetID="1" presetClass="entr" presetSubtype="0" fill="hold" grpId="0" nodeType="withEffect">
-                                  <p:stCondLst>
-                                    <p:cond delay="0"/>
-                                  </p:stCondLst>
-                                  <p:childTnLst>
-                                    <p:set>
-                                      <p:cBhvr>
-                                        <p:cTn id="22" dur="1" fill="hold">
-                                          <p:stCondLst>
-                                            <p:cond delay="0"/>
-                                          </p:stCondLst>
-                                        </p:cTn>
-                                        <p:tgtEl>
-                                          <p:spTgt spid="3">
-                                            <p:txEl>
-                                              <p:pRg st="6" end="6"/>
-                                            </p:txEl>
-                                          </p:spTgt>
-                                        </p:tgtEl>
-                                        <p:attrNameLst>
-                                          <p:attrName>style.visibility</p:attrName>
-                                        </p:attrNameLst>
-                                      </p:cBhvr>
-                                      <p:to>
-                                        <p:strVal val="visible"/>
-                                      </p:to>
-                                    </p:set>
-                                  </p:childTnLst>
-                                </p:cTn>
-                              </p:par>
-                            </p:childTnLst>
-                          </p:cTn>
-                        </p:par>
-                      </p:childTnLst>
-                    </p:cTn>
-                  </p:par>
-                  <p:par>
-                    <p:cTn id="23" fill="hold">
-                      <p:stCondLst>
-                        <p:cond delay="indefinite"/>
-                      </p:stCondLst>
-                      <p:childTnLst>
-                        <p:par>
-                          <p:cTn id="24" fill="hold">
-                            <p:stCondLst>
-                              <p:cond delay="0"/>
-                            </p:stCondLst>
-                            <p:childTnLst>
-                              <p:par>
-                                <p:cTn id="25" presetID="1" presetClass="entr" presetSubtype="0" fill="hold" grpId="0" nodeType="clickEffect">
-                                  <p:stCondLst>
-                                    <p:cond delay="0"/>
-                                  </p:stCondLst>
-                                  <p:childTnLst>
-                                    <p:set>
-                                      <p:cBhvr>
-                                        <p:cTn id="26" dur="1" fill="hold">
-                                          <p:stCondLst>
-                                            <p:cond delay="0"/>
-                                          </p:stCondLst>
-                                        </p:cTn>
-                                        <p:tgtEl>
-                                          <p:spTgt spid="3">
-                                            <p:txEl>
-                                              <p:pRg st="7" end="7"/>
-                                            </p:txEl>
-                                          </p:spTgt>
-                                        </p:tgtEl>
-                                        <p:attrNameLst>
-                                          <p:attrName>style.visibility</p:attrName>
-                                        </p:attrNameLst>
-                                      </p:cBhvr>
-                                      <p:to>
-                                        <p:strVal val="visible"/>
-                                      </p:to>
-                                    </p:set>
-                                  </p:childTnLst>
-                                </p:cTn>
-                              </p:par>
-                            </p:childTnLst>
-                          </p:cTn>
-                        </p:par>
-                      </p:childTnLst>
-                    </p:cTn>
-                  </p:par>
-                </p:childTnLst>
-              </p:cTn>
-              <p:prevCondLst>
-                <p:cond evt="onPrev" delay="0">
-                  <p:tgtEl>
-                    <p:sldTgt/>
-                  </p:tgtEl>
-                </p:cond>
-              </p:prevCondLst>
-              <p:nextCondLst>
-                <p:cond evt="onNext" delay="0">
-                  <p:tgtEl>
-                    <p:sldTgt/>
-                  </p:tgtEl>
-                </p:cond>
-              </p:nextCondLst>
-            </p:seq>
-          </p:childTnLst>
-        </p:cTn>
-      </p:par>
-    </p:tnLst>
-    <p:bldLst>
-      <p:bldP spid="3" grpId="0" build="p"/>
-    </p:bldLst>
-  </p:timing>
 </p:sld>
 </file>
 
@@ -26660,851 +22753,6 @@
       </p:par>
     </p:tnLst>
   </p:timing>
-</p:sld>
-</file>
-
-<file path=ppt/slides/slide40.xml><?xml version="1.0" encoding="utf-8"?>
-<p:sld xmlns:a="http://schemas.openxmlformats.org/drawingml/2006/main" xmlns:r="http://schemas.openxmlformats.org/officeDocument/2006/relationships" xmlns:p="http://schemas.openxmlformats.org/presentationml/2006/main">
-  <p:cSld>
-    <p:spTree>
-      <p:nvGrpSpPr>
-        <p:cNvPr id="1" name=""/>
-        <p:cNvGrpSpPr/>
-        <p:nvPr/>
-      </p:nvGrpSpPr>
-      <p:grpSpPr>
-        <a:xfrm>
-          <a:off x="0" y="0"/>
-          <a:ext cx="0" cy="0"/>
-          <a:chOff x="0" y="0"/>
-          <a:chExt cx="0" cy="0"/>
-        </a:xfrm>
-      </p:grpSpPr>
-      <p:sp>
-        <p:nvSpPr>
-          <p:cNvPr id="2" name="Title 1">
-            <a:extLst>
-              <a:ext uri="{FF2B5EF4-FFF2-40B4-BE49-F238E27FC236}">
-                <a16:creationId xmlns:a16="http://schemas.microsoft.com/office/drawing/2014/main" id="{8D85E38F-0317-AC71-12D3-1E8912D09047}"/>
-              </a:ext>
-            </a:extLst>
-          </p:cNvPr>
-          <p:cNvSpPr>
-            <a:spLocks noGrp="1"/>
-          </p:cNvSpPr>
-          <p:nvPr>
-            <p:ph type="title"/>
-          </p:nvPr>
-        </p:nvSpPr>
-        <p:spPr/>
-        <p:txBody>
-          <a:bodyPr/>
-          <a:lstStyle/>
-          <a:p>
-            <a:r>
-              <a:rPr lang="en-US" dirty="0"/>
-              <a:t>Understanding Python: What should we return?</a:t>
-            </a:r>
-          </a:p>
-        </p:txBody>
-      </p:sp>
-      <p:sp>
-        <p:nvSpPr>
-          <p:cNvPr id="3" name="Content Placeholder 2">
-            <a:extLst>
-              <a:ext uri="{FF2B5EF4-FFF2-40B4-BE49-F238E27FC236}">
-                <a16:creationId xmlns:a16="http://schemas.microsoft.com/office/drawing/2014/main" id="{0E93F6A3-D2AA-3619-9BCD-6CDB98E95C4B}"/>
-              </a:ext>
-            </a:extLst>
-          </p:cNvPr>
-          <p:cNvSpPr>
-            <a:spLocks noGrp="1"/>
-          </p:cNvSpPr>
-          <p:nvPr>
-            <p:ph idx="1"/>
-          </p:nvPr>
-        </p:nvSpPr>
-        <p:spPr>
-          <a:xfrm>
-            <a:off x="533399" y="1066800"/>
-            <a:ext cx="10103069" cy="5257800"/>
-          </a:xfrm>
-        </p:spPr>
-        <p:txBody>
-          <a:bodyPr/>
-          <a:lstStyle/>
-          <a:p>
-            <a:r>
-              <a:rPr lang="en-US" sz="2600" dirty="0"/>
-              <a:t>Why do some functions return </a:t>
-            </a:r>
-            <a:r>
-              <a:rPr lang="en-US" sz="2600" dirty="0">
-                <a:latin typeface="Source Code Pro" panose="020B0509030403020204" pitchFamily="49" charset="77"/>
-              </a:rPr>
-              <a:t>None</a:t>
-            </a:r>
-            <a:r>
-              <a:rPr lang="en-US" sz="2600" dirty="0"/>
-              <a:t>?</a:t>
-            </a:r>
-          </a:p>
-          <a:p>
-            <a:r>
-              <a:rPr lang="en-US" sz="2600" dirty="0"/>
-              <a:t>Why do some functions return a value?</a:t>
-            </a:r>
-          </a:p>
-          <a:p>
-            <a:endParaRPr lang="en-US" sz="2600" dirty="0"/>
-          </a:p>
-          <a:p>
-            <a:endParaRPr lang="en-US" sz="2600" dirty="0"/>
-          </a:p>
-          <a:p>
-            <a:pPr marL="0" indent="0">
-              <a:buNone/>
-            </a:pPr>
-            <a:r>
-              <a:rPr lang="en-US" sz="2600" dirty="0"/>
-              <a:t>Functions that mutate an argument </a:t>
-            </a:r>
-            <a:r>
-              <a:rPr lang="en-US" sz="2600" b="1" dirty="0"/>
-              <a:t>usually</a:t>
-            </a:r>
-            <a:r>
-              <a:rPr lang="en-US" sz="2600" dirty="0"/>
-              <a:t> return None!</a:t>
-            </a:r>
-          </a:p>
-          <a:p>
-            <a:pPr marL="0" indent="0">
-              <a:buNone/>
-            </a:pPr>
-            <a:endParaRPr lang="en-US" sz="2600" dirty="0"/>
-          </a:p>
-          <a:p>
-            <a:pPr marL="0" indent="0">
-              <a:buNone/>
-            </a:pPr>
-            <a:r>
-              <a:rPr lang="en-US" sz="2600" b="1" dirty="0"/>
-              <a:t>C88C / 61A / Data Science View: Avoid mutating data unless it's necessary! </a:t>
-            </a:r>
-            <a:endParaRPr lang="en-US" sz="2600" dirty="0"/>
-          </a:p>
-          <a:p>
-            <a:pPr marL="0" indent="0">
-              <a:buNone/>
-            </a:pPr>
-            <a:r>
-              <a:rPr lang="en-US" sz="2600" dirty="0"/>
-              <a:t>Mutations are useful, but can get confusing quickly. This is why we focus on </a:t>
-            </a:r>
-            <a:r>
-              <a:rPr lang="en-US" sz="2600" i="1" dirty="0"/>
-              <a:t>functional programming </a:t>
-            </a:r>
-            <a:r>
-              <a:rPr lang="en-US" sz="2600" dirty="0"/>
-              <a:t> - map, filter, reduce, list comprehensions, etc. </a:t>
-            </a:r>
-          </a:p>
-        </p:txBody>
-      </p:sp>
-    </p:spTree>
-    <p:extLst>
-      <p:ext uri="{BB962C8B-B14F-4D97-AF65-F5344CB8AC3E}">
-        <p14:creationId xmlns:p14="http://schemas.microsoft.com/office/powerpoint/2010/main" val="112468001"/>
-      </p:ext>
-    </p:extLst>
-  </p:cSld>
-  <p:clrMapOvr>
-    <a:masterClrMapping/>
-  </p:clrMapOvr>
-</p:sld>
-</file>
-
-<file path=ppt/slides/slide41.xml><?xml version="1.0" encoding="utf-8"?>
-<p:sld xmlns:a="http://schemas.openxmlformats.org/drawingml/2006/main" xmlns:r="http://schemas.openxmlformats.org/officeDocument/2006/relationships" xmlns:p="http://schemas.openxmlformats.org/presentationml/2006/main">
-  <p:cSld>
-    <p:spTree>
-      <p:nvGrpSpPr>
-        <p:cNvPr id="1" name=""/>
-        <p:cNvGrpSpPr/>
-        <p:nvPr/>
-      </p:nvGrpSpPr>
-      <p:grpSpPr>
-        <a:xfrm>
-          <a:off x="0" y="0"/>
-          <a:ext cx="0" cy="0"/>
-          <a:chOff x="0" y="0"/>
-          <a:chExt cx="0" cy="0"/>
-        </a:xfrm>
-      </p:grpSpPr>
-      <p:sp>
-        <p:nvSpPr>
-          <p:cNvPr id="2" name="Title 1">
-            <a:extLst>
-              <a:ext uri="{FF2B5EF4-FFF2-40B4-BE49-F238E27FC236}">
-                <a16:creationId xmlns:a16="http://schemas.microsoft.com/office/drawing/2014/main" id="{89AB92B3-6CB7-DF32-280B-6981EB625A2C}"/>
-              </a:ext>
-            </a:extLst>
-          </p:cNvPr>
-          <p:cNvSpPr>
-            <a:spLocks noGrp="1"/>
-          </p:cNvSpPr>
-          <p:nvPr>
-            <p:ph type="title"/>
-          </p:nvPr>
-        </p:nvSpPr>
-        <p:spPr/>
-        <p:txBody>
-          <a:bodyPr/>
-          <a:lstStyle/>
-          <a:p>
-            <a:r>
-              <a:rPr lang="en-US" dirty="0"/>
-              <a:t>Functions that Mutate vs Return New Objects</a:t>
-            </a:r>
-          </a:p>
-        </p:txBody>
-      </p:sp>
-      <p:sp>
-        <p:nvSpPr>
-          <p:cNvPr id="3" name="Content Placeholder 2">
-            <a:extLst>
-              <a:ext uri="{FF2B5EF4-FFF2-40B4-BE49-F238E27FC236}">
-                <a16:creationId xmlns:a16="http://schemas.microsoft.com/office/drawing/2014/main" id="{B3415749-47F2-D7BB-9996-BE3BF95ECBA8}"/>
-              </a:ext>
-            </a:extLst>
-          </p:cNvPr>
-          <p:cNvSpPr>
-            <a:spLocks noGrp="1"/>
-          </p:cNvSpPr>
-          <p:nvPr>
-            <p:ph idx="1"/>
-          </p:nvPr>
-        </p:nvSpPr>
-        <p:spPr/>
-        <p:txBody>
-          <a:bodyPr/>
-          <a:lstStyle/>
-          <a:p>
-            <a:r>
-              <a:rPr lang="en-US" dirty="0"/>
-              <a:t> Lists:</a:t>
-            </a:r>
-          </a:p>
-          <a:p>
-            <a:pPr lvl="1"/>
-            <a:r>
-              <a:rPr lang="en-US" dirty="0"/>
-              <a:t> sorted(list) – </a:t>
-            </a:r>
-            <a:r>
-              <a:rPr lang="en-US" dirty="0" err="1"/>
-              <a:t>retiurns</a:t>
-            </a:r>
-            <a:r>
-              <a:rPr lang="en-US" dirty="0"/>
-              <a:t> a new list</a:t>
-            </a:r>
-          </a:p>
-          <a:p>
-            <a:pPr lvl="1"/>
-            <a:r>
-              <a:rPr lang="en-US" dirty="0"/>
-              <a:t> </a:t>
-            </a:r>
-            <a:r>
-              <a:rPr lang="en-US" dirty="0" err="1"/>
-              <a:t>list.sort</a:t>
-            </a:r>
-            <a:r>
-              <a:rPr lang="en-US" dirty="0"/>
-              <a:t>() – modifies the list, returns None</a:t>
-            </a:r>
-          </a:p>
-          <a:p>
-            <a:pPr lvl="1"/>
-            <a:r>
-              <a:rPr lang="en-US" dirty="0"/>
-              <a:t> </a:t>
-            </a:r>
-            <a:r>
-              <a:rPr lang="en-US" dirty="0" err="1"/>
-              <a:t>list.append</a:t>
-            </a:r>
-            <a:r>
-              <a:rPr lang="en-US" dirty="0"/>
-              <a:t>() – modifies the list, returns None</a:t>
-            </a:r>
-          </a:p>
-          <a:p>
-            <a:pPr lvl="1"/>
-            <a:r>
-              <a:rPr lang="en-US" dirty="0"/>
-              <a:t> </a:t>
-            </a:r>
-            <a:r>
-              <a:rPr lang="en-US" dirty="0" err="1"/>
-              <a:t>list.extend</a:t>
-            </a:r>
-            <a:r>
-              <a:rPr lang="en-US" dirty="0"/>
-              <a:t>() – modifies the list, returns None</a:t>
-            </a:r>
-          </a:p>
-        </p:txBody>
-      </p:sp>
-      <p:sp>
-        <p:nvSpPr>
-          <p:cNvPr id="4" name="Footer Placeholder 3">
-            <a:extLst>
-              <a:ext uri="{FF2B5EF4-FFF2-40B4-BE49-F238E27FC236}">
-                <a16:creationId xmlns:a16="http://schemas.microsoft.com/office/drawing/2014/main" id="{FDB1FD78-3C8F-B90E-C1DE-EAFAFAEDF943}"/>
-              </a:ext>
-            </a:extLst>
-          </p:cNvPr>
-          <p:cNvSpPr>
-            <a:spLocks noGrp="1"/>
-          </p:cNvSpPr>
-          <p:nvPr>
-            <p:ph type="ftr" sz="quarter" idx="10"/>
-          </p:nvPr>
-        </p:nvSpPr>
-        <p:spPr>
-          <a:xfrm>
-            <a:off x="4038600" y="6356350"/>
-            <a:ext cx="4506310" cy="365125"/>
-          </a:xfrm>
-        </p:spPr>
-        <p:txBody>
-          <a:bodyPr/>
-          <a:lstStyle/>
-          <a:p>
-            <a:r>
-              <a:rPr lang="en-US" dirty="0"/>
-              <a:t>Eric Kim | UC Berkeley | https://c88c.org | © CC BY-NC-SA</a:t>
-            </a:r>
-          </a:p>
-        </p:txBody>
-      </p:sp>
-    </p:spTree>
-    <p:extLst>
-      <p:ext uri="{BB962C8B-B14F-4D97-AF65-F5344CB8AC3E}">
-        <p14:creationId xmlns:p14="http://schemas.microsoft.com/office/powerpoint/2010/main" val="1559277763"/>
-      </p:ext>
-    </p:extLst>
-  </p:cSld>
-  <p:clrMapOvr>
-    <a:masterClrMapping/>
-  </p:clrMapOvr>
-</p:sld>
-</file>
-
-<file path=ppt/slides/slide42.xml><?xml version="1.0" encoding="utf-8"?>
-<p:sld xmlns:a="http://schemas.openxmlformats.org/drawingml/2006/main" xmlns:r="http://schemas.openxmlformats.org/officeDocument/2006/relationships" xmlns:p="http://schemas.openxmlformats.org/presentationml/2006/main">
-  <p:cSld>
-    <p:spTree>
-      <p:nvGrpSpPr>
-        <p:cNvPr id="1" name=""/>
-        <p:cNvGrpSpPr/>
-        <p:nvPr/>
-      </p:nvGrpSpPr>
-      <p:grpSpPr>
-        <a:xfrm>
-          <a:off x="0" y="0"/>
-          <a:ext cx="0" cy="0"/>
-          <a:chOff x="0" y="0"/>
-          <a:chExt cx="0" cy="0"/>
-        </a:xfrm>
-      </p:grpSpPr>
-      <p:sp>
-        <p:nvSpPr>
-          <p:cNvPr id="2" name="Title 1">
-            <a:extLst>
-              <a:ext uri="{FF2B5EF4-FFF2-40B4-BE49-F238E27FC236}">
-                <a16:creationId xmlns:a16="http://schemas.microsoft.com/office/drawing/2014/main" id="{65CBFD43-B1D6-6546-AAAA-31EF4411D520}"/>
-              </a:ext>
-            </a:extLst>
-          </p:cNvPr>
-          <p:cNvSpPr>
-            <a:spLocks noGrp="1"/>
-          </p:cNvSpPr>
-          <p:nvPr>
-            <p:ph type="title"/>
-          </p:nvPr>
-        </p:nvSpPr>
-        <p:spPr/>
-        <p:txBody>
-          <a:bodyPr/>
-          <a:lstStyle/>
-          <a:p>
-            <a:r>
-              <a:rPr lang="en-US" dirty="0"/>
-              <a:t>Python Gotcha's: a += b and a = a + b</a:t>
-            </a:r>
-          </a:p>
-        </p:txBody>
-      </p:sp>
-      <p:sp>
-        <p:nvSpPr>
-          <p:cNvPr id="3" name="Content Placeholder 2">
-            <a:extLst>
-              <a:ext uri="{FF2B5EF4-FFF2-40B4-BE49-F238E27FC236}">
-                <a16:creationId xmlns:a16="http://schemas.microsoft.com/office/drawing/2014/main" id="{C98ACB1A-959B-2943-8C5E-9E8D7AC6454A}"/>
-              </a:ext>
-            </a:extLst>
-          </p:cNvPr>
-          <p:cNvSpPr>
-            <a:spLocks noGrp="1"/>
-          </p:cNvSpPr>
-          <p:nvPr>
-            <p:ph idx="1"/>
-          </p:nvPr>
-        </p:nvSpPr>
-        <p:spPr>
-          <a:xfrm>
-            <a:off x="533400" y="2426159"/>
-            <a:ext cx="8763000" cy="4409090"/>
-          </a:xfrm>
-        </p:spPr>
-        <p:txBody>
-          <a:bodyPr/>
-          <a:lstStyle/>
-          <a:p>
-            <a:pPr marL="0" indent="0">
-              <a:buNone/>
-            </a:pPr>
-            <a:r>
-              <a:rPr lang="en-US" sz="2000" dirty="0">
-                <a:latin typeface="Source Code Pro Medium" panose="020B0309030403020204" pitchFamily="34" charset="0"/>
-                <a:ea typeface="Source Code Pro Medium" panose="020B0309030403020204" pitchFamily="34" charset="0"/>
-              </a:rPr>
-              <a:t>def </a:t>
-            </a:r>
-            <a:r>
-              <a:rPr lang="en-US" sz="2000" dirty="0" err="1">
-                <a:latin typeface="Source Code Pro Medium" panose="020B0309030403020204" pitchFamily="34" charset="0"/>
-                <a:ea typeface="Source Code Pro Medium" panose="020B0309030403020204" pitchFamily="34" charset="0"/>
-              </a:rPr>
-              <a:t>add_data_to_thing</a:t>
-            </a:r>
-            <a:r>
-              <a:rPr lang="en-US" sz="2000" dirty="0">
-                <a:latin typeface="Source Code Pro Medium" panose="020B0309030403020204" pitchFamily="34" charset="0"/>
-                <a:ea typeface="Source Code Pro Medium" panose="020B0309030403020204" pitchFamily="34" charset="0"/>
-              </a:rPr>
-              <a:t>(thing, data):</a:t>
-            </a:r>
-          </a:p>
-          <a:p>
-            <a:pPr marL="0" indent="0">
-              <a:buNone/>
-            </a:pPr>
-            <a:r>
-              <a:rPr lang="en-US" sz="2000" dirty="0">
-                <a:latin typeface="Source Code Pro Medium" panose="020B0309030403020204" pitchFamily="34" charset="0"/>
-                <a:ea typeface="Source Code Pro Medium" panose="020B0309030403020204" pitchFamily="34" charset="0"/>
-              </a:rPr>
-              <a:t>     print(f"+=, Before: {thing}")</a:t>
-            </a:r>
-          </a:p>
-          <a:p>
-            <a:pPr marL="0" indent="0">
-              <a:buNone/>
-            </a:pPr>
-            <a:r>
-              <a:rPr lang="en-US" sz="2000" dirty="0">
-                <a:latin typeface="Source Code Pro Medium" panose="020B0309030403020204" pitchFamily="34" charset="0"/>
-                <a:ea typeface="Source Code Pro Medium" panose="020B0309030403020204" pitchFamily="34" charset="0"/>
-              </a:rPr>
-              <a:t>     thing += data</a:t>
-            </a:r>
-          </a:p>
-          <a:p>
-            <a:pPr marL="0" indent="0">
-              <a:buNone/>
-            </a:pPr>
-            <a:r>
-              <a:rPr lang="en-US" sz="2000" dirty="0">
-                <a:latin typeface="Source Code Pro Medium" panose="020B0309030403020204" pitchFamily="34" charset="0"/>
-                <a:ea typeface="Source Code Pro Medium" panose="020B0309030403020204" pitchFamily="34" charset="0"/>
-              </a:rPr>
-              <a:t>     print(f"+=, After: {thing}")</a:t>
-            </a:r>
-          </a:p>
-          <a:p>
-            <a:pPr marL="0" indent="0">
-              <a:buNone/>
-            </a:pPr>
-            <a:r>
-              <a:rPr lang="en-US" sz="2000" dirty="0">
-                <a:latin typeface="Source Code Pro Medium" panose="020B0309030403020204" pitchFamily="34" charset="0"/>
-                <a:ea typeface="Source Code Pro Medium" panose="020B0309030403020204" pitchFamily="34" charset="0"/>
-              </a:rPr>
-              <a:t>     return thing</a:t>
-            </a:r>
-          </a:p>
-          <a:p>
-            <a:pPr marL="0" indent="0">
-              <a:buNone/>
-            </a:pPr>
-            <a:endParaRPr lang="en-US" sz="2000" dirty="0">
-              <a:latin typeface="Source Code Pro Medium" panose="020B0309030403020204" pitchFamily="34" charset="0"/>
-              <a:ea typeface="Source Code Pro Medium" panose="020B0309030403020204" pitchFamily="34" charset="0"/>
-            </a:endParaRPr>
-          </a:p>
-          <a:p>
-            <a:pPr marL="0" indent="0">
-              <a:buNone/>
-            </a:pPr>
-            <a:r>
-              <a:rPr lang="en-US" sz="2000" dirty="0">
-                <a:latin typeface="Source Code Pro Medium" panose="020B0309030403020204" pitchFamily="34" charset="0"/>
-                <a:ea typeface="Source Code Pro Medium" panose="020B0309030403020204" pitchFamily="34" charset="0"/>
-              </a:rPr>
-              <a:t>def </a:t>
-            </a:r>
-            <a:r>
-              <a:rPr lang="en-US" sz="2000" dirty="0" err="1">
-                <a:latin typeface="Source Code Pro Medium" panose="020B0309030403020204" pitchFamily="34" charset="0"/>
-                <a:ea typeface="Source Code Pro Medium" panose="020B0309030403020204" pitchFamily="34" charset="0"/>
-              </a:rPr>
-              <a:t>new_thing_with_data</a:t>
-            </a:r>
-            <a:r>
-              <a:rPr lang="en-US" sz="2000" dirty="0">
-                <a:latin typeface="Source Code Pro Medium" panose="020B0309030403020204" pitchFamily="34" charset="0"/>
-                <a:ea typeface="Source Code Pro Medium" panose="020B0309030403020204" pitchFamily="34" charset="0"/>
-              </a:rPr>
-              <a:t>(thing, data):</a:t>
-            </a:r>
-          </a:p>
-          <a:p>
-            <a:pPr marL="0" indent="0">
-              <a:buNone/>
-            </a:pPr>
-            <a:r>
-              <a:rPr lang="en-US" sz="2000" dirty="0">
-                <a:latin typeface="Source Code Pro Medium" panose="020B0309030403020204" pitchFamily="34" charset="0"/>
-                <a:ea typeface="Source Code Pro Medium" panose="020B0309030403020204" pitchFamily="34" charset="0"/>
-              </a:rPr>
-              <a:t>     print(f"=, Before: {thing}")</a:t>
-            </a:r>
-          </a:p>
-          <a:p>
-            <a:pPr marL="0" indent="0">
-              <a:buNone/>
-            </a:pPr>
-            <a:r>
-              <a:rPr lang="en-US" sz="2000" dirty="0">
-                <a:latin typeface="Source Code Pro Medium" panose="020B0309030403020204" pitchFamily="34" charset="0"/>
-                <a:ea typeface="Source Code Pro Medium" panose="020B0309030403020204" pitchFamily="34" charset="0"/>
-              </a:rPr>
-              <a:t>     thing = thing + data</a:t>
-            </a:r>
-          </a:p>
-          <a:p>
-            <a:pPr marL="0" indent="0">
-              <a:buNone/>
-            </a:pPr>
-            <a:r>
-              <a:rPr lang="en-US" sz="2000" dirty="0">
-                <a:latin typeface="Source Code Pro Medium" panose="020B0309030403020204" pitchFamily="34" charset="0"/>
-                <a:ea typeface="Source Code Pro Medium" panose="020B0309030403020204" pitchFamily="34" charset="0"/>
-              </a:rPr>
-              <a:t>     print(f"=, After: {thing}")</a:t>
-            </a:r>
-          </a:p>
-          <a:p>
-            <a:pPr marL="0" indent="0">
-              <a:buNone/>
-            </a:pPr>
-            <a:r>
-              <a:rPr lang="en-US" sz="2000" dirty="0">
-                <a:latin typeface="Source Code Pro Medium" panose="020B0309030403020204" pitchFamily="34" charset="0"/>
-                <a:ea typeface="Source Code Pro Medium" panose="020B0309030403020204" pitchFamily="34" charset="0"/>
-              </a:rPr>
-              <a:t>     return thing</a:t>
-            </a:r>
-          </a:p>
-        </p:txBody>
-      </p:sp>
-      <p:sp>
-        <p:nvSpPr>
-          <p:cNvPr id="4" name="TextBox 3">
-            <a:extLst>
-              <a:ext uri="{FF2B5EF4-FFF2-40B4-BE49-F238E27FC236}">
-                <a16:creationId xmlns:a16="http://schemas.microsoft.com/office/drawing/2014/main" id="{649D35FC-3C31-112A-9CEC-39D6D40F4C28}"/>
-              </a:ext>
-            </a:extLst>
-          </p:cNvPr>
-          <p:cNvSpPr txBox="1"/>
-          <p:nvPr/>
-        </p:nvSpPr>
-        <p:spPr>
-          <a:xfrm>
-            <a:off x="533400" y="1051034"/>
-            <a:ext cx="8387925" cy="1323439"/>
-          </a:xfrm>
-          <a:prstGeom prst="rect">
-            <a:avLst/>
-          </a:prstGeom>
-          <a:noFill/>
-        </p:spPr>
-        <p:txBody>
-          <a:bodyPr wrap="square" rtlCol="0">
-            <a:spAutoFit/>
-          </a:bodyPr>
-          <a:lstStyle/>
-          <a:p>
-            <a:pPr marL="342900" indent="-342900">
-              <a:buFont typeface="Arial" panose="020B0604020202020204" pitchFamily="34" charset="0"/>
-              <a:buChar char="•"/>
-            </a:pPr>
-            <a:r>
-              <a:rPr lang="en-US" sz="2000" dirty="0">
-                <a:latin typeface="Open Sans Light" panose="020B0606030504020204" pitchFamily="34" charset="0"/>
-                <a:ea typeface="Open Sans Light" panose="020B0606030504020204" pitchFamily="34" charset="0"/>
-                <a:cs typeface="Open Sans Light" panose="020B0606030504020204" pitchFamily="34" charset="0"/>
-              </a:rPr>
-              <a:t>Sometimes similar </a:t>
-            </a:r>
-            <a:r>
-              <a:rPr lang="en-US" sz="2000" i="1" dirty="0">
-                <a:latin typeface="Open Sans ExtraBold" panose="020B0606030504020204" pitchFamily="34" charset="0"/>
-                <a:ea typeface="Open Sans ExtraBold" panose="020B0606030504020204" pitchFamily="34" charset="0"/>
-                <a:cs typeface="Open Sans ExtraBold" panose="020B0606030504020204" pitchFamily="34" charset="0"/>
-              </a:rPr>
-              <a:t>looking</a:t>
-            </a:r>
-            <a:r>
-              <a:rPr lang="en-US" sz="2000" dirty="0">
-                <a:latin typeface="Open Sans Light" panose="020B0606030504020204" pitchFamily="34" charset="0"/>
-                <a:ea typeface="Open Sans Light" panose="020B0606030504020204" pitchFamily="34" charset="0"/>
-                <a:cs typeface="Open Sans Light" panose="020B0606030504020204" pitchFamily="34" charset="0"/>
-              </a:rPr>
-              <a:t> operations have very different results!</a:t>
-            </a:r>
-          </a:p>
-          <a:p>
-            <a:pPr marL="342900" indent="-342900">
-              <a:buFont typeface="Arial" panose="020B0604020202020204" pitchFamily="34" charset="0"/>
-              <a:buChar char="•"/>
-            </a:pPr>
-            <a:r>
-              <a:rPr lang="en-US" sz="2000" dirty="0">
-                <a:latin typeface="Open Sans Light" panose="020B0606030504020204" pitchFamily="34" charset="0"/>
-                <a:ea typeface="Open Sans Light" panose="020B0606030504020204" pitchFamily="34" charset="0"/>
-                <a:cs typeface="Open Sans Light" panose="020B0606030504020204" pitchFamily="34" charset="0"/>
-              </a:rPr>
-              <a:t>Why? </a:t>
-            </a:r>
-          </a:p>
-          <a:p>
-            <a:pPr marL="342900" lvl="8" indent="-342900">
-              <a:buFont typeface="Arial" panose="020B0604020202020204" pitchFamily="34" charset="0"/>
-              <a:buChar char="•"/>
-            </a:pPr>
-            <a:r>
-              <a:rPr lang="en-US" sz="2000" dirty="0">
-                <a:latin typeface="Open Sans Light" panose="020B0606030504020204" pitchFamily="34" charset="0"/>
-                <a:ea typeface="Open Sans Light" panose="020B0606030504020204" pitchFamily="34" charset="0"/>
-                <a:cs typeface="Open Sans Light" panose="020B0606030504020204" pitchFamily="34" charset="0"/>
-              </a:rPr>
-              <a:t>= always binds (or re-binds) a value to a name.</a:t>
-            </a:r>
-          </a:p>
-          <a:p>
-            <a:pPr marL="342900" lvl="8" indent="-342900">
-              <a:buFont typeface="Arial" panose="020B0604020202020204" pitchFamily="34" charset="0"/>
-              <a:buChar char="•"/>
-            </a:pPr>
-            <a:r>
-              <a:rPr lang="en-US" sz="2000" dirty="0">
-                <a:latin typeface="Open Sans Light" panose="020B0606030504020204" pitchFamily="34" charset="0"/>
-                <a:ea typeface="Open Sans Light" panose="020B0606030504020204" pitchFamily="34" charset="0"/>
-                <a:cs typeface="Open Sans Light" panose="020B0606030504020204" pitchFamily="34" charset="0"/>
-                <a:hlinkClick r:id="rId2"/>
-              </a:rPr>
-              <a:t>Python Tutor</a:t>
-            </a:r>
-            <a:endParaRPr lang="en-US" sz="2000" dirty="0">
-              <a:latin typeface="Open Sans Light" panose="020B0606030504020204" pitchFamily="34" charset="0"/>
-              <a:ea typeface="Open Sans Light" panose="020B0606030504020204" pitchFamily="34" charset="0"/>
-              <a:cs typeface="Open Sans Light" panose="020B0606030504020204" pitchFamily="34" charset="0"/>
-            </a:endParaRPr>
-          </a:p>
-        </p:txBody>
-      </p:sp>
-    </p:spTree>
-    <p:extLst>
-      <p:ext uri="{BB962C8B-B14F-4D97-AF65-F5344CB8AC3E}">
-        <p14:creationId xmlns:p14="http://schemas.microsoft.com/office/powerpoint/2010/main" val="1838467773"/>
-      </p:ext>
-    </p:extLst>
-  </p:cSld>
-  <p:clrMapOvr>
-    <a:masterClrMapping/>
-  </p:clrMapOvr>
-</p:sld>
-</file>
-
-<file path=ppt/slides/slide43.xml><?xml version="1.0" encoding="utf-8"?>
-<p:sld xmlns:a="http://schemas.openxmlformats.org/drawingml/2006/main" xmlns:r="http://schemas.openxmlformats.org/officeDocument/2006/relationships" xmlns:p="http://schemas.openxmlformats.org/presentationml/2006/main">
-  <p:cSld>
-    <p:spTree>
-      <p:nvGrpSpPr>
-        <p:cNvPr id="1" name="">
-          <a:extLst>
-            <a:ext uri="{FF2B5EF4-FFF2-40B4-BE49-F238E27FC236}">
-              <a16:creationId xmlns:a16="http://schemas.microsoft.com/office/drawing/2014/main" id="{A768A0B0-EAEB-7905-1F60-F9148C696D49}"/>
-            </a:ext>
-          </a:extLst>
-        </p:cNvPr>
-        <p:cNvGrpSpPr/>
-        <p:nvPr/>
-      </p:nvGrpSpPr>
-      <p:grpSpPr>
-        <a:xfrm>
-          <a:off x="0" y="0"/>
-          <a:ext cx="0" cy="0"/>
-          <a:chOff x="0" y="0"/>
-          <a:chExt cx="0" cy="0"/>
-        </a:xfrm>
-      </p:grpSpPr>
-      <p:sp>
-        <p:nvSpPr>
-          <p:cNvPr id="2" name="Title 1">
-            <a:extLst>
-              <a:ext uri="{FF2B5EF4-FFF2-40B4-BE49-F238E27FC236}">
-                <a16:creationId xmlns:a16="http://schemas.microsoft.com/office/drawing/2014/main" id="{36BF7D64-DB76-409A-E65C-17B3CCF92268}"/>
-              </a:ext>
-            </a:extLst>
-          </p:cNvPr>
-          <p:cNvSpPr>
-            <a:spLocks noGrp="1"/>
-          </p:cNvSpPr>
-          <p:nvPr>
-            <p:ph type="title"/>
-          </p:nvPr>
-        </p:nvSpPr>
-        <p:spPr/>
-        <p:txBody>
-          <a:bodyPr/>
-          <a:lstStyle/>
-          <a:p>
-            <a:r>
-              <a:rPr lang="en-US" dirty="0"/>
-              <a:t>Lecture overview. Any questions?</a:t>
-            </a:r>
-          </a:p>
-        </p:txBody>
-      </p:sp>
-      <p:sp>
-        <p:nvSpPr>
-          <p:cNvPr id="3" name="Content Placeholder 2">
-            <a:extLst>
-              <a:ext uri="{FF2B5EF4-FFF2-40B4-BE49-F238E27FC236}">
-                <a16:creationId xmlns:a16="http://schemas.microsoft.com/office/drawing/2014/main" id="{B836C9F3-5112-45B6-9876-1752CAE15704}"/>
-              </a:ext>
-            </a:extLst>
-          </p:cNvPr>
-          <p:cNvSpPr>
-            <a:spLocks noGrp="1"/>
-          </p:cNvSpPr>
-          <p:nvPr>
-            <p:ph idx="1"/>
-          </p:nvPr>
-        </p:nvSpPr>
-        <p:spPr/>
-        <p:txBody>
-          <a:bodyPr/>
-          <a:lstStyle/>
-          <a:p>
-            <a:pPr>
-              <a:buFontTx/>
-              <a:buChar char="-"/>
-            </a:pPr>
-            <a:r>
-              <a:rPr lang="en-US" dirty="0"/>
-              <a:t> Environment diagrams (review, lambdas)</a:t>
-            </a:r>
-          </a:p>
-          <a:p>
-            <a:pPr>
-              <a:buFontTx/>
-              <a:buChar char="-"/>
-            </a:pPr>
-            <a:r>
-              <a:rPr lang="en-US" dirty="0"/>
-              <a:t> Mutable data</a:t>
-            </a:r>
-          </a:p>
-          <a:p>
-            <a:pPr lvl="1">
-              <a:buFontTx/>
-              <a:buChar char="-"/>
-            </a:pPr>
-            <a:r>
-              <a:rPr lang="en-US" dirty="0"/>
-              <a:t> </a:t>
-            </a:r>
-            <a:r>
-              <a:rPr lang="en-US" dirty="0" err="1"/>
-              <a:t>dict</a:t>
-            </a:r>
-            <a:endParaRPr lang="en-US" dirty="0"/>
-          </a:p>
-        </p:txBody>
-      </p:sp>
-      <p:sp>
-        <p:nvSpPr>
-          <p:cNvPr id="4" name="Footer Placeholder 3">
-            <a:extLst>
-              <a:ext uri="{FF2B5EF4-FFF2-40B4-BE49-F238E27FC236}">
-                <a16:creationId xmlns:a16="http://schemas.microsoft.com/office/drawing/2014/main" id="{A21AAC4B-C44F-89FB-3123-25DB3F2EB1F9}"/>
-              </a:ext>
-            </a:extLst>
-          </p:cNvPr>
-          <p:cNvSpPr>
-            <a:spLocks noGrp="1"/>
-          </p:cNvSpPr>
-          <p:nvPr>
-            <p:ph type="ftr" sz="quarter" idx="10"/>
-          </p:nvPr>
-        </p:nvSpPr>
-        <p:spPr>
-          <a:xfrm>
-            <a:off x="4038599" y="6356350"/>
-            <a:ext cx="4348655" cy="365125"/>
-          </a:xfrm>
-        </p:spPr>
-        <p:txBody>
-          <a:bodyPr/>
-          <a:lstStyle/>
-          <a:p>
-            <a:r>
-              <a:rPr lang="en-US" dirty="0"/>
-              <a:t>Eric Kim | UC Berkeley | https://c88c.org | © CC BY-NC-SA</a:t>
-            </a:r>
-          </a:p>
-        </p:txBody>
-      </p:sp>
-    </p:spTree>
-    <p:extLst>
-      <p:ext uri="{BB962C8B-B14F-4D97-AF65-F5344CB8AC3E}">
-        <p14:creationId xmlns:p14="http://schemas.microsoft.com/office/powerpoint/2010/main" val="676399433"/>
-      </p:ext>
-    </p:extLst>
-  </p:cSld>
-  <p:clrMapOvr>
-    <a:masterClrMapping/>
-  </p:clrMapOvr>
 </p:sld>
 </file>
 
